--- a/What Did We Listen To 2010-2020.pptx
+++ b/What Did We Listen To 2010-2020.pptx
@@ -9,8 +9,10 @@
     <p:sldId id="261" r:id="rId6"/>
     <p:sldId id="262" r:id="rId7"/>
     <p:sldId id="263" r:id="rId8"/>
-    <p:sldId id="264" r:id="rId9"/>
-    <p:sldId id="265" r:id="rId10"/>
+    <p:sldId id="266" r:id="rId9"/>
+    <p:sldId id="267" r:id="rId10"/>
+    <p:sldId id="264" r:id="rId11"/>
+    <p:sldId id="265" r:id="rId12"/>
   </p:sldIdLst>
   <p:sldSz cx="12192000" cy="6858000"/>
   <p:notesSz cx="6858000" cy="9144000"/>
@@ -117,10 +119,22 @@
 </p:presentation>
 </file>
 
+<file path=ppt/commentAuthors.xml><?xml version="1.0" encoding="utf-8"?>
+<p:cmAuthorLst xmlns:a="http://schemas.openxmlformats.org/drawingml/2006/main" xmlns:r="http://schemas.openxmlformats.org/officeDocument/2006/relationships" xmlns:p="http://schemas.openxmlformats.org/presentationml/2006/main">
+  <p:cmAuthor id="1" name="Billye Merritts" initials="BM" lastIdx="1" clrIdx="0">
+    <p:extLst>
+      <p:ext uri="{19B8F6BF-5375-455C-9EA6-DF929625EA0E}">
+        <p15:presenceInfo xmlns:p15="http://schemas.microsoft.com/office/powerpoint/2012/main" userId="2716f5ca735b6894" providerId="Windows Live"/>
+      </p:ext>
+    </p:extLst>
+  </p:cmAuthor>
+</p:cmAuthorLst>
+</file>
+
 <file path=ppt/revisionInfo.xml><?xml version="1.0" encoding="utf-8"?>
 <p1510:revInfo xmlns:a="http://schemas.openxmlformats.org/drawingml/2006/main" xmlns:r="http://schemas.openxmlformats.org/officeDocument/2006/relationships" xmlns:p1510="http://schemas.microsoft.com/office/powerpoint/2015/10/main">
   <p1510:revLst>
-    <p1510:client id="{02F584DD-8992-4E2C-A31E-20F8674FAE58}" v="13" dt="2021-02-11T18:52:39.559"/>
+    <p1510:client id="{02F584DD-8992-4E2C-A31E-20F8674FAE58}" v="63" dt="2021-02-12T15:38:36.408"/>
   </p1510:revLst>
 </p1510:revInfo>
 </file>
@@ -129,19 +143,74 @@
 <pc:chgInfo xmlns:a="http://schemas.openxmlformats.org/drawingml/2006/main" xmlns:r="http://schemas.openxmlformats.org/officeDocument/2006/relationships" xmlns:ac="http://schemas.microsoft.com/office/drawing/2013/main/command" xmlns:pc="http://schemas.microsoft.com/office/powerpoint/2013/main/command">
   <pc:docChgLst>
     <pc:chgData name="Billye Merritts" userId="2716f5ca735b6894" providerId="LiveId" clId="{02F584DD-8992-4E2C-A31E-20F8674FAE58}"/>
-    <pc:docChg chg="custSel modSld">
-      <pc:chgData name="Billye Merritts" userId="2716f5ca735b6894" providerId="LiveId" clId="{02F584DD-8992-4E2C-A31E-20F8674FAE58}" dt="2021-02-12T13:32:39.724" v="239" actId="1076"/>
+    <pc:docChg chg="undo custSel addSld delSld modSld sldOrd">
+      <pc:chgData name="Billye Merritts" userId="2716f5ca735b6894" providerId="LiveId" clId="{02F584DD-8992-4E2C-A31E-20F8674FAE58}" dt="2021-02-12T15:56:41.083" v="1206" actId="732"/>
       <pc:docMkLst>
         <pc:docMk/>
       </pc:docMkLst>
-      <pc:sldChg chg="modSp">
-        <pc:chgData name="Billye Merritts" userId="2716f5ca735b6894" providerId="LiveId" clId="{02F584DD-8992-4E2C-A31E-20F8674FAE58}" dt="2021-02-11T18:52:39.559" v="224" actId="20577"/>
+      <pc:sldChg chg="addSp delSp modSp mod">
+        <pc:chgData name="Billye Merritts" userId="2716f5ca735b6894" providerId="LiveId" clId="{02F584DD-8992-4E2C-A31E-20F8674FAE58}" dt="2021-02-12T15:35:36.671" v="918" actId="20577"/>
+        <pc:sldMkLst>
+          <pc:docMk/>
+          <pc:sldMk cId="2584280759" sldId="257"/>
+        </pc:sldMkLst>
+        <pc:spChg chg="mod ord">
+          <ac:chgData name="Billye Merritts" userId="2716f5ca735b6894" providerId="LiveId" clId="{02F584DD-8992-4E2C-A31E-20F8674FAE58}" dt="2021-02-12T15:35:36.671" v="918" actId="20577"/>
+          <ac:spMkLst>
+            <pc:docMk/>
+            <pc:sldMk cId="2584280759" sldId="257"/>
+            <ac:spMk id="2" creationId="{18C3B467-088C-4F3D-A9A7-105C4E1E20CD}"/>
+          </ac:spMkLst>
+        </pc:spChg>
+        <pc:spChg chg="mod ord">
+          <ac:chgData name="Billye Merritts" userId="2716f5ca735b6894" providerId="LiveId" clId="{02F584DD-8992-4E2C-A31E-20F8674FAE58}" dt="2021-02-12T14:59:40.429" v="686" actId="14100"/>
+          <ac:spMkLst>
+            <pc:docMk/>
+            <pc:sldMk cId="2584280759" sldId="257"/>
+            <ac:spMk id="3" creationId="{C8722DDC-8EEE-4A06-8DFE-B44871EAA2CF}"/>
+          </ac:spMkLst>
+        </pc:spChg>
+        <pc:picChg chg="del">
+          <ac:chgData name="Billye Merritts" userId="2716f5ca735b6894" providerId="LiveId" clId="{02F584DD-8992-4E2C-A31E-20F8674FAE58}" dt="2021-02-12T14:50:39.043" v="666" actId="478"/>
+          <ac:picMkLst>
+            <pc:docMk/>
+            <pc:sldMk cId="2584280759" sldId="257"/>
+            <ac:picMk id="5" creationId="{DE54DDAB-BFE6-4631-B176-2146CBAA05BE}"/>
+          </ac:picMkLst>
+        </pc:picChg>
+        <pc:picChg chg="add del mod">
+          <ac:chgData name="Billye Merritts" userId="2716f5ca735b6894" providerId="LiveId" clId="{02F584DD-8992-4E2C-A31E-20F8674FAE58}" dt="2021-02-12T14:57:10.274" v="671" actId="478"/>
+          <ac:picMkLst>
+            <pc:docMk/>
+            <pc:sldMk cId="2584280759" sldId="257"/>
+            <ac:picMk id="7" creationId="{0BB6116D-9506-4E33-9851-D2113202FAED}"/>
+          </ac:picMkLst>
+        </pc:picChg>
+        <pc:picChg chg="add mod">
+          <ac:chgData name="Billye Merritts" userId="2716f5ca735b6894" providerId="LiveId" clId="{02F584DD-8992-4E2C-A31E-20F8674FAE58}" dt="2021-02-12T14:58:20.682" v="682" actId="14100"/>
+          <ac:picMkLst>
+            <pc:docMk/>
+            <pc:sldMk cId="2584280759" sldId="257"/>
+            <ac:picMk id="9" creationId="{71E06458-85D7-41AB-B509-8C48E88D0D2D}"/>
+          </ac:picMkLst>
+        </pc:picChg>
+      </pc:sldChg>
+      <pc:sldChg chg="modSp mod">
+        <pc:chgData name="Billye Merritts" userId="2716f5ca735b6894" providerId="LiveId" clId="{02F584DD-8992-4E2C-A31E-20F8674FAE58}" dt="2021-02-12T15:36:41.988" v="924" actId="255"/>
         <pc:sldMkLst>
           <pc:docMk/>
           <pc:sldMk cId="183243182" sldId="261"/>
         </pc:sldMkLst>
+        <pc:spChg chg="mod">
+          <ac:chgData name="Billye Merritts" userId="2716f5ca735b6894" providerId="LiveId" clId="{02F584DD-8992-4E2C-A31E-20F8674FAE58}" dt="2021-02-12T15:19:27.198" v="722" actId="20577"/>
+          <ac:spMkLst>
+            <pc:docMk/>
+            <pc:sldMk cId="183243182" sldId="261"/>
+            <ac:spMk id="2" creationId="{7A4919D0-F177-4BBA-9A0B-DBA69E2ED764}"/>
+          </ac:spMkLst>
+        </pc:spChg>
         <pc:graphicFrameChg chg="mod">
-          <ac:chgData name="Billye Merritts" userId="2716f5ca735b6894" providerId="LiveId" clId="{02F584DD-8992-4E2C-A31E-20F8674FAE58}" dt="2021-02-11T18:52:39.559" v="224" actId="20577"/>
+          <ac:chgData name="Billye Merritts" userId="2716f5ca735b6894" providerId="LiveId" clId="{02F584DD-8992-4E2C-A31E-20F8674FAE58}" dt="2021-02-12T15:36:41.988" v="924" actId="255"/>
           <ac:graphicFrameMkLst>
             <pc:docMk/>
             <pc:sldMk cId="183243182" sldId="261"/>
@@ -149,22 +218,54 @@
           </ac:graphicFrameMkLst>
         </pc:graphicFrameChg>
       </pc:sldChg>
-      <pc:sldChg chg="addSp delSp modSp mod">
-        <pc:chgData name="Billye Merritts" userId="2716f5ca735b6894" providerId="LiveId" clId="{02F584DD-8992-4E2C-A31E-20F8674FAE58}" dt="2021-02-12T13:32:39.724" v="239" actId="1076"/>
+      <pc:sldChg chg="addSp delSp modSp mod modClrScheme chgLayout">
+        <pc:chgData name="Billye Merritts" userId="2716f5ca735b6894" providerId="LiveId" clId="{02F584DD-8992-4E2C-A31E-20F8674FAE58}" dt="2021-02-12T14:34:43.575" v="583" actId="14100"/>
         <pc:sldMkLst>
           <pc:docMk/>
           <pc:sldMk cId="3436256114" sldId="262"/>
         </pc:sldMkLst>
-        <pc:spChg chg="mod">
-          <ac:chgData name="Billye Merritts" userId="2716f5ca735b6894" providerId="LiveId" clId="{02F584DD-8992-4E2C-A31E-20F8674FAE58}" dt="2021-02-11T18:49:57.514" v="148" actId="20577"/>
+        <pc:spChg chg="mod ord">
+          <ac:chgData name="Billye Merritts" userId="2716f5ca735b6894" providerId="LiveId" clId="{02F584DD-8992-4E2C-A31E-20F8674FAE58}" dt="2021-02-12T14:33:27.838" v="579" actId="14100"/>
+          <ac:spMkLst>
+            <pc:docMk/>
+            <pc:sldMk cId="3436256114" sldId="262"/>
+            <ac:spMk id="2" creationId="{FA735AC4-47F8-465D-B24B-65E20D0E9D97}"/>
+          </ac:spMkLst>
+        </pc:spChg>
+        <pc:spChg chg="del mod ord">
+          <ac:chgData name="Billye Merritts" userId="2716f5ca735b6894" providerId="LiveId" clId="{02F584DD-8992-4E2C-A31E-20F8674FAE58}" dt="2021-02-12T14:29:03.657" v="500" actId="478"/>
           <ac:spMkLst>
             <pc:docMk/>
             <pc:sldMk cId="3436256114" sldId="262"/>
             <ac:spMk id="3" creationId="{3DFEAB30-D088-40A3-B340-6E8D177EAE6C}"/>
           </ac:spMkLst>
         </pc:spChg>
-        <pc:picChg chg="add mod">
-          <ac:chgData name="Billye Merritts" userId="2716f5ca735b6894" providerId="LiveId" clId="{02F584DD-8992-4E2C-A31E-20F8674FAE58}" dt="2021-02-12T13:32:39.724" v="239" actId="1076"/>
+        <pc:spChg chg="add del mod ord">
+          <ac:chgData name="Billye Merritts" userId="2716f5ca735b6894" providerId="LiveId" clId="{02F584DD-8992-4E2C-A31E-20F8674FAE58}" dt="2021-02-12T14:28:22.840" v="490" actId="700"/>
+          <ac:spMkLst>
+            <pc:docMk/>
+            <pc:sldMk cId="3436256114" sldId="262"/>
+            <ac:spMk id="4" creationId="{C30916A5-C142-4D10-AC1D-A9DBD9D9DCCC}"/>
+          </ac:spMkLst>
+        </pc:spChg>
+        <pc:spChg chg="add mod ord">
+          <ac:chgData name="Billye Merritts" userId="2716f5ca735b6894" providerId="LiveId" clId="{02F584DD-8992-4E2C-A31E-20F8674FAE58}" dt="2021-02-12T14:34:31.188" v="582" actId="20577"/>
+          <ac:spMkLst>
+            <pc:docMk/>
+            <pc:sldMk cId="3436256114" sldId="262"/>
+            <ac:spMk id="6" creationId="{0BDBD1C2-CA43-4EBF-9213-26C2E123BD94}"/>
+          </ac:spMkLst>
+        </pc:spChg>
+        <pc:spChg chg="add del mod">
+          <ac:chgData name="Billye Merritts" userId="2716f5ca735b6894" providerId="LiveId" clId="{02F584DD-8992-4E2C-A31E-20F8674FAE58}" dt="2021-02-12T14:29:11.952" v="501" actId="478"/>
+          <ac:spMkLst>
+            <pc:docMk/>
+            <pc:sldMk cId="3436256114" sldId="262"/>
+            <ac:spMk id="8" creationId="{E4DF18B3-10D1-4651-A53D-F88BA630126D}"/>
+          </ac:spMkLst>
+        </pc:spChg>
+        <pc:picChg chg="add del mod modCrop">
+          <ac:chgData name="Billye Merritts" userId="2716f5ca735b6894" providerId="LiveId" clId="{02F584DD-8992-4E2C-A31E-20F8674FAE58}" dt="2021-02-12T14:34:43.575" v="583" actId="14100"/>
           <ac:picMkLst>
             <pc:docMk/>
             <pc:sldMk cId="3436256114" sldId="262"/>
@@ -180,7 +281,7 @@
           </ac:picMkLst>
         </pc:picChg>
         <pc:picChg chg="add mod">
-          <ac:chgData name="Billye Merritts" userId="2716f5ca735b6894" providerId="LiveId" clId="{02F584DD-8992-4E2C-A31E-20F8674FAE58}" dt="2021-02-12T13:32:33.958" v="237" actId="1076"/>
+          <ac:chgData name="Billye Merritts" userId="2716f5ca735b6894" providerId="LiveId" clId="{02F584DD-8992-4E2C-A31E-20F8674FAE58}" dt="2021-02-12T14:30:21.612" v="513" actId="14100"/>
           <ac:picMkLst>
             <pc:docMk/>
             <pc:sldMk cId="3436256114" sldId="262"/>
@@ -188,20 +289,975 @@
           </ac:picMkLst>
         </pc:picChg>
       </pc:sldChg>
-      <pc:sldChg chg="modSp mod">
-        <pc:chgData name="Billye Merritts" userId="2716f5ca735b6894" providerId="LiveId" clId="{02F584DD-8992-4E2C-A31E-20F8674FAE58}" dt="2021-02-11T18:51:55.378" v="211" actId="6549"/>
+      <pc:sldChg chg="addSp delSp modSp mod modClrScheme chgLayout">
+        <pc:chgData name="Billye Merritts" userId="2716f5ca735b6894" providerId="LiveId" clId="{02F584DD-8992-4E2C-A31E-20F8674FAE58}" dt="2021-02-12T14:43:25.085" v="634" actId="1076"/>
         <pc:sldMkLst>
           <pc:docMk/>
           <pc:sldMk cId="666265414" sldId="263"/>
         </pc:sldMkLst>
-        <pc:spChg chg="mod">
-          <ac:chgData name="Billye Merritts" userId="2716f5ca735b6894" providerId="LiveId" clId="{02F584DD-8992-4E2C-A31E-20F8674FAE58}" dt="2021-02-11T18:51:55.378" v="211" actId="6549"/>
+        <pc:spChg chg="mod ord">
+          <ac:chgData name="Billye Merritts" userId="2716f5ca735b6894" providerId="LiveId" clId="{02F584DD-8992-4E2C-A31E-20F8674FAE58}" dt="2021-02-12T14:43:20.736" v="633" actId="1076"/>
+          <ac:spMkLst>
+            <pc:docMk/>
+            <pc:sldMk cId="666265414" sldId="263"/>
+            <ac:spMk id="2" creationId="{A9D89165-1D33-4A96-B551-69EAA2FFD8F7}"/>
+          </ac:spMkLst>
+        </pc:spChg>
+        <pc:spChg chg="del mod ord">
+          <ac:chgData name="Billye Merritts" userId="2716f5ca735b6894" providerId="LiveId" clId="{02F584DD-8992-4E2C-A31E-20F8674FAE58}" dt="2021-02-12T14:40:15.122" v="618" actId="478"/>
           <ac:spMkLst>
             <pc:docMk/>
             <pc:sldMk cId="666265414" sldId="263"/>
             <ac:spMk id="3" creationId="{D13133D6-84A7-4928-8E27-46E5AD15FA10}"/>
           </ac:spMkLst>
         </pc:spChg>
+        <pc:spChg chg="add del mod ord">
+          <ac:chgData name="Billye Merritts" userId="2716f5ca735b6894" providerId="LiveId" clId="{02F584DD-8992-4E2C-A31E-20F8674FAE58}" dt="2021-02-12T14:39:06.150" v="602" actId="700"/>
+          <ac:spMkLst>
+            <pc:docMk/>
+            <pc:sldMk cId="666265414" sldId="263"/>
+            <ac:spMk id="12" creationId="{5E76BE83-1C69-497D-9B68-C35CCA8AE82A}"/>
+          </ac:spMkLst>
+        </pc:spChg>
+        <pc:spChg chg="add mod ord">
+          <ac:chgData name="Billye Merritts" userId="2716f5ca735b6894" providerId="LiveId" clId="{02F584DD-8992-4E2C-A31E-20F8674FAE58}" dt="2021-02-12T14:43:25.085" v="634" actId="1076"/>
+          <ac:spMkLst>
+            <pc:docMk/>
+            <pc:sldMk cId="666265414" sldId="263"/>
+            <ac:spMk id="13" creationId="{638D9099-C5CC-4FC7-9787-C49BC7FF34CB}"/>
+          </ac:spMkLst>
+        </pc:spChg>
+        <pc:picChg chg="add del mod">
+          <ac:chgData name="Billye Merritts" userId="2716f5ca735b6894" providerId="LiveId" clId="{02F584DD-8992-4E2C-A31E-20F8674FAE58}" dt="2021-02-12T13:51:23.516" v="298" actId="21"/>
+          <ac:picMkLst>
+            <pc:docMk/>
+            <pc:sldMk cId="666265414" sldId="263"/>
+            <ac:picMk id="5" creationId="{C958CF2A-4637-4F8C-BE09-C5D6A482E669}"/>
+          </ac:picMkLst>
+        </pc:picChg>
+        <pc:picChg chg="add del mod">
+          <ac:chgData name="Billye Merritts" userId="2716f5ca735b6894" providerId="LiveId" clId="{02F584DD-8992-4E2C-A31E-20F8674FAE58}" dt="2021-02-12T14:38:16.074" v="590" actId="478"/>
+          <ac:picMkLst>
+            <pc:docMk/>
+            <pc:sldMk cId="666265414" sldId="263"/>
+            <ac:picMk id="7" creationId="{8F09B3C6-7DC3-45B8-8B56-D58B3E2373FF}"/>
+          </ac:picMkLst>
+        </pc:picChg>
+        <pc:picChg chg="add del mod">
+          <ac:chgData name="Billye Merritts" userId="2716f5ca735b6894" providerId="LiveId" clId="{02F584DD-8992-4E2C-A31E-20F8674FAE58}" dt="2021-02-12T14:38:14.374" v="589" actId="478"/>
+          <ac:picMkLst>
+            <pc:docMk/>
+            <pc:sldMk cId="666265414" sldId="263"/>
+            <ac:picMk id="9" creationId="{534DAFCB-332F-4E6F-9403-DFE53CE44ECA}"/>
+          </ac:picMkLst>
+        </pc:picChg>
+        <pc:picChg chg="add del mod">
+          <ac:chgData name="Billye Merritts" userId="2716f5ca735b6894" providerId="LiveId" clId="{02F584DD-8992-4E2C-A31E-20F8674FAE58}" dt="2021-02-12T14:40:03.628" v="613" actId="478"/>
+          <ac:picMkLst>
+            <pc:docMk/>
+            <pc:sldMk cId="666265414" sldId="263"/>
+            <ac:picMk id="10" creationId="{4A432EA6-4748-4444-A919-E95153F1252B}"/>
+          </ac:picMkLst>
+        </pc:picChg>
+        <pc:picChg chg="add mod modCrop">
+          <ac:chgData name="Billye Merritts" userId="2716f5ca735b6894" providerId="LiveId" clId="{02F584DD-8992-4E2C-A31E-20F8674FAE58}" dt="2021-02-12T14:41:34.946" v="632" actId="1076"/>
+          <ac:picMkLst>
+            <pc:docMk/>
+            <pc:sldMk cId="666265414" sldId="263"/>
+            <ac:picMk id="11" creationId="{38CE644B-D05A-492F-BDE3-829CCA354FA1}"/>
+          </ac:picMkLst>
+        </pc:picChg>
+      </pc:sldChg>
+      <pc:sldChg chg="addSp delSp modSp mod ord modClrScheme chgLayout">
+        <pc:chgData name="Billye Merritts" userId="2716f5ca735b6894" providerId="LiveId" clId="{02F584DD-8992-4E2C-A31E-20F8674FAE58}" dt="2021-02-12T15:52:57.070" v="1197" actId="478"/>
+        <pc:sldMkLst>
+          <pc:docMk/>
+          <pc:sldMk cId="2843926181" sldId="264"/>
+        </pc:sldMkLst>
+        <pc:spChg chg="mod ord">
+          <ac:chgData name="Billye Merritts" userId="2716f5ca735b6894" providerId="LiveId" clId="{02F584DD-8992-4E2C-A31E-20F8674FAE58}" dt="2021-02-12T15:21:19.717" v="739" actId="700"/>
+          <ac:spMkLst>
+            <pc:docMk/>
+            <pc:sldMk cId="2843926181" sldId="264"/>
+            <ac:spMk id="2" creationId="{26E23451-5887-4DA4-9DF3-F6F2EF46FDFC}"/>
+          </ac:spMkLst>
+        </pc:spChg>
+        <pc:spChg chg="del mod ord">
+          <ac:chgData name="Billye Merritts" userId="2716f5ca735b6894" providerId="LiveId" clId="{02F584DD-8992-4E2C-A31E-20F8674FAE58}" dt="2021-02-12T14:46:52.677" v="660" actId="21"/>
+          <ac:spMkLst>
+            <pc:docMk/>
+            <pc:sldMk cId="2843926181" sldId="264"/>
+            <ac:spMk id="3" creationId="{BD2D1196-E4A6-42C5-99E3-289EF95014F6}"/>
+          </ac:spMkLst>
+        </pc:spChg>
+        <pc:spChg chg="add del mod ord">
+          <ac:chgData name="Billye Merritts" userId="2716f5ca735b6894" providerId="LiveId" clId="{02F584DD-8992-4E2C-A31E-20F8674FAE58}" dt="2021-02-12T15:38:28.020" v="928" actId="21"/>
+          <ac:spMkLst>
+            <pc:docMk/>
+            <pc:sldMk cId="2843926181" sldId="264"/>
+            <ac:spMk id="4" creationId="{7210BAE6-21A6-407C-986C-1F76E4B93E19}"/>
+          </ac:spMkLst>
+        </pc:spChg>
+        <pc:spChg chg="add del mod">
+          <ac:chgData name="Billye Merritts" userId="2716f5ca735b6894" providerId="LiveId" clId="{02F584DD-8992-4E2C-A31E-20F8674FAE58}" dt="2021-02-12T14:47:00.958" v="661" actId="21"/>
+          <ac:spMkLst>
+            <pc:docMk/>
+            <pc:sldMk cId="2843926181" sldId="264"/>
+            <ac:spMk id="6" creationId="{BA732ED0-32DA-448B-8735-2682EBB7D7AE}"/>
+          </ac:spMkLst>
+        </pc:spChg>
+        <pc:spChg chg="add del mod ord">
+          <ac:chgData name="Billye Merritts" userId="2716f5ca735b6894" providerId="LiveId" clId="{02F584DD-8992-4E2C-A31E-20F8674FAE58}" dt="2021-02-12T15:21:43.869" v="746" actId="478"/>
+          <ac:spMkLst>
+            <pc:docMk/>
+            <pc:sldMk cId="2843926181" sldId="264"/>
+            <ac:spMk id="11" creationId="{668D1227-FE6F-4856-B78A-E071CDC1E2B2}"/>
+          </ac:spMkLst>
+        </pc:spChg>
+        <pc:spChg chg="add del mod ord">
+          <ac:chgData name="Billye Merritts" userId="2716f5ca735b6894" providerId="LiveId" clId="{02F584DD-8992-4E2C-A31E-20F8674FAE58}" dt="2021-02-12T15:21:52.834" v="748" actId="478"/>
+          <ac:spMkLst>
+            <pc:docMk/>
+            <pc:sldMk cId="2843926181" sldId="264"/>
+            <ac:spMk id="12" creationId="{9CE8FFBB-5CA1-4CD6-A0DD-0EE1C45A5A2D}"/>
+          </ac:spMkLst>
+        </pc:spChg>
+        <pc:spChg chg="add del mod ord">
+          <ac:chgData name="Billye Merritts" userId="2716f5ca735b6894" providerId="LiveId" clId="{02F584DD-8992-4E2C-A31E-20F8674FAE58}" dt="2021-02-12T15:22:13.151" v="752" actId="478"/>
+          <ac:spMkLst>
+            <pc:docMk/>
+            <pc:sldMk cId="2843926181" sldId="264"/>
+            <ac:spMk id="13" creationId="{4A669F34-AE41-4EBA-8FC6-BED5043BBB73}"/>
+          </ac:spMkLst>
+        </pc:spChg>
+        <pc:spChg chg="add del mod">
+          <ac:chgData name="Billye Merritts" userId="2716f5ca735b6894" providerId="LiveId" clId="{02F584DD-8992-4E2C-A31E-20F8674FAE58}" dt="2021-02-12T15:52:57.070" v="1197" actId="478"/>
+          <ac:spMkLst>
+            <pc:docMk/>
+            <pc:sldMk cId="2843926181" sldId="264"/>
+            <ac:spMk id="15" creationId="{EF18C601-9CBF-404B-AEF5-1F48DC6A0EA7}"/>
+          </ac:spMkLst>
+        </pc:spChg>
+        <pc:picChg chg="add mod">
+          <ac:chgData name="Billye Merritts" userId="2716f5ca735b6894" providerId="LiveId" clId="{02F584DD-8992-4E2C-A31E-20F8674FAE58}" dt="2021-02-12T15:22:08.807" v="751" actId="14100"/>
+          <ac:picMkLst>
+            <pc:docMk/>
+            <pc:sldMk cId="2843926181" sldId="264"/>
+            <ac:picMk id="8" creationId="{545FF779-0B1C-42F4-BF98-3B25CAF926A8}"/>
+          </ac:picMkLst>
+        </pc:picChg>
+        <pc:picChg chg="add mod">
+          <ac:chgData name="Billye Merritts" userId="2716f5ca735b6894" providerId="LiveId" clId="{02F584DD-8992-4E2C-A31E-20F8674FAE58}" dt="2021-02-12T15:22:17.850" v="753" actId="14100"/>
+          <ac:picMkLst>
+            <pc:docMk/>
+            <pc:sldMk cId="2843926181" sldId="264"/>
+            <ac:picMk id="10" creationId="{D52C4C1F-F3F7-499B-8BA6-0723FC562264}"/>
+          </ac:picMkLst>
+        </pc:picChg>
+      </pc:sldChg>
+      <pc:sldChg chg="addSp delSp modSp mod setBg setClrOvrMap delDesignElem chgLayout">
+        <pc:chgData name="Billye Merritts" userId="2716f5ca735b6894" providerId="LiveId" clId="{02F584DD-8992-4E2C-A31E-20F8674FAE58}" dt="2021-02-12T15:56:41.083" v="1206" actId="732"/>
+        <pc:sldMkLst>
+          <pc:docMk/>
+          <pc:sldMk cId="421656235" sldId="265"/>
+        </pc:sldMkLst>
+        <pc:spChg chg="mod ord">
+          <ac:chgData name="Billye Merritts" userId="2716f5ca735b6894" providerId="LiveId" clId="{02F584DD-8992-4E2C-A31E-20F8674FAE58}" dt="2021-02-12T15:54:26.074" v="1200" actId="26606"/>
+          <ac:spMkLst>
+            <pc:docMk/>
+            <pc:sldMk cId="421656235" sldId="265"/>
+            <ac:spMk id="2" creationId="{37299108-AF03-45DB-B861-488E97D6949A}"/>
+          </ac:spMkLst>
+        </pc:spChg>
+        <pc:spChg chg="add del">
+          <ac:chgData name="Billye Merritts" userId="2716f5ca735b6894" providerId="LiveId" clId="{02F584DD-8992-4E2C-A31E-20F8674FAE58}" dt="2021-02-12T15:28:08.931" v="811" actId="26606"/>
+          <ac:spMkLst>
+            <pc:docMk/>
+            <pc:sldMk cId="421656235" sldId="265"/>
+            <ac:spMk id="3" creationId="{1D347413-0054-4828-9548-83CA2936A77F}"/>
+          </ac:spMkLst>
+        </pc:spChg>
+        <pc:spChg chg="add del mod ord">
+          <ac:chgData name="Billye Merritts" userId="2716f5ca735b6894" providerId="LiveId" clId="{02F584DD-8992-4E2C-A31E-20F8674FAE58}" dt="2021-02-12T15:56:14.548" v="1201" actId="22"/>
+          <ac:spMkLst>
+            <pc:docMk/>
+            <pc:sldMk cId="421656235" sldId="265"/>
+            <ac:spMk id="4" creationId="{7F47433F-888B-4137-88A3-2EC2A71FAF31}"/>
+          </ac:spMkLst>
+        </pc:spChg>
+        <pc:spChg chg="add">
+          <ac:chgData name="Billye Merritts" userId="2716f5ca735b6894" providerId="LiveId" clId="{02F584DD-8992-4E2C-A31E-20F8674FAE58}" dt="2021-02-12T15:54:26.074" v="1200" actId="26606"/>
+          <ac:spMkLst>
+            <pc:docMk/>
+            <pc:sldMk cId="421656235" sldId="265"/>
+            <ac:spMk id="6" creationId="{C314C310-850D-4491-AA52-C75BEA68B68C}"/>
+          </ac:spMkLst>
+        </pc:spChg>
+        <pc:spChg chg="add del">
+          <ac:chgData name="Billye Merritts" userId="2716f5ca735b6894" providerId="LiveId" clId="{02F584DD-8992-4E2C-A31E-20F8674FAE58}" dt="2021-02-12T15:28:08.197" v="808" actId="26606"/>
+          <ac:spMkLst>
+            <pc:docMk/>
+            <pc:sldMk cId="421656235" sldId="265"/>
+            <ac:spMk id="10" creationId="{4DB4846F-6AA5-4DB3-9581-D95F22BD5662}"/>
+          </ac:spMkLst>
+        </pc:spChg>
+        <pc:spChg chg="add del">
+          <ac:chgData name="Billye Merritts" userId="2716f5ca735b6894" providerId="LiveId" clId="{02F584DD-8992-4E2C-A31E-20F8674FAE58}" dt="2021-02-12T15:27:51.739" v="804" actId="26606"/>
+          <ac:spMkLst>
+            <pc:docMk/>
+            <pc:sldMk cId="421656235" sldId="265"/>
+            <ac:spMk id="12" creationId="{73C0A186-7444-4460-9C37-532E7671E99E}"/>
+          </ac:spMkLst>
+        </pc:spChg>
+        <pc:spChg chg="add del">
+          <ac:chgData name="Billye Merritts" userId="2716f5ca735b6894" providerId="LiveId" clId="{02F584DD-8992-4E2C-A31E-20F8674FAE58}" dt="2021-02-12T15:28:08.197" v="808" actId="26606"/>
+          <ac:spMkLst>
+            <pc:docMk/>
+            <pc:sldMk cId="421656235" sldId="265"/>
+            <ac:spMk id="16" creationId="{A1081473-BB93-49A4-B605-4E2053739770}"/>
+          </ac:spMkLst>
+        </pc:spChg>
+        <pc:spChg chg="add del">
+          <ac:chgData name="Billye Merritts" userId="2716f5ca735b6894" providerId="LiveId" clId="{02F584DD-8992-4E2C-A31E-20F8674FAE58}" dt="2021-02-12T15:27:51.739" v="804" actId="26606"/>
+          <ac:spMkLst>
+            <pc:docMk/>
+            <pc:sldMk cId="421656235" sldId="265"/>
+            <ac:spMk id="18" creationId="{029C0D00-401D-42B7-94D8-008C7DAA8E80}"/>
+          </ac:spMkLst>
+        </pc:spChg>
+        <pc:spChg chg="add del">
+          <ac:chgData name="Billye Merritts" userId="2716f5ca735b6894" providerId="LiveId" clId="{02F584DD-8992-4E2C-A31E-20F8674FAE58}" dt="2021-02-12T15:28:03.639" v="806" actId="26606"/>
+          <ac:spMkLst>
+            <pc:docMk/>
+            <pc:sldMk cId="421656235" sldId="265"/>
+            <ac:spMk id="21" creationId="{73C0A186-7444-4460-9C37-532E7671E99E}"/>
+          </ac:spMkLst>
+        </pc:spChg>
+        <pc:spChg chg="add del">
+          <ac:chgData name="Billye Merritts" userId="2716f5ca735b6894" providerId="LiveId" clId="{02F584DD-8992-4E2C-A31E-20F8674FAE58}" dt="2021-02-12T15:28:08.197" v="808" actId="26606"/>
+          <ac:spMkLst>
+            <pc:docMk/>
+            <pc:sldMk cId="421656235" sldId="265"/>
+            <ac:spMk id="25" creationId="{FB3EF4D6-026A-4D52-B916-967329EE3FFE}"/>
+          </ac:spMkLst>
+        </pc:spChg>
+        <pc:spChg chg="add del">
+          <ac:chgData name="Billye Merritts" userId="2716f5ca735b6894" providerId="LiveId" clId="{02F584DD-8992-4E2C-A31E-20F8674FAE58}" dt="2021-02-12T15:28:08.197" v="808" actId="26606"/>
+          <ac:spMkLst>
+            <pc:docMk/>
+            <pc:sldMk cId="421656235" sldId="265"/>
+            <ac:spMk id="26" creationId="{D54EC22E-2292-4292-A80B-E81DF64BFB26}"/>
+          </ac:spMkLst>
+        </pc:spChg>
+        <pc:spChg chg="add del">
+          <ac:chgData name="Billye Merritts" userId="2716f5ca735b6894" providerId="LiveId" clId="{02F584DD-8992-4E2C-A31E-20F8674FAE58}" dt="2021-02-12T15:28:08.197" v="808" actId="26606"/>
+          <ac:spMkLst>
+            <pc:docMk/>
+            <pc:sldMk cId="421656235" sldId="265"/>
+            <ac:spMk id="27" creationId="{CC1C7165-8A3A-44EB-88D0-4EFA36A004E2}"/>
+          </ac:spMkLst>
+        </pc:spChg>
+        <pc:spChg chg="add del">
+          <ac:chgData name="Billye Merritts" userId="2716f5ca735b6894" providerId="LiveId" clId="{02F584DD-8992-4E2C-A31E-20F8674FAE58}" dt="2021-02-12T15:28:08.197" v="808" actId="26606"/>
+          <ac:spMkLst>
+            <pc:docMk/>
+            <pc:sldMk cId="421656235" sldId="265"/>
+            <ac:spMk id="28" creationId="{1D347413-0054-4828-9548-83CA2936A77F}"/>
+          </ac:spMkLst>
+        </pc:spChg>
+        <pc:spChg chg="add del">
+          <ac:chgData name="Billye Merritts" userId="2716f5ca735b6894" providerId="LiveId" clId="{02F584DD-8992-4E2C-A31E-20F8674FAE58}" dt="2021-02-12T15:28:08.863" v="810" actId="26606"/>
+          <ac:spMkLst>
+            <pc:docMk/>
+            <pc:sldMk cId="421656235" sldId="265"/>
+            <ac:spMk id="32" creationId="{73C0A186-7444-4460-9C37-532E7671E99E}"/>
+          </ac:spMkLst>
+        </pc:spChg>
+        <pc:spChg chg="add del">
+          <ac:chgData name="Billye Merritts" userId="2716f5ca735b6894" providerId="LiveId" clId="{02F584DD-8992-4E2C-A31E-20F8674FAE58}" dt="2021-02-12T15:28:08.863" v="810" actId="26606"/>
+          <ac:spMkLst>
+            <pc:docMk/>
+            <pc:sldMk cId="421656235" sldId="265"/>
+            <ac:spMk id="35" creationId="{029C0D00-401D-42B7-94D8-008C7DAA8E80}"/>
+          </ac:spMkLst>
+        </pc:spChg>
+        <pc:spChg chg="add del">
+          <ac:chgData name="Billye Merritts" userId="2716f5ca735b6894" providerId="LiveId" clId="{02F584DD-8992-4E2C-A31E-20F8674FAE58}" dt="2021-02-12T15:54:18.772" v="1198" actId="700"/>
+          <ac:spMkLst>
+            <pc:docMk/>
+            <pc:sldMk cId="421656235" sldId="265"/>
+            <ac:spMk id="39" creationId="{73C0A186-7444-4460-9C37-532E7671E99E}"/>
+          </ac:spMkLst>
+        </pc:spChg>
+        <pc:grpChg chg="add del">
+          <ac:chgData name="Billye Merritts" userId="2716f5ca735b6894" providerId="LiveId" clId="{02F584DD-8992-4E2C-A31E-20F8674FAE58}" dt="2021-02-12T15:27:51.739" v="804" actId="26606"/>
+          <ac:grpSpMkLst>
+            <pc:docMk/>
+            <pc:sldMk cId="421656235" sldId="265"/>
+            <ac:grpSpMk id="8" creationId="{93E10248-AF0E-477D-B4D2-47C02CE4E353}"/>
+          </ac:grpSpMkLst>
+        </pc:grpChg>
+        <pc:grpChg chg="add">
+          <ac:chgData name="Billye Merritts" userId="2716f5ca735b6894" providerId="LiveId" clId="{02F584DD-8992-4E2C-A31E-20F8674FAE58}" dt="2021-02-12T15:54:26.074" v="1200" actId="26606"/>
+          <ac:grpSpMkLst>
+            <pc:docMk/>
+            <pc:sldMk cId="421656235" sldId="265"/>
+            <ac:grpSpMk id="11" creationId="{D4EC3799-3F52-48CE-85CC-83AED368EB42}"/>
+          </ac:grpSpMkLst>
+        </pc:grpChg>
+        <pc:grpChg chg="add del">
+          <ac:chgData name="Billye Merritts" userId="2716f5ca735b6894" providerId="LiveId" clId="{02F584DD-8992-4E2C-A31E-20F8674FAE58}" dt="2021-02-12T15:27:51.739" v="804" actId="26606"/>
+          <ac:grpSpMkLst>
+            <pc:docMk/>
+            <pc:sldMk cId="421656235" sldId="265"/>
+            <ac:grpSpMk id="14" creationId="{5F72ECA3-2A46-4A5A-8330-12F7E22105BD}"/>
+          </ac:grpSpMkLst>
+        </pc:grpChg>
+        <pc:grpChg chg="add del">
+          <ac:chgData name="Billye Merritts" userId="2716f5ca735b6894" providerId="LiveId" clId="{02F584DD-8992-4E2C-A31E-20F8674FAE58}" dt="2021-02-12T15:28:03.639" v="806" actId="26606"/>
+          <ac:grpSpMkLst>
+            <pc:docMk/>
+            <pc:sldMk cId="421656235" sldId="265"/>
+            <ac:grpSpMk id="20" creationId="{93E10248-AF0E-477D-B4D2-47C02CE4E353}"/>
+          </ac:grpSpMkLst>
+        </pc:grpChg>
+        <pc:grpChg chg="add del">
+          <ac:chgData name="Billye Merritts" userId="2716f5ca735b6894" providerId="LiveId" clId="{02F584DD-8992-4E2C-A31E-20F8674FAE58}" dt="2021-02-12T15:28:03.639" v="806" actId="26606"/>
+          <ac:grpSpMkLst>
+            <pc:docMk/>
+            <pc:sldMk cId="421656235" sldId="265"/>
+            <ac:grpSpMk id="22" creationId="{F1ECA4FE-7D2F-4576-B767-3A5F5ABFE90F}"/>
+          </ac:grpSpMkLst>
+        </pc:grpChg>
+        <pc:grpChg chg="add del">
+          <ac:chgData name="Billye Merritts" userId="2716f5ca735b6894" providerId="LiveId" clId="{02F584DD-8992-4E2C-A31E-20F8674FAE58}" dt="2021-02-12T15:28:08.863" v="810" actId="26606"/>
+          <ac:grpSpMkLst>
+            <pc:docMk/>
+            <pc:sldMk cId="421656235" sldId="265"/>
+            <ac:grpSpMk id="30" creationId="{93E10248-AF0E-477D-B4D2-47C02CE4E353}"/>
+          </ac:grpSpMkLst>
+        </pc:grpChg>
+        <pc:grpChg chg="add del">
+          <ac:chgData name="Billye Merritts" userId="2716f5ca735b6894" providerId="LiveId" clId="{02F584DD-8992-4E2C-A31E-20F8674FAE58}" dt="2021-02-12T15:28:08.863" v="810" actId="26606"/>
+          <ac:grpSpMkLst>
+            <pc:docMk/>
+            <pc:sldMk cId="421656235" sldId="265"/>
+            <ac:grpSpMk id="33" creationId="{5F72ECA3-2A46-4A5A-8330-12F7E22105BD}"/>
+          </ac:grpSpMkLst>
+        </pc:grpChg>
+        <pc:grpChg chg="add del">
+          <ac:chgData name="Billye Merritts" userId="2716f5ca735b6894" providerId="LiveId" clId="{02F584DD-8992-4E2C-A31E-20F8674FAE58}" dt="2021-02-12T15:54:18.772" v="1198" actId="700"/>
+          <ac:grpSpMkLst>
+            <pc:docMk/>
+            <pc:sldMk cId="421656235" sldId="265"/>
+            <ac:grpSpMk id="37" creationId="{93E10248-AF0E-477D-B4D2-47C02CE4E353}"/>
+          </ac:grpSpMkLst>
+        </pc:grpChg>
+        <pc:grpChg chg="add del">
+          <ac:chgData name="Billye Merritts" userId="2716f5ca735b6894" providerId="LiveId" clId="{02F584DD-8992-4E2C-A31E-20F8674FAE58}" dt="2021-02-12T15:54:18.772" v="1198" actId="700"/>
+          <ac:grpSpMkLst>
+            <pc:docMk/>
+            <pc:sldMk cId="421656235" sldId="265"/>
+            <ac:grpSpMk id="40" creationId="{F1ECA4FE-7D2F-4576-B767-3A5F5ABFE90F}"/>
+          </ac:grpSpMkLst>
+        </pc:grpChg>
+        <pc:picChg chg="add mod ord modCrop">
+          <ac:chgData name="Billye Merritts" userId="2716f5ca735b6894" providerId="LiveId" clId="{02F584DD-8992-4E2C-A31E-20F8674FAE58}" dt="2021-02-12T15:56:41.083" v="1206" actId="732"/>
+          <ac:picMkLst>
+            <pc:docMk/>
+            <pc:sldMk cId="421656235" sldId="265"/>
+            <ac:picMk id="19" creationId="{1CECE00A-6D30-49C8-92B2-800291B2FC91}"/>
+          </ac:picMkLst>
+        </pc:picChg>
+        <pc:cxnChg chg="add">
+          <ac:chgData name="Billye Merritts" userId="2716f5ca735b6894" providerId="LiveId" clId="{02F584DD-8992-4E2C-A31E-20F8674FAE58}" dt="2021-02-12T15:54:26.074" v="1200" actId="26606"/>
+          <ac:cxnSpMkLst>
+            <pc:docMk/>
+            <pc:sldMk cId="421656235" sldId="265"/>
+            <ac:cxnSpMk id="17" creationId="{789E20C7-BB50-4317-93C7-90C8ED80B275}"/>
+          </ac:cxnSpMkLst>
+        </pc:cxnChg>
+        <pc:cxnChg chg="add del">
+          <ac:chgData name="Billye Merritts" userId="2716f5ca735b6894" providerId="LiveId" clId="{02F584DD-8992-4E2C-A31E-20F8674FAE58}" dt="2021-02-12T15:28:03.639" v="806" actId="26606"/>
+          <ac:cxnSpMkLst>
+            <pc:docMk/>
+            <pc:sldMk cId="421656235" sldId="265"/>
+            <ac:cxnSpMk id="23" creationId="{E81F53E2-F556-42FA-8D24-113839EE19F8}"/>
+          </ac:cxnSpMkLst>
+        </pc:cxnChg>
+        <pc:cxnChg chg="add del">
+          <ac:chgData name="Billye Merritts" userId="2716f5ca735b6894" providerId="LiveId" clId="{02F584DD-8992-4E2C-A31E-20F8674FAE58}" dt="2021-02-12T15:54:18.772" v="1198" actId="700"/>
+          <ac:cxnSpMkLst>
+            <pc:docMk/>
+            <pc:sldMk cId="421656235" sldId="265"/>
+            <ac:cxnSpMk id="42" creationId="{E81F53E2-F556-42FA-8D24-113839EE19F8}"/>
+          </ac:cxnSpMkLst>
+        </pc:cxnChg>
+      </pc:sldChg>
+      <pc:sldChg chg="addSp delSp modSp new mod ord modClrScheme chgLayout">
+        <pc:chgData name="Billye Merritts" userId="2716f5ca735b6894" providerId="LiveId" clId="{02F584DD-8992-4E2C-A31E-20F8674FAE58}" dt="2021-02-12T15:51:10.077" v="1190" actId="20577"/>
+        <pc:sldMkLst>
+          <pc:docMk/>
+          <pc:sldMk cId="3343942514" sldId="266"/>
+        </pc:sldMkLst>
+        <pc:spChg chg="mod ord">
+          <ac:chgData name="Billye Merritts" userId="2716f5ca735b6894" providerId="LiveId" clId="{02F584DD-8992-4E2C-A31E-20F8674FAE58}" dt="2021-02-12T14:44:51.159" v="644" actId="27636"/>
+          <ac:spMkLst>
+            <pc:docMk/>
+            <pc:sldMk cId="3343942514" sldId="266"/>
+            <ac:spMk id="2" creationId="{BEDAA6E0-E10E-42DE-BAD6-EF5C5A63E2D7}"/>
+          </ac:spMkLst>
+        </pc:spChg>
+        <pc:spChg chg="del mod">
+          <ac:chgData name="Billye Merritts" userId="2716f5ca735b6894" providerId="LiveId" clId="{02F584DD-8992-4E2C-A31E-20F8674FAE58}" dt="2021-02-12T13:46:29.227" v="282" actId="478"/>
+          <ac:spMkLst>
+            <pc:docMk/>
+            <pc:sldMk cId="3343942514" sldId="266"/>
+            <ac:spMk id="3" creationId="{02E0C1CA-6EF4-4D99-9D16-99A6372B2CF7}"/>
+          </ac:spMkLst>
+        </pc:spChg>
+        <pc:spChg chg="add del mod ord">
+          <ac:chgData name="Billye Merritts" userId="2716f5ca735b6894" providerId="LiveId" clId="{02F584DD-8992-4E2C-A31E-20F8674FAE58}" dt="2021-02-12T14:44:09.162" v="639" actId="700"/>
+          <ac:spMkLst>
+            <pc:docMk/>
+            <pc:sldMk cId="3343942514" sldId="266"/>
+            <ac:spMk id="8" creationId="{2706045C-5588-488A-BF50-80D498D9369C}"/>
+          </ac:spMkLst>
+        </pc:spChg>
+        <pc:spChg chg="add del mod ord">
+          <ac:chgData name="Billye Merritts" userId="2716f5ca735b6894" providerId="LiveId" clId="{02F584DD-8992-4E2C-A31E-20F8674FAE58}" dt="2021-02-12T14:44:09.162" v="639" actId="700"/>
+          <ac:spMkLst>
+            <pc:docMk/>
+            <pc:sldMk cId="3343942514" sldId="266"/>
+            <ac:spMk id="9" creationId="{64A53641-B5E1-4951-A872-6659CC487714}"/>
+          </ac:spMkLst>
+        </pc:spChg>
+        <pc:spChg chg="add del mod ord">
+          <ac:chgData name="Billye Merritts" userId="2716f5ca735b6894" providerId="LiveId" clId="{02F584DD-8992-4E2C-A31E-20F8674FAE58}" dt="2021-02-12T14:44:51.139" v="643" actId="700"/>
+          <ac:spMkLst>
+            <pc:docMk/>
+            <pc:sldMk cId="3343942514" sldId="266"/>
+            <ac:spMk id="10" creationId="{71F281F7-293B-428A-BD17-CC0124059F75}"/>
+          </ac:spMkLst>
+        </pc:spChg>
+        <pc:spChg chg="add mod">
+          <ac:chgData name="Billye Merritts" userId="2716f5ca735b6894" providerId="LiveId" clId="{02F584DD-8992-4E2C-A31E-20F8674FAE58}" dt="2021-02-12T15:51:10.077" v="1190" actId="20577"/>
+          <ac:spMkLst>
+            <pc:docMk/>
+            <pc:sldMk cId="3343942514" sldId="266"/>
+            <ac:spMk id="12" creationId="{10AEFD9C-2056-4E06-9B77-8446B7959D77}"/>
+          </ac:spMkLst>
+        </pc:spChg>
+        <pc:picChg chg="add mod modCrop">
+          <ac:chgData name="Billye Merritts" userId="2716f5ca735b6894" providerId="LiveId" clId="{02F584DD-8992-4E2C-A31E-20F8674FAE58}" dt="2021-02-12T15:41:08.009" v="932" actId="1076"/>
+          <ac:picMkLst>
+            <pc:docMk/>
+            <pc:sldMk cId="3343942514" sldId="266"/>
+            <ac:picMk id="5" creationId="{9AB9D1BC-6C4D-4480-B65B-F84D6FE2C22D}"/>
+          </ac:picMkLst>
+        </pc:picChg>
+        <pc:picChg chg="add del mod">
+          <ac:chgData name="Billye Merritts" userId="2716f5ca735b6894" providerId="LiveId" clId="{02F584DD-8992-4E2C-A31E-20F8674FAE58}" dt="2021-02-12T14:43:46.588" v="636" actId="478"/>
+          <ac:picMkLst>
+            <pc:docMk/>
+            <pc:sldMk cId="3343942514" sldId="266"/>
+            <ac:picMk id="7" creationId="{EDD3C273-9F03-4F6D-B64E-C2C9E86A2FF2}"/>
+          </ac:picMkLst>
+        </pc:picChg>
+      </pc:sldChg>
+      <pc:sldChg chg="addSp delSp modSp new del mod">
+        <pc:chgData name="Billye Merritts" userId="2716f5ca735b6894" providerId="LiveId" clId="{02F584DD-8992-4E2C-A31E-20F8674FAE58}" dt="2021-02-12T14:43:35.317" v="635" actId="2696"/>
+        <pc:sldMkLst>
+          <pc:docMk/>
+          <pc:sldMk cId="1878445258" sldId="267"/>
+        </pc:sldMkLst>
+        <pc:spChg chg="mod">
+          <ac:chgData name="Billye Merritts" userId="2716f5ca735b6894" providerId="LiveId" clId="{02F584DD-8992-4E2C-A31E-20F8674FAE58}" dt="2021-02-12T13:58:40.718" v="437" actId="20577"/>
+          <ac:spMkLst>
+            <pc:docMk/>
+            <pc:sldMk cId="1878445258" sldId="267"/>
+            <ac:spMk id="2" creationId="{0B9D6F63-A94B-4BB0-89B5-6F846337339F}"/>
+          </ac:spMkLst>
+        </pc:spChg>
+        <pc:spChg chg="del mod">
+          <ac:chgData name="Billye Merritts" userId="2716f5ca735b6894" providerId="LiveId" clId="{02F584DD-8992-4E2C-A31E-20F8674FAE58}" dt="2021-02-12T13:49:47.627" v="295" actId="478"/>
+          <ac:spMkLst>
+            <pc:docMk/>
+            <pc:sldMk cId="1878445258" sldId="267"/>
+            <ac:spMk id="3" creationId="{AAF8D0C4-E9FF-47B6-BEF7-670294A1DF2F}"/>
+          </ac:spMkLst>
+        </pc:spChg>
+        <pc:picChg chg="add del mod">
+          <ac:chgData name="Billye Merritts" userId="2716f5ca735b6894" providerId="LiveId" clId="{02F584DD-8992-4E2C-A31E-20F8674FAE58}" dt="2021-02-12T14:38:25.552" v="591" actId="21"/>
+          <ac:picMkLst>
+            <pc:docMk/>
+            <pc:sldMk cId="1878445258" sldId="267"/>
+            <ac:picMk id="5" creationId="{72D17586-89AF-4E02-BF0E-AED83985B9E0}"/>
+          </ac:picMkLst>
+        </pc:picChg>
+        <pc:picChg chg="add del mod">
+          <ac:chgData name="Billye Merritts" userId="2716f5ca735b6894" providerId="LiveId" clId="{02F584DD-8992-4E2C-A31E-20F8674FAE58}" dt="2021-02-12T14:38:34.256" v="593" actId="21"/>
+          <ac:picMkLst>
+            <pc:docMk/>
+            <pc:sldMk cId="1878445258" sldId="267"/>
+            <ac:picMk id="6" creationId="{8A5E3A24-B438-435B-B65C-175DB1A2884C}"/>
+          </ac:picMkLst>
+        </pc:picChg>
+      </pc:sldChg>
+      <pc:sldChg chg="addSp delSp modSp new mod setBg setClrOvrMap addCm delCm">
+        <pc:chgData name="Billye Merritts" userId="2716f5ca735b6894" providerId="LiveId" clId="{02F584DD-8992-4E2C-A31E-20F8674FAE58}" dt="2021-02-12T15:52:39.967" v="1196" actId="14100"/>
+        <pc:sldMkLst>
+          <pc:docMk/>
+          <pc:sldMk cId="1967789513" sldId="267"/>
+        </pc:sldMkLst>
+        <pc:spChg chg="mod ord">
+          <ac:chgData name="Billye Merritts" userId="2716f5ca735b6894" providerId="LiveId" clId="{02F584DD-8992-4E2C-A31E-20F8674FAE58}" dt="2021-02-12T15:52:20.654" v="1194" actId="27636"/>
+          <ac:spMkLst>
+            <pc:docMk/>
+            <pc:sldMk cId="1967789513" sldId="267"/>
+            <ac:spMk id="2" creationId="{E1E128F2-BF06-4B96-A7CC-81E9A0B6E210}"/>
+          </ac:spMkLst>
+        </pc:spChg>
+        <pc:spChg chg="del">
+          <ac:chgData name="Billye Merritts" userId="2716f5ca735b6894" providerId="LiveId" clId="{02F584DD-8992-4E2C-A31E-20F8674FAE58}" dt="2021-02-12T15:23:26.624" v="757"/>
+          <ac:spMkLst>
+            <pc:docMk/>
+            <pc:sldMk cId="1967789513" sldId="267"/>
+            <ac:spMk id="3" creationId="{4A3B16B5-026D-4212-BB94-5C1E64D101AA}"/>
+          </ac:spMkLst>
+        </pc:spChg>
+        <pc:spChg chg="del mod ord">
+          <ac:chgData name="Billye Merritts" userId="2716f5ca735b6894" providerId="LiveId" clId="{02F584DD-8992-4E2C-A31E-20F8674FAE58}" dt="2021-02-12T15:26:51.491" v="790" actId="478"/>
+          <ac:spMkLst>
+            <pc:docMk/>
+            <pc:sldMk cId="1967789513" sldId="267"/>
+            <ac:spMk id="4" creationId="{37767444-7B0B-4FDE-91D1-7E4A9EC29622}"/>
+          </ac:spMkLst>
+        </pc:spChg>
+        <pc:spChg chg="add mod">
+          <ac:chgData name="Billye Merritts" userId="2716f5ca735b6894" providerId="LiveId" clId="{02F584DD-8992-4E2C-A31E-20F8674FAE58}" dt="2021-02-12T15:31:20.008" v="854" actId="20577"/>
+          <ac:spMkLst>
+            <pc:docMk/>
+            <pc:sldMk cId="1967789513" sldId="267"/>
+            <ac:spMk id="7" creationId="{E856D51F-A087-4D04-838F-7F074031340F}"/>
+          </ac:spMkLst>
+        </pc:spChg>
+        <pc:spChg chg="add del mod">
+          <ac:chgData name="Billye Merritts" userId="2716f5ca735b6894" providerId="LiveId" clId="{02F584DD-8992-4E2C-A31E-20F8674FAE58}" dt="2021-02-12T15:31:48.425" v="857"/>
+          <ac:spMkLst>
+            <pc:docMk/>
+            <pc:sldMk cId="1967789513" sldId="267"/>
+            <ac:spMk id="8" creationId="{72531F71-9A2A-4A56-97D7-0CD8B11F85A1}"/>
+          </ac:spMkLst>
+        </pc:spChg>
+        <pc:spChg chg="add mod">
+          <ac:chgData name="Billye Merritts" userId="2716f5ca735b6894" providerId="LiveId" clId="{02F584DD-8992-4E2C-A31E-20F8674FAE58}" dt="2021-02-12T15:33:42.563" v="917" actId="1076"/>
+          <ac:spMkLst>
+            <pc:docMk/>
+            <pc:sldMk cId="1967789513" sldId="267"/>
+            <ac:spMk id="9" creationId="{6820E91B-D648-441C-B990-DA618F282E46}"/>
+          </ac:spMkLst>
+        </pc:spChg>
+        <pc:spChg chg="add del">
+          <ac:chgData name="Billye Merritts" userId="2716f5ca735b6894" providerId="LiveId" clId="{02F584DD-8992-4E2C-A31E-20F8674FAE58}" dt="2021-02-12T15:24:50.365" v="770" actId="26606"/>
+          <ac:spMkLst>
+            <pc:docMk/>
+            <pc:sldMk cId="1967789513" sldId="267"/>
+            <ac:spMk id="21" creationId="{59647F54-801D-44AB-8284-EDDFF7763139}"/>
+          </ac:spMkLst>
+        </pc:spChg>
+        <pc:spChg chg="add del">
+          <ac:chgData name="Billye Merritts" userId="2716f5ca735b6894" providerId="LiveId" clId="{02F584DD-8992-4E2C-A31E-20F8674FAE58}" dt="2021-02-12T15:24:50.365" v="770" actId="26606"/>
+          <ac:spMkLst>
+            <pc:docMk/>
+            <pc:sldMk cId="1967789513" sldId="267"/>
+            <ac:spMk id="23" creationId="{510C9632-BB6F-48EE-AB65-501878BA5DB6}"/>
+          </ac:spMkLst>
+        </pc:spChg>
+        <pc:spChg chg="add del">
+          <ac:chgData name="Billye Merritts" userId="2716f5ca735b6894" providerId="LiveId" clId="{02F584DD-8992-4E2C-A31E-20F8674FAE58}" dt="2021-02-12T15:24:50.365" v="770" actId="26606"/>
+          <ac:spMkLst>
+            <pc:docMk/>
+            <pc:sldMk cId="1967789513" sldId="267"/>
+            <ac:spMk id="25" creationId="{4EC8AAB6-953B-4D29-9967-3C44D06BB4E8}"/>
+          </ac:spMkLst>
+        </pc:spChg>
+        <pc:spChg chg="add del">
+          <ac:chgData name="Billye Merritts" userId="2716f5ca735b6894" providerId="LiveId" clId="{02F584DD-8992-4E2C-A31E-20F8674FAE58}" dt="2021-02-12T15:24:50.365" v="770" actId="26606"/>
+          <ac:spMkLst>
+            <pc:docMk/>
+            <pc:sldMk cId="1967789513" sldId="267"/>
+            <ac:spMk id="27" creationId="{C89ED458-2326-40DC-9C7B-1A717B6551AD}"/>
+          </ac:spMkLst>
+        </pc:spChg>
+        <pc:spChg chg="add del">
+          <ac:chgData name="Billye Merritts" userId="2716f5ca735b6894" providerId="LiveId" clId="{02F584DD-8992-4E2C-A31E-20F8674FAE58}" dt="2021-02-12T15:24:50.365" v="770" actId="26606"/>
+          <ac:spMkLst>
+            <pc:docMk/>
+            <pc:sldMk cId="1967789513" sldId="267"/>
+            <ac:spMk id="29" creationId="{6F9D1DE6-E368-4F07-85F9-D5B767477DDF}"/>
+          </ac:spMkLst>
+        </pc:spChg>
+        <pc:spChg chg="add del">
+          <ac:chgData name="Billye Merritts" userId="2716f5ca735b6894" providerId="LiveId" clId="{02F584DD-8992-4E2C-A31E-20F8674FAE58}" dt="2021-02-12T15:24:50.365" v="770" actId="26606"/>
+          <ac:spMkLst>
+            <pc:docMk/>
+            <pc:sldMk cId="1967789513" sldId="267"/>
+            <ac:spMk id="31" creationId="{F63B1F66-4ACE-4A01-8ADF-F175A9C358B2}"/>
+          </ac:spMkLst>
+        </pc:spChg>
+        <pc:spChg chg="add del">
+          <ac:chgData name="Billye Merritts" userId="2716f5ca735b6894" providerId="LiveId" clId="{02F584DD-8992-4E2C-A31E-20F8674FAE58}" dt="2021-02-12T15:24:50.365" v="770" actId="26606"/>
+          <ac:spMkLst>
+            <pc:docMk/>
+            <pc:sldMk cId="1967789513" sldId="267"/>
+            <ac:spMk id="33" creationId="{CF8448ED-9332-4A9B-8CAB-B1985E596E20}"/>
+          </ac:spMkLst>
+        </pc:spChg>
+        <pc:spChg chg="add del">
+          <ac:chgData name="Billye Merritts" userId="2716f5ca735b6894" providerId="LiveId" clId="{02F584DD-8992-4E2C-A31E-20F8674FAE58}" dt="2021-02-12T15:24:50.365" v="770" actId="26606"/>
+          <ac:spMkLst>
+            <pc:docMk/>
+            <pc:sldMk cId="1967789513" sldId="267"/>
+            <ac:spMk id="35" creationId="{ED3A2261-1C75-40FF-8CD6-18C5900C1C8D}"/>
+          </ac:spMkLst>
+        </pc:spChg>
+        <pc:spChg chg="add del">
+          <ac:chgData name="Billye Merritts" userId="2716f5ca735b6894" providerId="LiveId" clId="{02F584DD-8992-4E2C-A31E-20F8674FAE58}" dt="2021-02-12T15:24:39.863" v="765" actId="26606"/>
+          <ac:spMkLst>
+            <pc:docMk/>
+            <pc:sldMk cId="1967789513" sldId="267"/>
+            <ac:spMk id="51" creationId="{4EB623E5-BC7C-4763-B7CD-C7D5F91F1285}"/>
+          </ac:spMkLst>
+        </pc:spChg>
+        <pc:spChg chg="add del">
+          <ac:chgData name="Billye Merritts" userId="2716f5ca735b6894" providerId="LiveId" clId="{02F584DD-8992-4E2C-A31E-20F8674FAE58}" dt="2021-02-12T15:24:39.863" v="765" actId="26606"/>
+          <ac:spMkLst>
+            <pc:docMk/>
+            <pc:sldMk cId="1967789513" sldId="267"/>
+            <ac:spMk id="53" creationId="{72C6E0B7-C37D-4D54-8F3E-8D9F9097F676}"/>
+          </ac:spMkLst>
+        </pc:spChg>
+        <pc:spChg chg="add del">
+          <ac:chgData name="Billye Merritts" userId="2716f5ca735b6894" providerId="LiveId" clId="{02F584DD-8992-4E2C-A31E-20F8674FAE58}" dt="2021-02-12T15:24:39.863" v="765" actId="26606"/>
+          <ac:spMkLst>
+            <pc:docMk/>
+            <pc:sldMk cId="1967789513" sldId="267"/>
+            <ac:spMk id="55" creationId="{B7B653ED-BC47-4D34-B612-473D6AFAD041}"/>
+          </ac:spMkLst>
+        </pc:spChg>
+        <pc:spChg chg="add del">
+          <ac:chgData name="Billye Merritts" userId="2716f5ca735b6894" providerId="LiveId" clId="{02F584DD-8992-4E2C-A31E-20F8674FAE58}" dt="2021-02-12T15:24:39.863" v="765" actId="26606"/>
+          <ac:spMkLst>
+            <pc:docMk/>
+            <pc:sldMk cId="1967789513" sldId="267"/>
+            <ac:spMk id="57" creationId="{B93D812D-BB26-4FDD-A218-F6F71E737600}"/>
+          </ac:spMkLst>
+        </pc:spChg>
+        <pc:spChg chg="add del">
+          <ac:chgData name="Billye Merritts" userId="2716f5ca735b6894" providerId="LiveId" clId="{02F584DD-8992-4E2C-A31E-20F8674FAE58}" dt="2021-02-12T15:24:39.863" v="765" actId="26606"/>
+          <ac:spMkLst>
+            <pc:docMk/>
+            <pc:sldMk cId="1967789513" sldId="267"/>
+            <ac:spMk id="59" creationId="{EEA99C6C-BC37-4408-9F74-3DDB1060B733}"/>
+          </ac:spMkLst>
+        </pc:spChg>
+        <pc:spChg chg="add del">
+          <ac:chgData name="Billye Merritts" userId="2716f5ca735b6894" providerId="LiveId" clId="{02F584DD-8992-4E2C-A31E-20F8674FAE58}" dt="2021-02-12T15:24:39.863" v="765" actId="26606"/>
+          <ac:spMkLst>
+            <pc:docMk/>
+            <pc:sldMk cId="1967789513" sldId="267"/>
+            <ac:spMk id="61" creationId="{924C0032-B592-45AB-AD23-5A4BD369B60B}"/>
+          </ac:spMkLst>
+        </pc:spChg>
+        <pc:spChg chg="add del">
+          <ac:chgData name="Billye Merritts" userId="2716f5ca735b6894" providerId="LiveId" clId="{02F584DD-8992-4E2C-A31E-20F8674FAE58}" dt="2021-02-12T15:24:39.863" v="765" actId="26606"/>
+          <ac:spMkLst>
+            <pc:docMk/>
+            <pc:sldMk cId="1967789513" sldId="267"/>
+            <ac:spMk id="63" creationId="{89BF1F84-E7C7-42A7-911D-8E48AF67110E}"/>
+          </ac:spMkLst>
+        </pc:spChg>
+        <pc:spChg chg="add del">
+          <ac:chgData name="Billye Merritts" userId="2716f5ca735b6894" providerId="LiveId" clId="{02F584DD-8992-4E2C-A31E-20F8674FAE58}" dt="2021-02-12T15:24:39.863" v="765" actId="26606"/>
+          <ac:spMkLst>
+            <pc:docMk/>
+            <pc:sldMk cId="1967789513" sldId="267"/>
+            <ac:spMk id="65" creationId="{0C3CFCFE-6522-4333-8CB1-16DB80E7E9C2}"/>
+          </ac:spMkLst>
+        </pc:spChg>
+        <pc:spChg chg="add del">
+          <ac:chgData name="Billye Merritts" userId="2716f5ca735b6894" providerId="LiveId" clId="{02F584DD-8992-4E2C-A31E-20F8674FAE58}" dt="2021-02-12T15:24:42.580" v="767" actId="26606"/>
+          <ac:spMkLst>
+            <pc:docMk/>
+            <pc:sldMk cId="1967789513" sldId="267"/>
+            <ac:spMk id="68" creationId="{4EB623E5-BC7C-4763-B7CD-C7D5F91F1285}"/>
+          </ac:spMkLst>
+        </pc:spChg>
+        <pc:spChg chg="add del">
+          <ac:chgData name="Billye Merritts" userId="2716f5ca735b6894" providerId="LiveId" clId="{02F584DD-8992-4E2C-A31E-20F8674FAE58}" dt="2021-02-12T15:24:42.580" v="767" actId="26606"/>
+          <ac:spMkLst>
+            <pc:docMk/>
+            <pc:sldMk cId="1967789513" sldId="267"/>
+            <ac:spMk id="69" creationId="{D1DE3271-DD99-4DEF-AF9F-84397884C8EF}"/>
+          </ac:spMkLst>
+        </pc:spChg>
+        <pc:spChg chg="add del">
+          <ac:chgData name="Billye Merritts" userId="2716f5ca735b6894" providerId="LiveId" clId="{02F584DD-8992-4E2C-A31E-20F8674FAE58}" dt="2021-02-12T15:24:42.580" v="767" actId="26606"/>
+          <ac:spMkLst>
+            <pc:docMk/>
+            <pc:sldMk cId="1967789513" sldId="267"/>
+            <ac:spMk id="70" creationId="{E06A31CE-F9B6-4BA2-8685-60F3524D07DA}"/>
+          </ac:spMkLst>
+        </pc:spChg>
+        <pc:spChg chg="add del">
+          <ac:chgData name="Billye Merritts" userId="2716f5ca735b6894" providerId="LiveId" clId="{02F584DD-8992-4E2C-A31E-20F8674FAE58}" dt="2021-02-12T15:24:42.580" v="767" actId="26606"/>
+          <ac:spMkLst>
+            <pc:docMk/>
+            <pc:sldMk cId="1967789513" sldId="267"/>
+            <ac:spMk id="71" creationId="{8ADF14A3-1454-4B74-8B4A-CB197D7A797F}"/>
+          </ac:spMkLst>
+        </pc:spChg>
+        <pc:spChg chg="add del">
+          <ac:chgData name="Billye Merritts" userId="2716f5ca735b6894" providerId="LiveId" clId="{02F584DD-8992-4E2C-A31E-20F8674FAE58}" dt="2021-02-12T15:24:42.580" v="767" actId="26606"/>
+          <ac:spMkLst>
+            <pc:docMk/>
+            <pc:sldMk cId="1967789513" sldId="267"/>
+            <ac:spMk id="72" creationId="{EC19D556-0251-4E87-AE24-890965BAD5D9}"/>
+          </ac:spMkLst>
+        </pc:spChg>
+        <pc:spChg chg="add del">
+          <ac:chgData name="Billye Merritts" userId="2716f5ca735b6894" providerId="LiveId" clId="{02F584DD-8992-4E2C-A31E-20F8674FAE58}" dt="2021-02-12T15:24:42.580" v="767" actId="26606"/>
+          <ac:spMkLst>
+            <pc:docMk/>
+            <pc:sldMk cId="1967789513" sldId="267"/>
+            <ac:spMk id="73" creationId="{CBC3C8C6-98E2-45EF-AEFC-30C0DBA0E958}"/>
+          </ac:spMkLst>
+        </pc:spChg>
+        <pc:spChg chg="add del">
+          <ac:chgData name="Billye Merritts" userId="2716f5ca735b6894" providerId="LiveId" clId="{02F584DD-8992-4E2C-A31E-20F8674FAE58}" dt="2021-02-12T15:24:50.315" v="769" actId="26606"/>
+          <ac:spMkLst>
+            <pc:docMk/>
+            <pc:sldMk cId="1967789513" sldId="267"/>
+            <ac:spMk id="76" creationId="{E4947D45-3E3A-4249-A3DB-5B907C179727}"/>
+          </ac:spMkLst>
+        </pc:spChg>
+        <pc:spChg chg="add del">
+          <ac:chgData name="Billye Merritts" userId="2716f5ca735b6894" providerId="LiveId" clId="{02F584DD-8992-4E2C-A31E-20F8674FAE58}" dt="2021-02-12T15:25:09.696" v="774" actId="26606"/>
+          <ac:spMkLst>
+            <pc:docMk/>
+            <pc:sldMk cId="1967789513" sldId="267"/>
+            <ac:spMk id="79" creationId="{E4947D45-3E3A-4249-A3DB-5B907C179727}"/>
+          </ac:spMkLst>
+        </pc:spChg>
+        <pc:spChg chg="add del">
+          <ac:chgData name="Billye Merritts" userId="2716f5ca735b6894" providerId="LiveId" clId="{02F584DD-8992-4E2C-A31E-20F8674FAE58}" dt="2021-02-12T15:25:09.696" v="774" actId="26606"/>
+          <ac:spMkLst>
+            <pc:docMk/>
+            <pc:sldMk cId="1967789513" sldId="267"/>
+            <ac:spMk id="80" creationId="{E4F17063-EDA4-417B-946F-BA357F3B390D}"/>
+          </ac:spMkLst>
+        </pc:spChg>
+        <pc:spChg chg="add del">
+          <ac:chgData name="Billye Merritts" userId="2716f5ca735b6894" providerId="LiveId" clId="{02F584DD-8992-4E2C-A31E-20F8674FAE58}" dt="2021-02-12T15:25:09.696" v="774" actId="26606"/>
+          <ac:spMkLst>
+            <pc:docMk/>
+            <pc:sldMk cId="1967789513" sldId="267"/>
+            <ac:spMk id="81" creationId="{D36F3EEA-55D4-4677-80E7-92D00B8F343B}"/>
+          </ac:spMkLst>
+        </pc:spChg>
+        <pc:spChg chg="add del">
+          <ac:chgData name="Billye Merritts" userId="2716f5ca735b6894" providerId="LiveId" clId="{02F584DD-8992-4E2C-A31E-20F8674FAE58}" dt="2021-02-12T15:25:09.696" v="774" actId="26606"/>
+          <ac:spMkLst>
+            <pc:docMk/>
+            <pc:sldMk cId="1967789513" sldId="267"/>
+            <ac:spMk id="82" creationId="{C91E93A7-6C7F-4F77-9CB0-280D958EF4D2}"/>
+          </ac:spMkLst>
+        </pc:spChg>
+        <pc:spChg chg="add mod">
+          <ac:chgData name="Billye Merritts" userId="2716f5ca735b6894" providerId="LiveId" clId="{02F584DD-8992-4E2C-A31E-20F8674FAE58}" dt="2021-02-12T15:52:16.992" v="1192" actId="1076"/>
+          <ac:spMkLst>
+            <pc:docMk/>
+            <pc:sldMk cId="1967789513" sldId="267"/>
+            <ac:spMk id="86" creationId="{B0E03971-3702-4EAF-B5C0-267E26C025C2}"/>
+          </ac:spMkLst>
+        </pc:spChg>
+        <pc:spChg chg="add del">
+          <ac:chgData name="Billye Merritts" userId="2716f5ca735b6894" providerId="LiveId" clId="{02F584DD-8992-4E2C-A31E-20F8674FAE58}" dt="2021-02-12T15:27:15.638" v="797" actId="26606"/>
+          <ac:spMkLst>
+            <pc:docMk/>
+            <pc:sldMk cId="1967789513" sldId="267"/>
+            <ac:spMk id="98" creationId="{E4947D45-3E3A-4249-A3DB-5B907C179727}"/>
+          </ac:spMkLst>
+        </pc:spChg>
+        <pc:spChg chg="add del">
+          <ac:chgData name="Billye Merritts" userId="2716f5ca735b6894" providerId="LiveId" clId="{02F584DD-8992-4E2C-A31E-20F8674FAE58}" dt="2021-02-12T15:27:15.638" v="797" actId="26606"/>
+          <ac:spMkLst>
+            <pc:docMk/>
+            <pc:sldMk cId="1967789513" sldId="267"/>
+            <ac:spMk id="100" creationId="{4D742E62-D0CA-4DEC-815B-5ED27845B5C4}"/>
+          </ac:spMkLst>
+        </pc:spChg>
+        <pc:spChg chg="add del">
+          <ac:chgData name="Billye Merritts" userId="2716f5ca735b6894" providerId="LiveId" clId="{02F584DD-8992-4E2C-A31E-20F8674FAE58}" dt="2021-02-12T15:27:15.638" v="797" actId="26606"/>
+          <ac:spMkLst>
+            <pc:docMk/>
+            <pc:sldMk cId="1967789513" sldId="267"/>
+            <ac:spMk id="102" creationId="{6ADD3D29-FB68-4A1C-B0DE-CAF42F2843F1}"/>
+          </ac:spMkLst>
+        </pc:spChg>
+        <pc:spChg chg="add del">
+          <ac:chgData name="Billye Merritts" userId="2716f5ca735b6894" providerId="LiveId" clId="{02F584DD-8992-4E2C-A31E-20F8674FAE58}" dt="2021-02-12T15:27:15.638" v="797" actId="26606"/>
+          <ac:spMkLst>
+            <pc:docMk/>
+            <pc:sldMk cId="1967789513" sldId="267"/>
+            <ac:spMk id="104" creationId="{24822E8D-300D-45E7-9F98-BDEC7436184F}"/>
+          </ac:spMkLst>
+        </pc:spChg>
+        <pc:spChg chg="add del">
+          <ac:chgData name="Billye Merritts" userId="2716f5ca735b6894" providerId="LiveId" clId="{02F584DD-8992-4E2C-A31E-20F8674FAE58}" dt="2021-02-12T15:27:15.638" v="797" actId="26606"/>
+          <ac:spMkLst>
+            <pc:docMk/>
+            <pc:sldMk cId="1967789513" sldId="267"/>
+            <ac:spMk id="106" creationId="{07C953DC-E764-4B76-B359-52546F4CABCF}"/>
+          </ac:spMkLst>
+        </pc:spChg>
+        <pc:spChg chg="add del">
+          <ac:chgData name="Billye Merritts" userId="2716f5ca735b6894" providerId="LiveId" clId="{02F584DD-8992-4E2C-A31E-20F8674FAE58}" dt="2021-02-12T15:27:15.638" v="797" actId="26606"/>
+          <ac:spMkLst>
+            <pc:docMk/>
+            <pc:sldMk cId="1967789513" sldId="267"/>
+            <ac:spMk id="108" creationId="{C187CEFC-9032-481B-B8CA-A323593DD4E7}"/>
+          </ac:spMkLst>
+        </pc:spChg>
+        <pc:spChg chg="add del">
+          <ac:chgData name="Billye Merritts" userId="2716f5ca735b6894" providerId="LiveId" clId="{02F584DD-8992-4E2C-A31E-20F8674FAE58}" dt="2021-02-12T15:27:15.638" v="797" actId="26606"/>
+          <ac:spMkLst>
+            <pc:docMk/>
+            <pc:sldMk cId="1967789513" sldId="267"/>
+            <ac:spMk id="110" creationId="{4CB87468-9225-4E6A-A5B7-B47F08B34B33}"/>
+          </ac:spMkLst>
+        </pc:spChg>
+        <pc:spChg chg="add del">
+          <ac:chgData name="Billye Merritts" userId="2716f5ca735b6894" providerId="LiveId" clId="{02F584DD-8992-4E2C-A31E-20F8674FAE58}" dt="2021-02-12T15:27:15.638" v="797" actId="26606"/>
+          <ac:spMkLst>
+            <pc:docMk/>
+            <pc:sldMk cId="1967789513" sldId="267"/>
+            <ac:spMk id="112" creationId="{7296B8E7-1A3F-4C7F-A120-29E90E59314E}"/>
+          </ac:spMkLst>
+        </pc:spChg>
+        <pc:spChg chg="add">
+          <ac:chgData name="Billye Merritts" userId="2716f5ca735b6894" providerId="LiveId" clId="{02F584DD-8992-4E2C-A31E-20F8674FAE58}" dt="2021-02-12T15:27:15.638" v="797" actId="26606"/>
+          <ac:spMkLst>
+            <pc:docMk/>
+            <pc:sldMk cId="1967789513" sldId="267"/>
+            <ac:spMk id="121" creationId="{F7689D68-C339-4D5B-9DAA-E13F6BD4D575}"/>
+          </ac:spMkLst>
+        </pc:spChg>
+        <pc:spChg chg="add">
+          <ac:chgData name="Billye Merritts" userId="2716f5ca735b6894" providerId="LiveId" clId="{02F584DD-8992-4E2C-A31E-20F8674FAE58}" dt="2021-02-12T15:27:15.638" v="797" actId="26606"/>
+          <ac:spMkLst>
+            <pc:docMk/>
+            <pc:sldMk cId="1967789513" sldId="267"/>
+            <ac:spMk id="123" creationId="{1B9CC3E5-EA42-4393-A2C0-5192B91BD745}"/>
+          </ac:spMkLst>
+        </pc:spChg>
+        <pc:spChg chg="add">
+          <ac:chgData name="Billye Merritts" userId="2716f5ca735b6894" providerId="LiveId" clId="{02F584DD-8992-4E2C-A31E-20F8674FAE58}" dt="2021-02-12T15:27:15.638" v="797" actId="26606"/>
+          <ac:spMkLst>
+            <pc:docMk/>
+            <pc:sldMk cId="1967789513" sldId="267"/>
+            <ac:spMk id="125" creationId="{FB8DBC8E-FBA7-466C-8D97-75B15FBE9048}"/>
+          </ac:spMkLst>
+        </pc:spChg>
+        <pc:spChg chg="add">
+          <ac:chgData name="Billye Merritts" userId="2716f5ca735b6894" providerId="LiveId" clId="{02F584DD-8992-4E2C-A31E-20F8674FAE58}" dt="2021-02-12T15:27:15.638" v="797" actId="26606"/>
+          <ac:spMkLst>
+            <pc:docMk/>
+            <pc:sldMk cId="1967789513" sldId="267"/>
+            <ac:spMk id="127" creationId="{E6FFF64E-1FE4-4AE0-9D62-567AA183C128}"/>
+          </ac:spMkLst>
+        </pc:spChg>
+        <pc:spChg chg="add">
+          <ac:chgData name="Billye Merritts" userId="2716f5ca735b6894" providerId="LiveId" clId="{02F584DD-8992-4E2C-A31E-20F8674FAE58}" dt="2021-02-12T15:27:15.638" v="797" actId="26606"/>
+          <ac:spMkLst>
+            <pc:docMk/>
+            <pc:sldMk cId="1967789513" sldId="267"/>
+            <ac:spMk id="129" creationId="{9C80E52D-DE5C-4267-9C99-8741F2E42E36}"/>
+          </ac:spMkLst>
+        </pc:spChg>
+        <pc:grpChg chg="add del">
+          <ac:chgData name="Billye Merritts" userId="2716f5ca735b6894" providerId="LiveId" clId="{02F584DD-8992-4E2C-A31E-20F8674FAE58}" dt="2021-02-12T15:24:50.365" v="770" actId="26606"/>
+          <ac:grpSpMkLst>
+            <pc:docMk/>
+            <pc:sldMk cId="1967789513" sldId="267"/>
+            <ac:grpSpMk id="10" creationId="{FAEF28A3-012D-4640-B8B8-1EF6EAF7233B}"/>
+          </ac:grpSpMkLst>
+        </pc:grpChg>
+        <pc:grpChg chg="add del">
+          <ac:chgData name="Billye Merritts" userId="2716f5ca735b6894" providerId="LiveId" clId="{02F584DD-8992-4E2C-A31E-20F8674FAE58}" dt="2021-02-12T15:24:39.863" v="765" actId="26606"/>
+          <ac:grpSpMkLst>
+            <pc:docMk/>
+            <pc:sldMk cId="1967789513" sldId="267"/>
+            <ac:grpSpMk id="40" creationId="{ADF228AF-822F-4819-9EB8-406258D6BB0E}"/>
+          </ac:grpSpMkLst>
+        </pc:grpChg>
+        <pc:grpChg chg="add del">
+          <ac:chgData name="Billye Merritts" userId="2716f5ca735b6894" providerId="LiveId" clId="{02F584DD-8992-4E2C-A31E-20F8674FAE58}" dt="2021-02-12T15:24:42.580" v="767" actId="26606"/>
+          <ac:grpSpMkLst>
+            <pc:docMk/>
+            <pc:sldMk cId="1967789513" sldId="267"/>
+            <ac:grpSpMk id="67" creationId="{ADF228AF-822F-4819-9EB8-406258D6BB0E}"/>
+          </ac:grpSpMkLst>
+        </pc:grpChg>
+        <pc:grpChg chg="add del">
+          <ac:chgData name="Billye Merritts" userId="2716f5ca735b6894" providerId="LiveId" clId="{02F584DD-8992-4E2C-A31E-20F8674FAE58}" dt="2021-02-12T15:24:50.315" v="769" actId="26606"/>
+          <ac:grpSpMkLst>
+            <pc:docMk/>
+            <pc:sldMk cId="1967789513" sldId="267"/>
+            <ac:grpSpMk id="75" creationId="{ACCC08F4-6649-4752-A49D-EC2C8E965620}"/>
+          </ac:grpSpMkLst>
+        </pc:grpChg>
+        <pc:grpChg chg="add del">
+          <ac:chgData name="Billye Merritts" userId="2716f5ca735b6894" providerId="LiveId" clId="{02F584DD-8992-4E2C-A31E-20F8674FAE58}" dt="2021-02-12T15:25:09.696" v="774" actId="26606"/>
+          <ac:grpSpMkLst>
+            <pc:docMk/>
+            <pc:sldMk cId="1967789513" sldId="267"/>
+            <ac:grpSpMk id="78" creationId="{ACCC08F4-6649-4752-A49D-EC2C8E965620}"/>
+          </ac:grpSpMkLst>
+        </pc:grpChg>
+        <pc:grpChg chg="add del">
+          <ac:chgData name="Billye Merritts" userId="2716f5ca735b6894" providerId="LiveId" clId="{02F584DD-8992-4E2C-A31E-20F8674FAE58}" dt="2021-02-12T15:27:15.638" v="797" actId="26606"/>
+          <ac:grpSpMkLst>
+            <pc:docMk/>
+            <pc:sldMk cId="1967789513" sldId="267"/>
+            <ac:grpSpMk id="87" creationId="{ACCC08F4-6649-4752-A49D-EC2C8E965620}"/>
+          </ac:grpSpMkLst>
+        </pc:grpChg>
+        <pc:grpChg chg="add">
+          <ac:chgData name="Billye Merritts" userId="2716f5ca735b6894" providerId="LiveId" clId="{02F584DD-8992-4E2C-A31E-20F8674FAE58}" dt="2021-02-12T15:27:15.638" v="797" actId="26606"/>
+          <ac:grpSpMkLst>
+            <pc:docMk/>
+            <pc:sldMk cId="1967789513" sldId="267"/>
+            <ac:grpSpMk id="117" creationId="{EED2E2BB-3846-41EB-9F1E-92C33C4A8F46}"/>
+          </ac:grpSpMkLst>
+        </pc:grpChg>
+        <pc:picChg chg="add mod ord modCrop">
+          <ac:chgData name="Billye Merritts" userId="2716f5ca735b6894" providerId="LiveId" clId="{02F584DD-8992-4E2C-A31E-20F8674FAE58}" dt="2021-02-12T15:52:39.967" v="1196" actId="14100"/>
+          <ac:picMkLst>
+            <pc:docMk/>
+            <pc:sldMk cId="1967789513" sldId="267"/>
+            <ac:picMk id="5" creationId="{DE8B60FE-693C-4859-9F4C-A30E120F0B40}"/>
+          </ac:picMkLst>
+        </pc:picChg>
+        <pc:picChg chg="add del mod ord">
+          <ac:chgData name="Billye Merritts" userId="2716f5ca735b6894" providerId="LiveId" clId="{02F584DD-8992-4E2C-A31E-20F8674FAE58}" dt="2021-02-12T15:29:23.990" v="813" actId="1076"/>
+          <ac:picMkLst>
+            <pc:docMk/>
+            <pc:sldMk cId="1967789513" sldId="267"/>
+            <ac:picMk id="6" creationId="{06ED9F83-2204-4F73-B560-314C1FB43D01}"/>
+          </ac:picMkLst>
+        </pc:picChg>
       </pc:sldChg>
     </pc:docChg>
   </pc:docChgLst>
@@ -1019,15 +2075,6 @@
             <a:t>Most Played artist</a:t>
           </a:r>
         </a:p>
-        <a:p>
-          <a:pPr>
-            <a:defRPr cap="all"/>
-          </a:pPr>
-          <a:r>
-            <a:rPr lang="en-US" sz="1200" dirty="0"/>
-            <a:t>2010 -2019</a:t>
-          </a:r>
-        </a:p>
       </dgm:t>
     </dgm:pt>
     <dgm:pt modelId="{CAD7EF86-FB23-41F6-BF42-040B36DEFDB1}" type="parTrans" cxnId="{C7AD8469-3C68-4AF9-AB82-79B0043AA120}">
@@ -1067,15 +2114,6 @@
             <a:t>Most Popular Genre </a:t>
           </a:r>
         </a:p>
-        <a:p>
-          <a:pPr>
-            <a:defRPr cap="all"/>
-          </a:pPr>
-          <a:r>
-            <a:rPr lang="en-US" sz="1200" dirty="0"/>
-            <a:t>2010 - 2019</a:t>
-          </a:r>
-        </a:p>
       </dgm:t>
     </dgm:pt>
     <dgm:pt modelId="{1A0E2090-1D4F-438A-8766-B6030CE01ADD}" type="parTrans" cxnId="{A9154303-8225-4248-91DC-1B0156A35F07}">
@@ -1112,16 +2150,7 @@
           </a:pPr>
           <a:r>
             <a:rPr lang="en-US" sz="1200" dirty="0"/>
-            <a:t>Popularity, Trend and Demographic</a:t>
-          </a:r>
-        </a:p>
-        <a:p>
-          <a:pPr>
-            <a:defRPr cap="all"/>
-          </a:pPr>
-          <a:r>
-            <a:rPr lang="en-US" sz="1200" dirty="0"/>
-            <a:t>2010 -2019</a:t>
+            <a:t>Popularity Trend, Demographic and Financial Results</a:t>
           </a:r>
         </a:p>
       </dgm:t>
@@ -1167,7 +2196,7 @@
       <dgm:spPr/>
     </dgm:pt>
     <dgm:pt modelId="{B526898C-DA99-43AF-8757-04197176711A}" type="pres">
-      <dgm:prSet presAssocID="{40FC4FFE-8987-4A26-B7F4-8A516F18ADAE}" presName="parentText" presStyleLbl="node1" presStyleIdx="0" presStyleCnt="3" custScaleY="97953">
+      <dgm:prSet presAssocID="{40FC4FFE-8987-4A26-B7F4-8A516F18ADAE}" presName="parentText" presStyleLbl="node1" presStyleIdx="0" presStyleCnt="3" custScaleX="108608" custScaleY="97953">
         <dgm:presLayoutVars>
           <dgm:chMax val="0"/>
           <dgm:bulletEnabled val="1"/>
@@ -1200,7 +2229,7 @@
       <dgm:spPr/>
     </dgm:pt>
     <dgm:pt modelId="{72A2BA28-45F8-43FF-9265-A7E177C42A70}" type="pres">
-      <dgm:prSet presAssocID="{49225C73-1633-42F1-AB3B-7CB183E5F8B8}" presName="parentText" presStyleLbl="node1" presStyleIdx="1" presStyleCnt="3">
+      <dgm:prSet presAssocID="{49225C73-1633-42F1-AB3B-7CB183E5F8B8}" presName="parentText" presStyleLbl="node1" presStyleIdx="1" presStyleCnt="3" custScaleX="108310">
         <dgm:presLayoutVars>
           <dgm:chMax val="0"/>
           <dgm:bulletEnabled val="1"/>
@@ -1233,7 +2262,7 @@
       <dgm:spPr/>
     </dgm:pt>
     <dgm:pt modelId="{E7697A86-567C-4A1D-986B-DC0E1013FF65}" type="pres">
-      <dgm:prSet presAssocID="{1C383F32-22E8-4F62-A3E0-BDC3D5F48992}" presName="parentText" presStyleLbl="node1" presStyleIdx="2" presStyleCnt="3">
+      <dgm:prSet presAssocID="{1C383F32-22E8-4F62-A3E0-BDC3D5F48992}" presName="parentText" presStyleLbl="node1" presStyleIdx="2" presStyleCnt="3" custScaleX="111511">
         <dgm:presLayoutVars>
           <dgm:chMax val="0"/>
           <dgm:bulletEnabled val="1"/>
@@ -1357,7 +2386,7 @@
       <dsp:spPr>
         <a:xfrm>
           <a:off x="319563" y="21828"/>
-          <a:ext cx="4473892" cy="1156629"/>
+          <a:ext cx="4859005" cy="1156629"/>
         </a:xfrm>
         <a:prstGeom prst="roundRect">
           <a:avLst/>
@@ -1421,29 +2450,10 @@
             <a:t>Most Played artist</a:t>
           </a:r>
         </a:p>
-        <a:p>
-          <a:pPr marL="0" lvl="0" indent="0" algn="l" defTabSz="533400">
-            <a:lnSpc>
-              <a:spcPct val="90000"/>
-            </a:lnSpc>
-            <a:spcBef>
-              <a:spcPct val="0"/>
-            </a:spcBef>
-            <a:spcAft>
-              <a:spcPct val="35000"/>
-            </a:spcAft>
-            <a:buNone/>
-            <a:defRPr cap="all"/>
-          </a:pPr>
-          <a:r>
-            <a:rPr lang="en-US" sz="1200" kern="1200" dirty="0"/>
-            <a:t>2010 -2019</a:t>
-          </a:r>
-        </a:p>
       </dsp:txBody>
       <dsp:txXfrm>
         <a:off x="376025" y="78290"/>
-        <a:ext cx="4360968" cy="1043705"/>
+        <a:ext cx="4746081" cy="1043705"/>
       </dsp:txXfrm>
     </dsp:sp>
     <dsp:sp modelId="{7E23893D-A9EF-443B-AECB-A8B49888A9CA}">
@@ -1502,7 +2512,7 @@
       <dsp:spPr>
         <a:xfrm>
           <a:off x="319563" y="1812058"/>
-          <a:ext cx="4473892" cy="1180800"/>
+          <a:ext cx="4845672" cy="1180800"/>
         </a:xfrm>
         <a:prstGeom prst="roundRect">
           <a:avLst/>
@@ -1566,29 +2576,10 @@
             <a:t>Most Popular Genre </a:t>
           </a:r>
         </a:p>
-        <a:p>
-          <a:pPr marL="0" lvl="0" indent="0" algn="l" defTabSz="533400">
-            <a:lnSpc>
-              <a:spcPct val="90000"/>
-            </a:lnSpc>
-            <a:spcBef>
-              <a:spcPct val="0"/>
-            </a:spcBef>
-            <a:spcAft>
-              <a:spcPct val="35000"/>
-            </a:spcAft>
-            <a:buNone/>
-            <a:defRPr cap="all"/>
-          </a:pPr>
-          <a:r>
-            <a:rPr lang="en-US" sz="1200" kern="1200" dirty="0"/>
-            <a:t>2010 - 2019</a:t>
-          </a:r>
-        </a:p>
       </dsp:txBody>
       <dsp:txXfrm>
         <a:off x="377205" y="1869700"/>
-        <a:ext cx="4358608" cy="1065516"/>
+        <a:ext cx="4730388" cy="1065516"/>
       </dsp:txXfrm>
     </dsp:sp>
     <dsp:sp modelId="{CC2F089F-F16B-4591-B60C-5C2587E7DFB6}">
@@ -1647,7 +2638,7 @@
       <dsp:spPr>
         <a:xfrm>
           <a:off x="319563" y="3626458"/>
-          <a:ext cx="4473892" cy="1180800"/>
+          <a:ext cx="4988882" cy="1180800"/>
         </a:xfrm>
         <a:prstGeom prst="roundRect">
           <a:avLst/>
@@ -1708,32 +2699,13 @@
           </a:pPr>
           <a:r>
             <a:rPr lang="en-US" sz="1200" kern="1200" dirty="0"/>
-            <a:t>Popularity, Trend and Demographic</a:t>
-          </a:r>
-        </a:p>
-        <a:p>
-          <a:pPr marL="0" lvl="0" indent="0" algn="l" defTabSz="533400">
-            <a:lnSpc>
-              <a:spcPct val="90000"/>
-            </a:lnSpc>
-            <a:spcBef>
-              <a:spcPct val="0"/>
-            </a:spcBef>
-            <a:spcAft>
-              <a:spcPct val="35000"/>
-            </a:spcAft>
-            <a:buNone/>
-            <a:defRPr cap="all"/>
-          </a:pPr>
-          <a:r>
-            <a:rPr lang="en-US" sz="1200" kern="1200" dirty="0"/>
-            <a:t>2010 -2019</a:t>
+            <a:t>Popularity Trend, Demographic and Financial Results</a:t>
           </a:r>
         </a:p>
       </dsp:txBody>
       <dsp:txXfrm>
         <a:off x="377205" y="3684100"/>
-        <a:ext cx="4358608" cy="1065516"/>
+        <a:ext cx="4873598" cy="1065516"/>
       </dsp:txXfrm>
     </dsp:sp>
   </dsp:spTree>
@@ -3334,7 +4306,7 @@
           <a:p>
             <a:fld id="{EA0C0817-A112-4847-8014-A94B7D2A4EA3}" type="datetime1">
               <a:rPr lang="en-US" smtClean="0"/>
-              <a:t>2/11/2021</a:t>
+              <a:t>2/12/2021</a:t>
             </a:fld>
             <a:endParaRPr lang="en-US" dirty="0"/>
           </a:p>
@@ -4422,7 +5394,7 @@
           <a:p>
             <a:fld id="{F6FA2B21-3FCD-4721-B95C-427943F61125}" type="datetime1">
               <a:rPr lang="en-US" smtClean="0"/>
-              <a:t>2/11/2021</a:t>
+              <a:t>2/12/2021</a:t>
             </a:fld>
             <a:endParaRPr lang="en-US" dirty="0"/>
           </a:p>
@@ -5403,7 +6375,7 @@
           <a:p>
             <a:fld id="{F6FA2B21-3FCD-4721-B95C-427943F61125}" type="datetime1">
               <a:rPr lang="en-US" smtClean="0"/>
-              <a:t>2/11/2021</a:t>
+              <a:t>2/12/2021</a:t>
             </a:fld>
             <a:endParaRPr lang="en-US" dirty="0"/>
           </a:p>
@@ -6538,7 +7510,7 @@
           <a:p>
             <a:fld id="{F6FA2B21-3FCD-4721-B95C-427943F61125}" type="datetime1">
               <a:rPr lang="en-US" smtClean="0"/>
-              <a:t>2/11/2021</a:t>
+              <a:t>2/12/2021</a:t>
             </a:fld>
             <a:endParaRPr lang="en-US" dirty="0"/>
           </a:p>
@@ -7572,7 +8544,7 @@
           <a:p>
             <a:fld id="{F6FA2B21-3FCD-4721-B95C-427943F61125}" type="datetime1">
               <a:rPr lang="en-US" smtClean="0"/>
-              <a:t>2/11/2021</a:t>
+              <a:t>2/12/2021</a:t>
             </a:fld>
             <a:endParaRPr lang="en-US" dirty="0"/>
           </a:p>
@@ -8233,7 +9205,7 @@
           <a:p>
             <a:fld id="{F6FA2B21-3FCD-4721-B95C-427943F61125}" type="datetime1">
               <a:rPr lang="en-US" smtClean="0"/>
-              <a:t>2/11/2021</a:t>
+              <a:t>2/12/2021</a:t>
             </a:fld>
             <a:endParaRPr lang="en-US" dirty="0"/>
           </a:p>
@@ -9095,7 +10067,7 @@
           <a:p>
             <a:fld id="{F6FA2B21-3FCD-4721-B95C-427943F61125}" type="datetime1">
               <a:rPr lang="en-US" smtClean="0"/>
-              <a:t>2/11/2021</a:t>
+              <a:t>2/12/2021</a:t>
             </a:fld>
             <a:endParaRPr lang="en-US" dirty="0"/>
           </a:p>
@@ -9286,7 +10258,7 @@
           <a:p>
             <a:fld id="{F6FA2B21-3FCD-4721-B95C-427943F61125}" type="datetime1">
               <a:rPr lang="en-US" smtClean="0"/>
-              <a:t>2/11/2021</a:t>
+              <a:t>2/12/2021</a:t>
             </a:fld>
             <a:endParaRPr lang="en-US" dirty="0"/>
           </a:p>
@@ -10259,7 +11231,7 @@
           <a:p>
             <a:fld id="{F6FA2B21-3FCD-4721-B95C-427943F61125}" type="datetime1">
               <a:rPr lang="en-US" smtClean="0"/>
-              <a:t>2/11/2021</a:t>
+              <a:t>2/12/2021</a:t>
             </a:fld>
             <a:endParaRPr lang="en-US" dirty="0"/>
           </a:p>
@@ -10471,7 +11443,7 @@
           <a:p>
             <a:fld id="{7332B432-ACDA-4023-A761-2BAB76577B62}" type="datetime1">
               <a:rPr lang="en-US" smtClean="0"/>
-              <a:t>2/11/2021</a:t>
+              <a:t>2/12/2021</a:t>
             </a:fld>
             <a:endParaRPr lang="en-US" dirty="0"/>
           </a:p>
@@ -11505,7 +12477,7 @@
           <a:p>
             <a:fld id="{D9C646AA-F36E-4540-911D-FFFC0A0EF24A}" type="datetime1">
               <a:rPr lang="en-US" smtClean="0"/>
-              <a:t>2/11/2021</a:t>
+              <a:t>2/12/2021</a:t>
             </a:fld>
             <a:endParaRPr lang="en-US" dirty="0"/>
           </a:p>
@@ -11777,7 +12749,7 @@
           <a:p>
             <a:fld id="{69186D26-FA5F-4637-B602-B7C2DC34CFD4}" type="datetime1">
               <a:rPr lang="en-US" smtClean="0"/>
-              <a:t>2/11/2021</a:t>
+              <a:t>2/12/2021</a:t>
             </a:fld>
             <a:endParaRPr lang="en-US" dirty="0"/>
           </a:p>
@@ -12187,7 +13159,7 @@
           <a:p>
             <a:fld id="{8A7F15D8-96D1-4781-BC50-CA8A088B2FE4}" type="datetime1">
               <a:rPr lang="en-US" smtClean="0"/>
-              <a:t>2/11/2021</a:t>
+              <a:t>2/12/2021</a:t>
             </a:fld>
             <a:endParaRPr lang="en-US" dirty="0"/>
           </a:p>
@@ -12314,7 +13286,7 @@
           <a:p>
             <a:fld id="{F9A96C99-B8F8-4528-BD05-0E16E943DC09}" type="datetime1">
               <a:rPr lang="en-US" smtClean="0"/>
-              <a:t>2/11/2021</a:t>
+              <a:t>2/12/2021</a:t>
             </a:fld>
             <a:endParaRPr lang="en-US" dirty="0"/>
           </a:p>
@@ -12409,7 +13381,7 @@
           <a:p>
             <a:fld id="{03636942-C211-4B28-8DBD-C953E00AF71B}" type="datetime1">
               <a:rPr lang="en-US" smtClean="0"/>
-              <a:t>2/11/2021</a:t>
+              <a:t>2/12/2021</a:t>
             </a:fld>
             <a:endParaRPr lang="en-US" dirty="0"/>
           </a:p>
@@ -13490,7 +14462,7 @@
           <a:p>
             <a:fld id="{7E8D12A6-918A-48BD-8CB9-CA713993B0EA}" type="datetime1">
               <a:rPr lang="en-US" smtClean="0"/>
-              <a:t>2/11/2021</a:t>
+              <a:t>2/12/2021</a:t>
             </a:fld>
             <a:endParaRPr lang="en-US" dirty="0"/>
           </a:p>
@@ -14599,7 +15571,7 @@
             <a:fld id="{E778CE86-875F-4587-BCF6-FA054AFC0D53}" type="datetime1">
               <a:rPr lang="en-US" smtClean="0"/>
               <a:pPr/>
-              <a:t>2/11/2021</a:t>
+              <a:t>2/12/2021</a:t>
             </a:fld>
             <a:endParaRPr lang="en-US" dirty="0"/>
           </a:p>
@@ -15597,7 +16569,7 @@
           <a:p>
             <a:fld id="{F6FA2B21-3FCD-4721-B95C-427943F61125}" type="datetime1">
               <a:rPr lang="en-US" smtClean="0"/>
-              <a:t>2/11/2021</a:t>
+              <a:t>2/12/2021</a:t>
             </a:fld>
             <a:endParaRPr lang="en-US" dirty="0"/>
           </a:p>
@@ -16202,10 +17174,10 @@
       </p:pic>
       <p:pic>
         <p:nvPicPr>
-          <p:cNvPr id="5" name="Picture 4">
+          <p:cNvPr id="9" name="Picture 8">
             <a:extLst>
               <a:ext uri="{FF2B5EF4-FFF2-40B4-BE49-F238E27FC236}">
-                <a16:creationId xmlns:a16="http://schemas.microsoft.com/office/drawing/2014/main" id="{DE54DDAB-BFE6-4631-B176-2146CBAA05BE}"/>
+                <a16:creationId xmlns:a16="http://schemas.microsoft.com/office/drawing/2014/main" id="{71E06458-85D7-41AB-B509-8C48E88D0D2D}"/>
               </a:ext>
             </a:extLst>
           </p:cNvPr>
@@ -16222,8 +17194,8 @@
         </p:blipFill>
         <p:spPr>
           <a:xfrm>
-            <a:off x="0" y="-255907"/>
-            <a:ext cx="12191999" cy="7539436"/>
+            <a:off x="-182879" y="0"/>
+            <a:ext cx="12456159" cy="6858000"/>
           </a:xfrm>
           <a:prstGeom prst="rect">
             <a:avLst/>
@@ -16248,8 +17220,8 @@
         </p:nvSpPr>
         <p:spPr>
           <a:xfrm>
-            <a:off x="6033793" y="2355458"/>
-            <a:ext cx="4775075" cy="1140217"/>
+            <a:off x="6226833" y="2021840"/>
+            <a:ext cx="4775075" cy="1301115"/>
           </a:xfrm>
           <a:solidFill>
             <a:schemeClr val="bg1"/>
@@ -16257,7 +17229,7 @@
         </p:spPr>
         <p:txBody>
           <a:bodyPr>
-            <a:normAutofit/>
+            <a:noAutofit/>
           </a:bodyPr>
           <a:lstStyle/>
           <a:p>
@@ -16270,7 +17242,7 @@
               </a:spcAft>
             </a:pPr>
             <a:r>
-              <a:rPr lang="en-US" sz="2400" dirty="0">
+              <a:rPr lang="en-US" sz="2000" dirty="0">
                 <a:solidFill>
                   <a:schemeClr val="tx1"/>
                 </a:solidFill>
@@ -16279,7 +17251,7 @@
               <a:t>What did the World Listen to</a:t>
             </a:r>
             <a:br>
-              <a:rPr lang="en-US" sz="2400" dirty="0">
+              <a:rPr lang="en-US" sz="2000" dirty="0">
                 <a:solidFill>
                   <a:schemeClr val="tx1"/>
                 </a:solidFill>
@@ -16287,13 +17259,47 @@
               </a:rPr>
             </a:br>
             <a:r>
-              <a:rPr lang="en-US" sz="2400" dirty="0">
+              <a:rPr lang="en-US" sz="2000" dirty="0">
                 <a:solidFill>
                   <a:schemeClr val="tx1"/>
                 </a:solidFill>
                 <a:latin typeface="Bodoni MT Black" panose="02070A03080606020203" pitchFamily="18" charset="0"/>
               </a:rPr>
               <a:t>in the last Decade</a:t>
+            </a:r>
+            <a:br>
+              <a:rPr lang="en-US" sz="2000" dirty="0">
+                <a:solidFill>
+                  <a:schemeClr val="tx1"/>
+                </a:solidFill>
+                <a:latin typeface="Bodoni MT Black" panose="02070A03080606020203" pitchFamily="18" charset="0"/>
+              </a:rPr>
+            </a:br>
+            <a:r>
+              <a:rPr lang="en-US" sz="2000" dirty="0">
+                <a:solidFill>
+                  <a:schemeClr val="tx1"/>
+                </a:solidFill>
+                <a:latin typeface="Bodoni MT Black" panose="02070A03080606020203" pitchFamily="18" charset="0"/>
+              </a:rPr>
+              <a:t>Data Research by </a:t>
+            </a:r>
+            <a:br>
+              <a:rPr lang="en-US" sz="2000" dirty="0">
+                <a:solidFill>
+                  <a:schemeClr val="tx1"/>
+                </a:solidFill>
+                <a:latin typeface="Bodoni MT Black" panose="02070A03080606020203" pitchFamily="18" charset="0"/>
+              </a:rPr>
+            </a:br>
+            <a:r>
+              <a:rPr lang="en-US" sz="2000" dirty="0">
+                <a:solidFill>
+                  <a:schemeClr val="tx1"/>
+                </a:solidFill>
+                <a:latin typeface="Bodoni MT Black" panose="02070A03080606020203" pitchFamily="18" charset="0"/>
+              </a:rPr>
+              <a:t>Spotify and Billboard</a:t>
             </a:r>
           </a:p>
         </p:txBody>
@@ -16316,8 +17322,8 @@
         </p:nvSpPr>
         <p:spPr>
           <a:xfrm>
-            <a:off x="6033792" y="3751591"/>
-            <a:ext cx="4775075" cy="734683"/>
+            <a:off x="6226832" y="3751591"/>
+            <a:ext cx="4775075" cy="454649"/>
           </a:xfrm>
           <a:solidFill>
             <a:schemeClr val="bg1"/>
@@ -16335,13 +17341,13 @@
               </a:spcAft>
             </a:pPr>
             <a:r>
-              <a:rPr lang="en-US" sz="4400" b="1" dirty="0">
+              <a:rPr lang="en-US" sz="2000" b="1" dirty="0">
                 <a:solidFill>
                   <a:schemeClr val="tx1"/>
                 </a:solidFill>
                 <a:latin typeface="Algerian" panose="04020705040A02060702" pitchFamily="82" charset="0"/>
               </a:rPr>
-              <a:t>2010 - 2020</a:t>
+              <a:t>2010 - 2019</a:t>
             </a:r>
           </a:p>
         </p:txBody>
@@ -17151,6 +18157,16 @@
           <a:lstStyle/>
           <a:p>
             <a:pPr algn="ctr"/>
+            <a:r>
+              <a:rPr lang="en-US" sz="3200" b="1" dirty="0">
+                <a:solidFill>
+                  <a:srgbClr val="EBEBEB"/>
+                </a:solidFill>
+                <a:latin typeface="Imprint MT Shadow" panose="04020605060303030202" pitchFamily="82" charset="0"/>
+                <a:cs typeface="Aharoni" panose="020B0604020202020204" pitchFamily="2" charset="-79"/>
+              </a:rPr>
+              <a:t>Spotify and Billboard</a:t>
+            </a:r>
             <a:br>
               <a:rPr lang="en-US" sz="3200" b="1" dirty="0">
                 <a:solidFill>
@@ -17187,7 +18203,7 @@
                 <a:latin typeface="Imprint MT Shadow" panose="04020605060303030202" pitchFamily="82" charset="0"/>
                 <a:cs typeface="Aharoni" panose="020B0604020202020204" pitchFamily="2" charset="-79"/>
               </a:rPr>
-              <a:t>2010 – 2020</a:t>
+              <a:t>2010 – 2019</a:t>
             </a:r>
             <a:br>
               <a:rPr lang="en-US" sz="2400" b="1" dirty="0">
@@ -17295,7 +18311,7 @@
             <p:ph idx="1"/>
             <p:extLst>
               <p:ext uri="{D42A27DB-BD31-4B8C-83A1-F6EECF244321}">
-                <p14:modId xmlns:p14="http://schemas.microsoft.com/office/powerpoint/2010/main" val="1386109898"/>
+                <p14:modId xmlns:p14="http://schemas.microsoft.com/office/powerpoint/2010/main" val="3323875464"/>
               </p:ext>
             </p:extLst>
           </p:nvPr>
@@ -17356,21 +18372,26 @@
             <p:ph type="title"/>
           </p:nvPr>
         </p:nvSpPr>
-        <p:spPr/>
+        <p:spPr>
+          <a:xfrm>
+            <a:off x="1154954" y="838201"/>
+            <a:ext cx="2793158" cy="1336039"/>
+          </a:xfrm>
+        </p:spPr>
         <p:txBody>
           <a:bodyPr/>
           <a:lstStyle/>
           <a:p>
             <a:r>
               <a:rPr lang="en-US" dirty="0"/>
-              <a:t>Most Played artist</a:t>
+              <a:t>Most Played Artist</a:t>
             </a:r>
             <a:br>
               <a:rPr lang="en-US" dirty="0"/>
             </a:br>
             <a:r>
               <a:rPr lang="en-US" dirty="0"/>
-              <a:t>2010 -2020 </a:t>
+              <a:t>2010 -2019 </a:t>
             </a:r>
             <a:br>
               <a:rPr lang="en-US" dirty="0"/>
@@ -17381,10 +18402,10 @@
       </p:sp>
       <p:sp>
         <p:nvSpPr>
-          <p:cNvPr id="3" name="Content Placeholder 2">
+          <p:cNvPr id="6" name="Text Placeholder 5">
             <a:extLst>
               <a:ext uri="{FF2B5EF4-FFF2-40B4-BE49-F238E27FC236}">
-                <a16:creationId xmlns:a16="http://schemas.microsoft.com/office/drawing/2014/main" id="{3DFEAB30-D088-40A3-B340-6E8D177EAE6C}"/>
+                <a16:creationId xmlns:a16="http://schemas.microsoft.com/office/drawing/2014/main" id="{0BDBD1C2-CA43-4EBF-9213-26C2E123BD94}"/>
               </a:ext>
             </a:extLst>
           </p:cNvPr>
@@ -17392,13 +18413,13 @@
             <a:spLocks noGrp="1"/>
           </p:cNvSpPr>
           <p:nvPr>
-            <p:ph idx="1"/>
+            <p:ph type="body" sz="half" idx="2"/>
           </p:nvPr>
         </p:nvSpPr>
         <p:spPr>
           <a:xfrm>
-            <a:off x="1154954" y="2374265"/>
-            <a:ext cx="8825659" cy="3686175"/>
+            <a:off x="1154954" y="2255521"/>
+            <a:ext cx="2793158" cy="1463040"/>
           </a:xfrm>
         </p:spPr>
         <p:txBody>
@@ -17408,9 +18429,12 @@
           <a:lstStyle/>
           <a:p>
             <a:r>
-              <a:rPr lang="en-US" sz="1050" dirty="0"/>
-              <a:t>As 2020 ended, so does a stellar year of streaming on Spotify  with great data. You may be reflecting on the past 10 years, thinking about your own music discoveries and the songs you repeated over, and over, and over. You will be able to see that within our data throughout the whole world who was the most played artist. We dove into the newcomers, showstoppers, and top performers who united the globe with music in the last 10 years. </a:t>
+              <a:rPr lang="en-US" dirty="0"/>
+              <a:t>We dove into the newcomers, showstoppers, and top performers who united the globe with music in the last 10 years to analyze which artist is most played.</a:t>
             </a:r>
+          </a:p>
+          <a:p>
+            <a:endParaRPr lang="en-US" dirty="0"/>
           </a:p>
         </p:txBody>
       </p:sp>
@@ -17428,16 +18452,15 @@
           </p:cNvPicPr>
           <p:nvPr/>
         </p:nvPicPr>
-        <p:blipFill>
+        <p:blipFill rotWithShape="1">
           <a:blip r:embed="rId2"/>
-          <a:stretch>
-            <a:fillRect/>
-          </a:stretch>
+          <a:srcRect b="52672"/>
+          <a:stretch/>
         </p:blipFill>
         <p:spPr>
           <a:xfrm>
-            <a:off x="1581740" y="3429000"/>
-            <a:ext cx="2810818" cy="2357793"/>
+            <a:off x="7023190" y="240963"/>
+            <a:ext cx="2435770" cy="1054437"/>
           </a:xfrm>
           <a:prstGeom prst="rect">
             <a:avLst/>
@@ -17466,8 +18489,8 @@
         </p:blipFill>
         <p:spPr>
           <a:xfrm>
-            <a:off x="6096000" y="2946759"/>
-            <a:ext cx="4912512" cy="3715874"/>
+            <a:off x="5252720" y="1635759"/>
+            <a:ext cx="6522720" cy="4981277"/>
           </a:xfrm>
           <a:prstGeom prst="rect">
             <a:avLst/>
@@ -17520,7 +18543,12 @@
             <p:ph type="title"/>
           </p:nvPr>
         </p:nvSpPr>
-        <p:spPr/>
+        <p:spPr>
+          <a:xfrm>
+            <a:off x="1154954" y="952500"/>
+            <a:ext cx="2793158" cy="1600200"/>
+          </a:xfrm>
+        </p:spPr>
         <p:txBody>
           <a:bodyPr/>
           <a:lstStyle/>
@@ -17534,7 +18562,7 @@
             </a:br>
             <a:r>
               <a:rPr lang="en-US" dirty="0"/>
-              <a:t>2010 - 2020</a:t>
+              <a:t>2010 - 2019</a:t>
             </a:r>
             <a:br>
               <a:rPr lang="en-US" dirty="0"/>
@@ -17545,10 +18573,10 @@
       </p:sp>
       <p:sp>
         <p:nvSpPr>
-          <p:cNvPr id="3" name="Content Placeholder 2">
+          <p:cNvPr id="13" name="Text Placeholder 12">
             <a:extLst>
               <a:ext uri="{FF2B5EF4-FFF2-40B4-BE49-F238E27FC236}">
-                <a16:creationId xmlns:a16="http://schemas.microsoft.com/office/drawing/2014/main" id="{D13133D6-84A7-4928-8E27-46E5AD15FA10}"/>
+                <a16:creationId xmlns:a16="http://schemas.microsoft.com/office/drawing/2014/main" id="{638D9099-C5CC-4FC7-9787-C49BC7FF34CB}"/>
               </a:ext>
             </a:extLst>
           </p:cNvPr>
@@ -17556,28 +18584,58 @@
             <a:spLocks noGrp="1"/>
           </p:cNvSpPr>
           <p:nvPr>
-            <p:ph idx="1"/>
+            <p:ph type="body" sz="half" idx="2"/>
           </p:nvPr>
         </p:nvSpPr>
         <p:spPr>
           <a:xfrm>
-            <a:off x="1154954" y="2314575"/>
-            <a:ext cx="8825659" cy="3705225"/>
+            <a:off x="1154954" y="2857501"/>
+            <a:ext cx="2793158" cy="2895599"/>
           </a:xfrm>
         </p:spPr>
         <p:txBody>
-          <a:bodyPr>
-            <a:normAutofit/>
-          </a:bodyPr>
+          <a:bodyPr/>
           <a:lstStyle/>
           <a:p>
             <a:r>
-              <a:rPr lang="en-US" sz="1050" dirty="0"/>
-              <a:t>When if comes to Popular Genre’s most of these artists have operated through the more traditional avenues of recording blockbuster albums and staging splashy live shows over the past 10 years. If you’ve caught any of the 2010s’ to 2020’s megastars in concert, you’ve seen some creative, even eccentric, uses of the stadium – whether it’s Beyoncé doing a multimedia spectacle with rotating stages and a wardrobe full of costumes, or Perry cavorting in a Croft Brothers-style fantasy land. Bieber’s last tour was a fully-fledged psychodrama that hinged on his ambivalence about his own stardom. When he towered above the audience, locked in a cage, you couldn’t help feeling you were seeing a modern riff on Pink Floyd’s The Wall. We have used data from Spotify to pull together the most played Genre for the last 10 years.</a:t>
+              <a:rPr lang="en-US" dirty="0"/>
+              <a:t>When if comes to Popular Genre’s most of these artists have operated through the more traditional avenues of recording blockbuster albums and staging splashy live shows over the past 10 years.  We have used data from Spotify to pull together the most played Genre for the last 10 years.</a:t>
             </a:r>
+          </a:p>
+          <a:p>
+            <a:endParaRPr lang="en-US" dirty="0"/>
           </a:p>
         </p:txBody>
       </p:sp>
+      <p:pic>
+        <p:nvPicPr>
+          <p:cNvPr id="11" name="Picture 10">
+            <a:extLst>
+              <a:ext uri="{FF2B5EF4-FFF2-40B4-BE49-F238E27FC236}">
+                <a16:creationId xmlns:a16="http://schemas.microsoft.com/office/drawing/2014/main" id="{38CE644B-D05A-492F-BDE3-829CCA354FA1}"/>
+              </a:ext>
+            </a:extLst>
+          </p:cNvPr>
+          <p:cNvPicPr>
+            <a:picLocks noChangeAspect="1"/>
+          </p:cNvPicPr>
+          <p:nvPr/>
+        </p:nvPicPr>
+        <p:blipFill rotWithShape="1">
+          <a:blip r:embed="rId2"/>
+          <a:srcRect l="155" t="23583" r="43907" b="227"/>
+          <a:stretch/>
+        </p:blipFill>
+        <p:spPr>
+          <a:xfrm>
+            <a:off x="5239814" y="1295400"/>
+            <a:ext cx="5326585" cy="4996403"/>
+          </a:xfrm>
+          <a:prstGeom prst="rect">
+            <a:avLst/>
+          </a:prstGeom>
+        </p:spPr>
+      </p:pic>
     </p:spTree>
     <p:extLst>
       <p:ext uri="{BB962C8B-B14F-4D97-AF65-F5344CB8AC3E}">
@@ -17613,7 +18671,1187 @@
           <p:cNvPr id="2" name="Title 1">
             <a:extLst>
               <a:ext uri="{FF2B5EF4-FFF2-40B4-BE49-F238E27FC236}">
-                <a16:creationId xmlns:a16="http://schemas.microsoft.com/office/drawing/2014/main" id="{26E23451-5887-4DA4-9DF3-F6F2EF46FDFC}"/>
+                <a16:creationId xmlns:a16="http://schemas.microsoft.com/office/drawing/2014/main" id="{BEDAA6E0-E10E-42DE-BAD6-EF5C5A63E2D7}"/>
+              </a:ext>
+            </a:extLst>
+          </p:cNvPr>
+          <p:cNvSpPr>
+            <a:spLocks noGrp="1"/>
+          </p:cNvSpPr>
+          <p:nvPr>
+            <p:ph type="title"/>
+          </p:nvPr>
+        </p:nvSpPr>
+        <p:spPr/>
+        <p:txBody>
+          <a:bodyPr>
+            <a:normAutofit fontScale="90000"/>
+          </a:bodyPr>
+          <a:lstStyle/>
+          <a:p>
+            <a:r>
+              <a:rPr lang="en-US" sz="2700" dirty="0"/>
+              <a:t>Most Popular Genre </a:t>
+            </a:r>
+            <a:br>
+              <a:rPr lang="en-US" sz="2700" dirty="0"/>
+            </a:br>
+            <a:r>
+              <a:rPr lang="en-US" sz="2700" dirty="0"/>
+              <a:t>2010 – 2019 (continued)</a:t>
+            </a:r>
+            <a:br>
+              <a:rPr lang="en-US" dirty="0"/>
+            </a:br>
+            <a:endParaRPr lang="en-US" dirty="0"/>
+          </a:p>
+        </p:txBody>
+      </p:sp>
+      <p:pic>
+        <p:nvPicPr>
+          <p:cNvPr id="5" name="Picture 4">
+            <a:extLst>
+              <a:ext uri="{FF2B5EF4-FFF2-40B4-BE49-F238E27FC236}">
+                <a16:creationId xmlns:a16="http://schemas.microsoft.com/office/drawing/2014/main" id="{9AB9D1BC-6C4D-4480-B65B-F84D6FE2C22D}"/>
+              </a:ext>
+            </a:extLst>
+          </p:cNvPr>
+          <p:cNvPicPr>
+            <a:picLocks noChangeAspect="1"/>
+          </p:cNvPicPr>
+          <p:nvPr/>
+        </p:nvPicPr>
+        <p:blipFill rotWithShape="1">
+          <a:blip r:embed="rId2"/>
+          <a:srcRect t="30887" r="36442"/>
+          <a:stretch/>
+        </p:blipFill>
+        <p:spPr>
+          <a:xfrm>
+            <a:off x="6096000" y="2346959"/>
+            <a:ext cx="5430034" cy="4279481"/>
+          </a:xfrm>
+          <a:prstGeom prst="rect">
+            <a:avLst/>
+          </a:prstGeom>
+        </p:spPr>
+      </p:pic>
+      <p:sp>
+        <p:nvSpPr>
+          <p:cNvPr id="12" name="TextBox 11">
+            <a:extLst>
+              <a:ext uri="{FF2B5EF4-FFF2-40B4-BE49-F238E27FC236}">
+                <a16:creationId xmlns:a16="http://schemas.microsoft.com/office/drawing/2014/main" id="{10AEFD9C-2056-4E06-9B77-8446B7959D77}"/>
+              </a:ext>
+            </a:extLst>
+          </p:cNvPr>
+          <p:cNvSpPr txBox="1"/>
+          <p:nvPr/>
+        </p:nvSpPr>
+        <p:spPr>
+          <a:xfrm>
+            <a:off x="497840" y="2733655"/>
+            <a:ext cx="5720080" cy="923330"/>
+          </a:xfrm>
+          <a:prstGeom prst="rect">
+            <a:avLst/>
+          </a:prstGeom>
+          <a:noFill/>
+        </p:spPr>
+        <p:txBody>
+          <a:bodyPr wrap="square">
+            <a:spAutoFit/>
+          </a:bodyPr>
+          <a:lstStyle/>
+          <a:p>
+            <a:r>
+              <a:rPr lang="en-US" dirty="0"/>
+              <a:t>In our analysis we found no distinct correlation between popularity, danceability, energy and valence.  </a:t>
+            </a:r>
+          </a:p>
+        </p:txBody>
+      </p:sp>
+    </p:spTree>
+    <p:extLst>
+      <p:ext uri="{BB962C8B-B14F-4D97-AF65-F5344CB8AC3E}">
+        <p14:creationId xmlns:p14="http://schemas.microsoft.com/office/powerpoint/2010/main" val="3343942514"/>
+      </p:ext>
+    </p:extLst>
+  </p:cSld>
+  <p:clrMapOvr>
+    <a:masterClrMapping/>
+  </p:clrMapOvr>
+</p:sld>
+</file>
+
+<file path=ppt/slides/slide6.xml><?xml version="1.0" encoding="utf-8"?>
+<p:sld xmlns:a="http://schemas.openxmlformats.org/drawingml/2006/main" xmlns:r="http://schemas.openxmlformats.org/officeDocument/2006/relationships" xmlns:p="http://schemas.openxmlformats.org/presentationml/2006/main">
+  <p:cSld>
+    <p:bg>
+      <p:bgPr>
+        <a:solidFill>
+          <a:schemeClr val="bg1"/>
+        </a:solidFill>
+        <a:effectLst/>
+      </p:bgPr>
+    </p:bg>
+    <p:spTree>
+      <p:nvGrpSpPr>
+        <p:cNvPr id="1" name=""/>
+        <p:cNvGrpSpPr/>
+        <p:nvPr/>
+      </p:nvGrpSpPr>
+      <p:grpSpPr>
+        <a:xfrm>
+          <a:off x="0" y="0"/>
+          <a:ext cx="0" cy="0"/>
+          <a:chOff x="0" y="0"/>
+          <a:chExt cx="0" cy="0"/>
+        </a:xfrm>
+      </p:grpSpPr>
+      <p:grpSp>
+        <p:nvGrpSpPr>
+          <p:cNvPr id="117" name="Group 116">
+            <a:extLst>
+              <a:ext uri="{FF2B5EF4-FFF2-40B4-BE49-F238E27FC236}">
+                <a16:creationId xmlns:a16="http://schemas.microsoft.com/office/drawing/2014/main" id="{EED2E2BB-3846-41EB-9F1E-92C33C4A8F46}"/>
+              </a:ext>
+              <a:ext uri="{C183D7F6-B498-43B3-948B-1728B52AA6E4}">
+                <adec:decorative xmlns:adec="http://schemas.microsoft.com/office/drawing/2017/decorative" val="1"/>
+              </a:ext>
+            </a:extLst>
+          </p:cNvPr>
+          <p:cNvGrpSpPr>
+            <a:grpSpLocks noGrp="1" noUngrp="1" noRot="1" noChangeAspect="1" noMove="1" noResize="1"/>
+          </p:cNvGrpSpPr>
+          <p:nvPr>
+            <p:extLst>
+              <p:ext uri="{386F3935-93C4-4BCD-93E2-E3B085C9AB24}">
+                <p16:designElem xmlns:p16="http://schemas.microsoft.com/office/powerpoint/2015/main" val="1"/>
+              </p:ext>
+            </p:extLst>
+          </p:nvPr>
+        </p:nvGrpSpPr>
+        <p:grpSpPr>
+          <a:xfrm>
+            <a:off x="0" y="0"/>
+            <a:ext cx="12192000" cy="6858000"/>
+            <a:chOff x="0" y="0"/>
+            <a:chExt cx="12192000" cy="6858000"/>
+          </a:xfrm>
+        </p:grpSpPr>
+        <p:sp>
+          <p:nvSpPr>
+            <p:cNvPr id="118" name="Rectangle 117">
+              <a:extLst>
+                <a:ext uri="{FF2B5EF4-FFF2-40B4-BE49-F238E27FC236}">
+                  <a16:creationId xmlns:a16="http://schemas.microsoft.com/office/drawing/2014/main" id="{C73D5773-5AC9-444A-A47A-EB6656ACDC2C}"/>
+                </a:ext>
+                <a:ext uri="{C183D7F6-B498-43B3-948B-1728B52AA6E4}">
+                  <adec:decorative xmlns:adec="http://schemas.microsoft.com/office/drawing/2017/decorative" val="1"/>
+                </a:ext>
+              </a:extLst>
+            </p:cNvPr>
+            <p:cNvSpPr/>
+            <p:nvPr>
+              <p:extLst>
+                <p:ext uri="{386F3935-93C4-4BCD-93E2-E3B085C9AB24}">
+                  <p16:designElem xmlns:p16="http://schemas.microsoft.com/office/powerpoint/2015/main" val="1"/>
+                </p:ext>
+              </p:extLst>
+            </p:nvPr>
+          </p:nvSpPr>
+          <p:spPr>
+            <a:xfrm>
+              <a:off x="0" y="0"/>
+              <a:ext cx="12192000" cy="6858000"/>
+            </a:xfrm>
+            <a:prstGeom prst="rect">
+              <a:avLst/>
+            </a:prstGeom>
+            <a:blipFill>
+              <a:blip r:embed="rId2">
+                <a:duotone>
+                  <a:schemeClr val="dk2">
+                    <a:shade val="69000"/>
+                    <a:hueMod val="91000"/>
+                    <a:satMod val="164000"/>
+                    <a:lumMod val="74000"/>
+                  </a:schemeClr>
+                  <a:schemeClr val="dk2">
+                    <a:hueMod val="124000"/>
+                    <a:satMod val="140000"/>
+                    <a:lumMod val="142000"/>
+                  </a:schemeClr>
+                </a:duotone>
+              </a:blip>
+              <a:stretch>
+                <a:fillRect/>
+              </a:stretch>
+            </a:blipFill>
+            <a:ln>
+              <a:noFill/>
+            </a:ln>
+          </p:spPr>
+          <p:style>
+            <a:lnRef idx="2">
+              <a:schemeClr val="accent1">
+                <a:shade val="50000"/>
+              </a:schemeClr>
+            </a:lnRef>
+            <a:fillRef idx="1">
+              <a:schemeClr val="accent1"/>
+            </a:fillRef>
+            <a:effectRef idx="0">
+              <a:schemeClr val="accent1"/>
+            </a:effectRef>
+            <a:fontRef idx="minor">
+              <a:schemeClr val="lt1"/>
+            </a:fontRef>
+          </p:style>
+        </p:sp>
+        <p:sp>
+          <p:nvSpPr>
+            <p:cNvPr id="119" name="Freeform 5">
+              <a:extLst>
+                <a:ext uri="{FF2B5EF4-FFF2-40B4-BE49-F238E27FC236}">
+                  <a16:creationId xmlns:a16="http://schemas.microsoft.com/office/drawing/2014/main" id="{81EB4475-C020-4325-AF59-31FCBFB7C542}"/>
+                </a:ext>
+                <a:ext uri="{C183D7F6-B498-43B3-948B-1728B52AA6E4}">
+                  <adec:decorative xmlns:adec="http://schemas.microsoft.com/office/drawing/2017/decorative" val="1"/>
+                </a:ext>
+              </a:extLst>
+            </p:cNvPr>
+            <p:cNvSpPr>
+              <a:spLocks noEditPoints="1"/>
+            </p:cNvSpPr>
+            <p:nvPr>
+              <p:extLst>
+                <p:ext uri="{386F3935-93C4-4BCD-93E2-E3B085C9AB24}">
+                  <p16:designElem xmlns:p16="http://schemas.microsoft.com/office/powerpoint/2015/main" val="1"/>
+                </p:ext>
+              </p:extLst>
+            </p:nvPr>
+          </p:nvSpPr>
+          <p:spPr bwMode="gray">
+            <a:xfrm>
+              <a:off x="0" y="1587"/>
+              <a:ext cx="12192000" cy="6856413"/>
+            </a:xfrm>
+            <a:custGeom>
+              <a:avLst/>
+              <a:gdLst/>
+              <a:ahLst/>
+              <a:cxnLst/>
+              <a:rect l="0" t="0" r="r" b="b"/>
+              <a:pathLst>
+                <a:path w="15356" h="8638">
+                  <a:moveTo>
+                    <a:pt x="0" y="0"/>
+                  </a:moveTo>
+                  <a:lnTo>
+                    <a:pt x="0" y="8638"/>
+                  </a:lnTo>
+                  <a:lnTo>
+                    <a:pt x="15356" y="8638"/>
+                  </a:lnTo>
+                  <a:lnTo>
+                    <a:pt x="15356" y="0"/>
+                  </a:lnTo>
+                  <a:lnTo>
+                    <a:pt x="0" y="0"/>
+                  </a:lnTo>
+                  <a:close/>
+                  <a:moveTo>
+                    <a:pt x="14748" y="8038"/>
+                  </a:moveTo>
+                  <a:lnTo>
+                    <a:pt x="600" y="8038"/>
+                  </a:lnTo>
+                  <a:lnTo>
+                    <a:pt x="600" y="592"/>
+                  </a:lnTo>
+                  <a:lnTo>
+                    <a:pt x="14748" y="592"/>
+                  </a:lnTo>
+                  <a:lnTo>
+                    <a:pt x="14748" y="8038"/>
+                  </a:lnTo>
+                  <a:close/>
+                </a:path>
+              </a:pathLst>
+            </a:custGeom>
+            <a:solidFill>
+              <a:schemeClr val="bg1"/>
+            </a:solidFill>
+            <a:ln>
+              <a:noFill/>
+            </a:ln>
+          </p:spPr>
+        </p:sp>
+      </p:grpSp>
+      <p:sp>
+        <p:nvSpPr>
+          <p:cNvPr id="121" name="Rectangle 120">
+            <a:extLst>
+              <a:ext uri="{FF2B5EF4-FFF2-40B4-BE49-F238E27FC236}">
+                <a16:creationId xmlns:a16="http://schemas.microsoft.com/office/drawing/2014/main" id="{F7689D68-C339-4D5B-9DAA-E13F6BD4D575}"/>
+              </a:ext>
+              <a:ext uri="{C183D7F6-B498-43B3-948B-1728B52AA6E4}">
+                <adec:decorative xmlns:adec="http://schemas.microsoft.com/office/drawing/2017/decorative" val="1"/>
+              </a:ext>
+            </a:extLst>
+          </p:cNvPr>
+          <p:cNvSpPr>
+            <a:spLocks noGrp="1" noRot="1" noChangeAspect="1" noMove="1" noResize="1" noEditPoints="1" noAdjustHandles="1" noChangeArrowheads="1" noChangeShapeType="1" noTextEdit="1"/>
+          </p:cNvSpPr>
+          <p:nvPr>
+            <p:extLst>
+              <p:ext uri="{386F3935-93C4-4BCD-93E2-E3B085C9AB24}">
+                <p16:designElem xmlns:p16="http://schemas.microsoft.com/office/powerpoint/2015/main" val="1"/>
+              </p:ext>
+            </p:extLst>
+          </p:nvPr>
+        </p:nvSpPr>
+        <p:spPr>
+          <a:xfrm>
+            <a:off x="10437812" y="0"/>
+            <a:ext cx="685800" cy="1143000"/>
+          </a:xfrm>
+          <a:prstGeom prst="rect">
+            <a:avLst/>
+          </a:prstGeom>
+          <a:solidFill>
+            <a:schemeClr val="accent1"/>
+          </a:solidFill>
+          <a:ln>
+            <a:noFill/>
+          </a:ln>
+        </p:spPr>
+        <p:style>
+          <a:lnRef idx="1">
+            <a:schemeClr val="accent1"/>
+          </a:lnRef>
+          <a:fillRef idx="3">
+            <a:schemeClr val="accent1"/>
+          </a:fillRef>
+          <a:effectRef idx="2">
+            <a:schemeClr val="accent1"/>
+          </a:effectRef>
+          <a:fontRef idx="minor">
+            <a:schemeClr val="lt1"/>
+          </a:fontRef>
+        </p:style>
+      </p:sp>
+      <p:sp>
+        <p:nvSpPr>
+          <p:cNvPr id="123" name="Rectangle 122">
+            <a:extLst>
+              <a:ext uri="{FF2B5EF4-FFF2-40B4-BE49-F238E27FC236}">
+                <a16:creationId xmlns:a16="http://schemas.microsoft.com/office/drawing/2014/main" id="{1B9CC3E5-EA42-4393-A2C0-5192B91BD745}"/>
+              </a:ext>
+              <a:ext uri="{C183D7F6-B498-43B3-948B-1728B52AA6E4}">
+                <adec:decorative xmlns:adec="http://schemas.microsoft.com/office/drawing/2017/decorative" val="1"/>
+              </a:ext>
+            </a:extLst>
+          </p:cNvPr>
+          <p:cNvSpPr>
+            <a:spLocks noGrp="1" noRot="1" noChangeAspect="1" noMove="1" noResize="1" noEditPoints="1" noAdjustHandles="1" noChangeArrowheads="1" noChangeShapeType="1" noTextEdit="1"/>
+          </p:cNvSpPr>
+          <p:nvPr>
+            <p:extLst>
+              <p:ext uri="{386F3935-93C4-4BCD-93E2-E3B085C9AB24}">
+                <p16:designElem xmlns:p16="http://schemas.microsoft.com/office/powerpoint/2015/main" val="1"/>
+              </p:ext>
+            </p:extLst>
+          </p:nvPr>
+        </p:nvSpPr>
+        <p:spPr>
+          <a:xfrm>
+            <a:off x="0" y="0"/>
+            <a:ext cx="12192000" cy="6858000"/>
+          </a:xfrm>
+          <a:prstGeom prst="rect">
+            <a:avLst/>
+          </a:prstGeom>
+          <a:solidFill>
+            <a:schemeClr val="bg1"/>
+          </a:solidFill>
+          <a:ln>
+            <a:noFill/>
+          </a:ln>
+        </p:spPr>
+        <p:style>
+          <a:lnRef idx="2">
+            <a:schemeClr val="accent1">
+              <a:shade val="50000"/>
+            </a:schemeClr>
+          </a:lnRef>
+          <a:fillRef idx="1">
+            <a:schemeClr val="accent1"/>
+          </a:fillRef>
+          <a:effectRef idx="0">
+            <a:schemeClr val="accent1"/>
+          </a:effectRef>
+          <a:fontRef idx="minor">
+            <a:schemeClr val="lt1"/>
+          </a:fontRef>
+        </p:style>
+        <p:txBody>
+          <a:bodyPr rtlCol="0" anchor="ctr"/>
+          <a:lstStyle/>
+          <a:p>
+            <a:pPr algn="ctr"/>
+            <a:endParaRPr lang="en-US"/>
+          </a:p>
+        </p:txBody>
+      </p:sp>
+      <p:pic>
+        <p:nvPicPr>
+          <p:cNvPr id="6" name="Picture 5">
+            <a:extLst>
+              <a:ext uri="{FF2B5EF4-FFF2-40B4-BE49-F238E27FC236}">
+                <a16:creationId xmlns:a16="http://schemas.microsoft.com/office/drawing/2014/main" id="{06ED9F83-2204-4F73-B560-314C1FB43D01}"/>
+              </a:ext>
+            </a:extLst>
+          </p:cNvPr>
+          <p:cNvPicPr>
+            <a:picLocks noChangeAspect="1"/>
+          </p:cNvPicPr>
+          <p:nvPr/>
+        </p:nvPicPr>
+        <p:blipFill rotWithShape="1">
+          <a:blip r:embed="rId3"/>
+          <a:srcRect r="-3" b="450"/>
+          <a:stretch/>
+        </p:blipFill>
+        <p:spPr>
+          <a:xfrm>
+            <a:off x="307920" y="237860"/>
+            <a:ext cx="5594874" cy="3675889"/>
+          </a:xfrm>
+          <a:prstGeom prst="roundRect">
+            <a:avLst>
+              <a:gd name="adj" fmla="val 0"/>
+            </a:avLst>
+          </a:prstGeom>
+          <a:effectLst/>
+        </p:spPr>
+      </p:pic>
+      <p:sp>
+        <p:nvSpPr>
+          <p:cNvPr id="125" name="Rectangle 124">
+            <a:extLst>
+              <a:ext uri="{FF2B5EF4-FFF2-40B4-BE49-F238E27FC236}">
+                <a16:creationId xmlns:a16="http://schemas.microsoft.com/office/drawing/2014/main" id="{FB8DBC8E-FBA7-466C-8D97-75B15FBE9048}"/>
+              </a:ext>
+              <a:ext uri="{C183D7F6-B498-43B3-948B-1728B52AA6E4}">
+                <adec:decorative xmlns:adec="http://schemas.microsoft.com/office/drawing/2017/decorative" val="1"/>
+              </a:ext>
+            </a:extLst>
+          </p:cNvPr>
+          <p:cNvSpPr>
+            <a:spLocks noGrp="1" noRot="1" noChangeAspect="1" noMove="1" noResize="1" noEditPoints="1" noAdjustHandles="1" noChangeArrowheads="1" noChangeShapeType="1" noTextEdit="1"/>
+          </p:cNvSpPr>
+          <p:nvPr>
+            <p:extLst>
+              <p:ext uri="{386F3935-93C4-4BCD-93E2-E3B085C9AB24}">
+                <p16:designElem xmlns:p16="http://schemas.microsoft.com/office/powerpoint/2015/main" val="1"/>
+              </p:ext>
+            </p:extLst>
+          </p:nvPr>
+        </p:nvSpPr>
+        <p:spPr>
+          <a:xfrm>
+            <a:off x="10437812" y="0"/>
+            <a:ext cx="685800" cy="1143000"/>
+          </a:xfrm>
+          <a:prstGeom prst="rect">
+            <a:avLst/>
+          </a:prstGeom>
+          <a:solidFill>
+            <a:schemeClr val="accent1"/>
+          </a:solidFill>
+          <a:ln>
+            <a:noFill/>
+          </a:ln>
+        </p:spPr>
+        <p:style>
+          <a:lnRef idx="1">
+            <a:schemeClr val="accent1"/>
+          </a:lnRef>
+          <a:fillRef idx="3">
+            <a:schemeClr val="accent1"/>
+          </a:fillRef>
+          <a:effectRef idx="2">
+            <a:schemeClr val="accent1"/>
+          </a:effectRef>
+          <a:fontRef idx="minor">
+            <a:schemeClr val="lt1"/>
+          </a:fontRef>
+        </p:style>
+      </p:sp>
+      <p:pic>
+        <p:nvPicPr>
+          <p:cNvPr id="5" name="Content Placeholder 4">
+            <a:extLst>
+              <a:ext uri="{FF2B5EF4-FFF2-40B4-BE49-F238E27FC236}">
+                <a16:creationId xmlns:a16="http://schemas.microsoft.com/office/drawing/2014/main" id="{DE8B60FE-693C-4859-9F4C-A30E120F0B40}"/>
+              </a:ext>
+            </a:extLst>
+          </p:cNvPr>
+          <p:cNvPicPr>
+            <a:picLocks noGrp="1" noChangeAspect="1"/>
+          </p:cNvPicPr>
+          <p:nvPr>
+            <p:ph idx="1"/>
+          </p:nvPr>
+        </p:nvPicPr>
+        <p:blipFill rotWithShape="1">
+          <a:blip r:embed="rId4"/>
+          <a:srcRect l="23233" t="8879" r="21495" b="12462"/>
+          <a:stretch/>
+        </p:blipFill>
+        <p:spPr>
+          <a:xfrm>
+            <a:off x="5897936" y="468822"/>
+            <a:ext cx="4568484" cy="3841043"/>
+          </a:xfrm>
+          <a:prstGeom prst="roundRect">
+            <a:avLst>
+              <a:gd name="adj" fmla="val 0"/>
+            </a:avLst>
+          </a:prstGeom>
+          <a:effectLst/>
+        </p:spPr>
+      </p:pic>
+      <p:sp>
+        <p:nvSpPr>
+          <p:cNvPr id="127" name="Freeform: Shape 126">
+            <a:extLst>
+              <a:ext uri="{FF2B5EF4-FFF2-40B4-BE49-F238E27FC236}">
+                <a16:creationId xmlns:a16="http://schemas.microsoft.com/office/drawing/2014/main" id="{E6FFF64E-1FE4-4AE0-9D62-567AA183C128}"/>
+              </a:ext>
+              <a:ext uri="{C183D7F6-B498-43B3-948B-1728B52AA6E4}">
+                <adec:decorative xmlns:adec="http://schemas.microsoft.com/office/drawing/2017/decorative" val="1"/>
+              </a:ext>
+            </a:extLst>
+          </p:cNvPr>
+          <p:cNvSpPr>
+            <a:spLocks noGrp="1" noRot="1" noChangeAspect="1" noMove="1" noResize="1" noEditPoints="1" noAdjustHandles="1" noChangeArrowheads="1" noChangeShapeType="1" noTextEdit="1"/>
+          </p:cNvSpPr>
+          <p:nvPr>
+            <p:extLst>
+              <p:ext uri="{386F3935-93C4-4BCD-93E2-E3B085C9AB24}">
+                <p16:designElem xmlns:p16="http://schemas.microsoft.com/office/powerpoint/2015/main" val="1"/>
+              </p:ext>
+            </p:extLst>
+          </p:nvPr>
+        </p:nvSpPr>
+        <p:spPr>
+          <a:xfrm>
+            <a:off x="457200" y="4133850"/>
+            <a:ext cx="11277600" cy="2250018"/>
+          </a:xfrm>
+          <a:custGeom>
+            <a:avLst/>
+            <a:gdLst>
+              <a:gd name="connsiteX0" fmla="*/ 5264150 w 11277600"/>
+              <a:gd name="connsiteY0" fmla="*/ 0 h 2250018"/>
+              <a:gd name="connsiteX1" fmla="*/ 5499100 w 11277600"/>
+              <a:gd name="connsiteY1" fmla="*/ 1588 h 2250018"/>
+              <a:gd name="connsiteX2" fmla="*/ 5730875 w 11277600"/>
+              <a:gd name="connsiteY2" fmla="*/ 1588 h 2250018"/>
+              <a:gd name="connsiteX3" fmla="*/ 5961063 w 11277600"/>
+              <a:gd name="connsiteY3" fmla="*/ 4763 h 2250018"/>
+              <a:gd name="connsiteX4" fmla="*/ 6186488 w 11277600"/>
+              <a:gd name="connsiteY4" fmla="*/ 9525 h 2250018"/>
+              <a:gd name="connsiteX5" fmla="*/ 6410325 w 11277600"/>
+              <a:gd name="connsiteY5" fmla="*/ 14288 h 2250018"/>
+              <a:gd name="connsiteX6" fmla="*/ 6629400 w 11277600"/>
+              <a:gd name="connsiteY6" fmla="*/ 19050 h 2250018"/>
+              <a:gd name="connsiteX7" fmla="*/ 6846888 w 11277600"/>
+              <a:gd name="connsiteY7" fmla="*/ 26988 h 2250018"/>
+              <a:gd name="connsiteX8" fmla="*/ 7061200 w 11277600"/>
+              <a:gd name="connsiteY8" fmla="*/ 34925 h 2250018"/>
+              <a:gd name="connsiteX9" fmla="*/ 7270750 w 11277600"/>
+              <a:gd name="connsiteY9" fmla="*/ 42863 h 2250018"/>
+              <a:gd name="connsiteX10" fmla="*/ 7680325 w 11277600"/>
+              <a:gd name="connsiteY10" fmla="*/ 63500 h 2250018"/>
+              <a:gd name="connsiteX11" fmla="*/ 8072438 w 11277600"/>
+              <a:gd name="connsiteY11" fmla="*/ 85725 h 2250018"/>
+              <a:gd name="connsiteX12" fmla="*/ 8448675 w 11277600"/>
+              <a:gd name="connsiteY12" fmla="*/ 109538 h 2250018"/>
+              <a:gd name="connsiteX13" fmla="*/ 8805862 w 11277600"/>
+              <a:gd name="connsiteY13" fmla="*/ 134938 h 2250018"/>
+              <a:gd name="connsiteX14" fmla="*/ 9145588 w 11277600"/>
+              <a:gd name="connsiteY14" fmla="*/ 161925 h 2250018"/>
+              <a:gd name="connsiteX15" fmla="*/ 9461500 w 11277600"/>
+              <a:gd name="connsiteY15" fmla="*/ 190500 h 2250018"/>
+              <a:gd name="connsiteX16" fmla="*/ 9758362 w 11277600"/>
+              <a:gd name="connsiteY16" fmla="*/ 219075 h 2250018"/>
+              <a:gd name="connsiteX17" fmla="*/ 10031412 w 11277600"/>
+              <a:gd name="connsiteY17" fmla="*/ 247650 h 2250018"/>
+              <a:gd name="connsiteX18" fmla="*/ 10282238 w 11277600"/>
+              <a:gd name="connsiteY18" fmla="*/ 274638 h 2250018"/>
+              <a:gd name="connsiteX19" fmla="*/ 10504488 w 11277600"/>
+              <a:gd name="connsiteY19" fmla="*/ 300038 h 2250018"/>
+              <a:gd name="connsiteX20" fmla="*/ 10704512 w 11277600"/>
+              <a:gd name="connsiteY20" fmla="*/ 323850 h 2250018"/>
+              <a:gd name="connsiteX21" fmla="*/ 10874375 w 11277600"/>
+              <a:gd name="connsiteY21" fmla="*/ 344488 h 2250018"/>
+              <a:gd name="connsiteX22" fmla="*/ 11015662 w 11277600"/>
+              <a:gd name="connsiteY22" fmla="*/ 363538 h 2250018"/>
+              <a:gd name="connsiteX23" fmla="*/ 11210925 w 11277600"/>
+              <a:gd name="connsiteY23" fmla="*/ 390525 h 2250018"/>
+              <a:gd name="connsiteX24" fmla="*/ 11277600 w 11277600"/>
+              <a:gd name="connsiteY24" fmla="*/ 400050 h 2250018"/>
+              <a:gd name="connsiteX25" fmla="*/ 11277600 w 11277600"/>
+              <a:gd name="connsiteY25" fmla="*/ 2250018 h 2250018"/>
+              <a:gd name="connsiteX26" fmla="*/ 0 w 11277600"/>
+              <a:gd name="connsiteY26" fmla="*/ 2250018 h 2250018"/>
+              <a:gd name="connsiteX27" fmla="*/ 0 w 11277600"/>
+              <a:gd name="connsiteY27" fmla="*/ 398463 h 2250018"/>
+              <a:gd name="connsiteX28" fmla="*/ 255588 w 11277600"/>
+              <a:gd name="connsiteY28" fmla="*/ 358775 h 2250018"/>
+              <a:gd name="connsiteX29" fmla="*/ 511175 w 11277600"/>
+              <a:gd name="connsiteY29" fmla="*/ 320675 h 2250018"/>
+              <a:gd name="connsiteX30" fmla="*/ 766762 w 11277600"/>
+              <a:gd name="connsiteY30" fmla="*/ 284163 h 2250018"/>
+              <a:gd name="connsiteX31" fmla="*/ 1023938 w 11277600"/>
+              <a:gd name="connsiteY31" fmla="*/ 252413 h 2250018"/>
+              <a:gd name="connsiteX32" fmla="*/ 1279525 w 11277600"/>
+              <a:gd name="connsiteY32" fmla="*/ 220663 h 2250018"/>
+              <a:gd name="connsiteX33" fmla="*/ 1536700 w 11277600"/>
+              <a:gd name="connsiteY33" fmla="*/ 190500 h 2250018"/>
+              <a:gd name="connsiteX34" fmla="*/ 1790700 w 11277600"/>
+              <a:gd name="connsiteY34" fmla="*/ 165100 h 2250018"/>
+              <a:gd name="connsiteX35" fmla="*/ 2047875 w 11277600"/>
+              <a:gd name="connsiteY35" fmla="*/ 141288 h 2250018"/>
+              <a:gd name="connsiteX36" fmla="*/ 2303462 w 11277600"/>
+              <a:gd name="connsiteY36" fmla="*/ 119063 h 2250018"/>
+              <a:gd name="connsiteX37" fmla="*/ 2555875 w 11277600"/>
+              <a:gd name="connsiteY37" fmla="*/ 100013 h 2250018"/>
+              <a:gd name="connsiteX38" fmla="*/ 2809875 w 11277600"/>
+              <a:gd name="connsiteY38" fmla="*/ 80963 h 2250018"/>
+              <a:gd name="connsiteX39" fmla="*/ 3062288 w 11277600"/>
+              <a:gd name="connsiteY39" fmla="*/ 65088 h 2250018"/>
+              <a:gd name="connsiteX40" fmla="*/ 3313113 w 11277600"/>
+              <a:gd name="connsiteY40" fmla="*/ 52388 h 2250018"/>
+              <a:gd name="connsiteX41" fmla="*/ 3563938 w 11277600"/>
+              <a:gd name="connsiteY41" fmla="*/ 39688 h 2250018"/>
+              <a:gd name="connsiteX42" fmla="*/ 3811588 w 11277600"/>
+              <a:gd name="connsiteY42" fmla="*/ 28575 h 2250018"/>
+              <a:gd name="connsiteX43" fmla="*/ 4057650 w 11277600"/>
+              <a:gd name="connsiteY43" fmla="*/ 20638 h 2250018"/>
+              <a:gd name="connsiteX44" fmla="*/ 4303713 w 11277600"/>
+              <a:gd name="connsiteY44" fmla="*/ 14288 h 2250018"/>
+              <a:gd name="connsiteX45" fmla="*/ 4546600 w 11277600"/>
+              <a:gd name="connsiteY45" fmla="*/ 7938 h 2250018"/>
+              <a:gd name="connsiteX46" fmla="*/ 4787900 w 11277600"/>
+              <a:gd name="connsiteY46" fmla="*/ 4763 h 2250018"/>
+              <a:gd name="connsiteX47" fmla="*/ 5027613 w 11277600"/>
+              <a:gd name="connsiteY47" fmla="*/ 1588 h 2250018"/>
+            </a:gdLst>
+            <a:ahLst/>
+            <a:cxnLst>
+              <a:cxn ang="0">
+                <a:pos x="connsiteX0" y="connsiteY0"/>
+              </a:cxn>
+              <a:cxn ang="0">
+                <a:pos x="connsiteX1" y="connsiteY1"/>
+              </a:cxn>
+              <a:cxn ang="0">
+                <a:pos x="connsiteX2" y="connsiteY2"/>
+              </a:cxn>
+              <a:cxn ang="0">
+                <a:pos x="connsiteX3" y="connsiteY3"/>
+              </a:cxn>
+              <a:cxn ang="0">
+                <a:pos x="connsiteX4" y="connsiteY4"/>
+              </a:cxn>
+              <a:cxn ang="0">
+                <a:pos x="connsiteX5" y="connsiteY5"/>
+              </a:cxn>
+              <a:cxn ang="0">
+                <a:pos x="connsiteX6" y="connsiteY6"/>
+              </a:cxn>
+              <a:cxn ang="0">
+                <a:pos x="connsiteX7" y="connsiteY7"/>
+              </a:cxn>
+              <a:cxn ang="0">
+                <a:pos x="connsiteX8" y="connsiteY8"/>
+              </a:cxn>
+              <a:cxn ang="0">
+                <a:pos x="connsiteX9" y="connsiteY9"/>
+              </a:cxn>
+              <a:cxn ang="0">
+                <a:pos x="connsiteX10" y="connsiteY10"/>
+              </a:cxn>
+              <a:cxn ang="0">
+                <a:pos x="connsiteX11" y="connsiteY11"/>
+              </a:cxn>
+              <a:cxn ang="0">
+                <a:pos x="connsiteX12" y="connsiteY12"/>
+              </a:cxn>
+              <a:cxn ang="0">
+                <a:pos x="connsiteX13" y="connsiteY13"/>
+              </a:cxn>
+              <a:cxn ang="0">
+                <a:pos x="connsiteX14" y="connsiteY14"/>
+              </a:cxn>
+              <a:cxn ang="0">
+                <a:pos x="connsiteX15" y="connsiteY15"/>
+              </a:cxn>
+              <a:cxn ang="0">
+                <a:pos x="connsiteX16" y="connsiteY16"/>
+              </a:cxn>
+              <a:cxn ang="0">
+                <a:pos x="connsiteX17" y="connsiteY17"/>
+              </a:cxn>
+              <a:cxn ang="0">
+                <a:pos x="connsiteX18" y="connsiteY18"/>
+              </a:cxn>
+              <a:cxn ang="0">
+                <a:pos x="connsiteX19" y="connsiteY19"/>
+              </a:cxn>
+              <a:cxn ang="0">
+                <a:pos x="connsiteX20" y="connsiteY20"/>
+              </a:cxn>
+              <a:cxn ang="0">
+                <a:pos x="connsiteX21" y="connsiteY21"/>
+              </a:cxn>
+              <a:cxn ang="0">
+                <a:pos x="connsiteX22" y="connsiteY22"/>
+              </a:cxn>
+              <a:cxn ang="0">
+                <a:pos x="connsiteX23" y="connsiteY23"/>
+              </a:cxn>
+              <a:cxn ang="0">
+                <a:pos x="connsiteX24" y="connsiteY24"/>
+              </a:cxn>
+              <a:cxn ang="0">
+                <a:pos x="connsiteX25" y="connsiteY25"/>
+              </a:cxn>
+              <a:cxn ang="0">
+                <a:pos x="connsiteX26" y="connsiteY26"/>
+              </a:cxn>
+              <a:cxn ang="0">
+                <a:pos x="connsiteX27" y="connsiteY27"/>
+              </a:cxn>
+              <a:cxn ang="0">
+                <a:pos x="connsiteX28" y="connsiteY28"/>
+              </a:cxn>
+              <a:cxn ang="0">
+                <a:pos x="connsiteX29" y="connsiteY29"/>
+              </a:cxn>
+              <a:cxn ang="0">
+                <a:pos x="connsiteX30" y="connsiteY30"/>
+              </a:cxn>
+              <a:cxn ang="0">
+                <a:pos x="connsiteX31" y="connsiteY31"/>
+              </a:cxn>
+              <a:cxn ang="0">
+                <a:pos x="connsiteX32" y="connsiteY32"/>
+              </a:cxn>
+              <a:cxn ang="0">
+                <a:pos x="connsiteX33" y="connsiteY33"/>
+              </a:cxn>
+              <a:cxn ang="0">
+                <a:pos x="connsiteX34" y="connsiteY34"/>
+              </a:cxn>
+              <a:cxn ang="0">
+                <a:pos x="connsiteX35" y="connsiteY35"/>
+              </a:cxn>
+              <a:cxn ang="0">
+                <a:pos x="connsiteX36" y="connsiteY36"/>
+              </a:cxn>
+              <a:cxn ang="0">
+                <a:pos x="connsiteX37" y="connsiteY37"/>
+              </a:cxn>
+              <a:cxn ang="0">
+                <a:pos x="connsiteX38" y="connsiteY38"/>
+              </a:cxn>
+              <a:cxn ang="0">
+                <a:pos x="connsiteX39" y="connsiteY39"/>
+              </a:cxn>
+              <a:cxn ang="0">
+                <a:pos x="connsiteX40" y="connsiteY40"/>
+              </a:cxn>
+              <a:cxn ang="0">
+                <a:pos x="connsiteX41" y="connsiteY41"/>
+              </a:cxn>
+              <a:cxn ang="0">
+                <a:pos x="connsiteX42" y="connsiteY42"/>
+              </a:cxn>
+              <a:cxn ang="0">
+                <a:pos x="connsiteX43" y="connsiteY43"/>
+              </a:cxn>
+              <a:cxn ang="0">
+                <a:pos x="connsiteX44" y="connsiteY44"/>
+              </a:cxn>
+              <a:cxn ang="0">
+                <a:pos x="connsiteX45" y="connsiteY45"/>
+              </a:cxn>
+              <a:cxn ang="0">
+                <a:pos x="connsiteX46" y="connsiteY46"/>
+              </a:cxn>
+              <a:cxn ang="0">
+                <a:pos x="connsiteX47" y="connsiteY47"/>
+              </a:cxn>
+            </a:cxnLst>
+            <a:rect l="l" t="t" r="r" b="b"/>
+            <a:pathLst>
+              <a:path w="11277600" h="2250018">
+                <a:moveTo>
+                  <a:pt x="5264150" y="0"/>
+                </a:moveTo>
+                <a:lnTo>
+                  <a:pt x="5499100" y="1588"/>
+                </a:lnTo>
+                <a:lnTo>
+                  <a:pt x="5730875" y="1588"/>
+                </a:lnTo>
+                <a:lnTo>
+                  <a:pt x="5961063" y="4763"/>
+                </a:lnTo>
+                <a:lnTo>
+                  <a:pt x="6186488" y="9525"/>
+                </a:lnTo>
+                <a:lnTo>
+                  <a:pt x="6410325" y="14288"/>
+                </a:lnTo>
+                <a:lnTo>
+                  <a:pt x="6629400" y="19050"/>
+                </a:lnTo>
+                <a:lnTo>
+                  <a:pt x="6846888" y="26988"/>
+                </a:lnTo>
+                <a:lnTo>
+                  <a:pt x="7061200" y="34925"/>
+                </a:lnTo>
+                <a:lnTo>
+                  <a:pt x="7270750" y="42863"/>
+                </a:lnTo>
+                <a:lnTo>
+                  <a:pt x="7680325" y="63500"/>
+                </a:lnTo>
+                <a:lnTo>
+                  <a:pt x="8072438" y="85725"/>
+                </a:lnTo>
+                <a:lnTo>
+                  <a:pt x="8448675" y="109538"/>
+                </a:lnTo>
+                <a:lnTo>
+                  <a:pt x="8805862" y="134938"/>
+                </a:lnTo>
+                <a:lnTo>
+                  <a:pt x="9145588" y="161925"/>
+                </a:lnTo>
+                <a:lnTo>
+                  <a:pt x="9461500" y="190500"/>
+                </a:lnTo>
+                <a:lnTo>
+                  <a:pt x="9758362" y="219075"/>
+                </a:lnTo>
+                <a:lnTo>
+                  <a:pt x="10031412" y="247650"/>
+                </a:lnTo>
+                <a:lnTo>
+                  <a:pt x="10282238" y="274638"/>
+                </a:lnTo>
+                <a:lnTo>
+                  <a:pt x="10504488" y="300038"/>
+                </a:lnTo>
+                <a:lnTo>
+                  <a:pt x="10704512" y="323850"/>
+                </a:lnTo>
+                <a:lnTo>
+                  <a:pt x="10874375" y="344488"/>
+                </a:lnTo>
+                <a:lnTo>
+                  <a:pt x="11015662" y="363538"/>
+                </a:lnTo>
+                <a:lnTo>
+                  <a:pt x="11210925" y="390525"/>
+                </a:lnTo>
+                <a:lnTo>
+                  <a:pt x="11277600" y="400050"/>
+                </a:lnTo>
+                <a:lnTo>
+                  <a:pt x="11277600" y="2250018"/>
+                </a:lnTo>
+                <a:lnTo>
+                  <a:pt x="0" y="2250018"/>
+                </a:lnTo>
+                <a:lnTo>
+                  <a:pt x="0" y="398463"/>
+                </a:lnTo>
+                <a:lnTo>
+                  <a:pt x="255588" y="358775"/>
+                </a:lnTo>
+                <a:lnTo>
+                  <a:pt x="511175" y="320675"/>
+                </a:lnTo>
+                <a:lnTo>
+                  <a:pt x="766762" y="284163"/>
+                </a:lnTo>
+                <a:lnTo>
+                  <a:pt x="1023938" y="252413"/>
+                </a:lnTo>
+                <a:lnTo>
+                  <a:pt x="1279525" y="220663"/>
+                </a:lnTo>
+                <a:lnTo>
+                  <a:pt x="1536700" y="190500"/>
+                </a:lnTo>
+                <a:lnTo>
+                  <a:pt x="1790700" y="165100"/>
+                </a:lnTo>
+                <a:lnTo>
+                  <a:pt x="2047875" y="141288"/>
+                </a:lnTo>
+                <a:lnTo>
+                  <a:pt x="2303462" y="119063"/>
+                </a:lnTo>
+                <a:lnTo>
+                  <a:pt x="2555875" y="100013"/>
+                </a:lnTo>
+                <a:lnTo>
+                  <a:pt x="2809875" y="80963"/>
+                </a:lnTo>
+                <a:lnTo>
+                  <a:pt x="3062288" y="65088"/>
+                </a:lnTo>
+                <a:lnTo>
+                  <a:pt x="3313113" y="52388"/>
+                </a:lnTo>
+                <a:lnTo>
+                  <a:pt x="3563938" y="39688"/>
+                </a:lnTo>
+                <a:lnTo>
+                  <a:pt x="3811588" y="28575"/>
+                </a:lnTo>
+                <a:lnTo>
+                  <a:pt x="4057650" y="20638"/>
+                </a:lnTo>
+                <a:lnTo>
+                  <a:pt x="4303713" y="14288"/>
+                </a:lnTo>
+                <a:lnTo>
+                  <a:pt x="4546600" y="7938"/>
+                </a:lnTo>
+                <a:lnTo>
+                  <a:pt x="4787900" y="4763"/>
+                </a:lnTo>
+                <a:lnTo>
+                  <a:pt x="5027613" y="1588"/>
+                </a:lnTo>
+                <a:close/>
+              </a:path>
+            </a:pathLst>
+          </a:custGeom>
+          <a:ln>
+            <a:noFill/>
+          </a:ln>
+        </p:spPr>
+        <p:style>
+          <a:lnRef idx="2">
+            <a:schemeClr val="accent1">
+              <a:shade val="50000"/>
+            </a:schemeClr>
+          </a:lnRef>
+          <a:fillRef idx="1003">
+            <a:schemeClr val="dk2"/>
+          </a:fillRef>
+          <a:effectRef idx="0">
+            <a:schemeClr val="accent1"/>
+          </a:effectRef>
+          <a:fontRef idx="minor">
+            <a:schemeClr val="lt1"/>
+          </a:fontRef>
+        </p:style>
+        <p:txBody>
+          <a:bodyPr wrap="square" rtlCol="0" anchor="ctr">
+            <a:noAutofit/>
+          </a:bodyPr>
+          <a:lstStyle/>
+          <a:p>
+            <a:pPr algn="ctr"/>
+            <a:endParaRPr lang="en-US"/>
+          </a:p>
+        </p:txBody>
+      </p:sp>
+      <p:sp>
+        <p:nvSpPr>
+          <p:cNvPr id="129" name="Freeform 5">
+            <a:extLst>
+              <a:ext uri="{FF2B5EF4-FFF2-40B4-BE49-F238E27FC236}">
+                <a16:creationId xmlns:a16="http://schemas.microsoft.com/office/drawing/2014/main" id="{9C80E52D-DE5C-4267-9C99-8741F2E42E36}"/>
+              </a:ext>
+              <a:ext uri="{C183D7F6-B498-43B3-948B-1728B52AA6E4}">
+                <adec:decorative xmlns:adec="http://schemas.microsoft.com/office/drawing/2017/decorative" val="1"/>
+              </a:ext>
+            </a:extLst>
+          </p:cNvPr>
+          <p:cNvSpPr>
+            <a:spLocks noGrp="1" noRot="1" noChangeAspect="1" noMove="1" noResize="1" noEditPoints="1" noAdjustHandles="1" noChangeArrowheads="1" noChangeShapeType="1" noTextEdit="1"/>
+          </p:cNvSpPr>
+          <p:nvPr>
+            <p:extLst>
+              <p:ext uri="{386F3935-93C4-4BCD-93E2-E3B085C9AB24}">
+                <p16:designElem xmlns:p16="http://schemas.microsoft.com/office/powerpoint/2015/main" val="1"/>
+              </p:ext>
+            </p:extLst>
+          </p:nvPr>
+        </p:nvSpPr>
+        <p:spPr bwMode="gray">
+          <a:xfrm rot="10371525">
+            <a:off x="263767" y="4117124"/>
+            <a:ext cx="3299407" cy="440924"/>
+          </a:xfrm>
+          <a:custGeom>
+            <a:avLst/>
+            <a:gdLst/>
+            <a:ahLst/>
+            <a:cxnLst/>
+            <a:rect l="l" t="t" r="r" b="b"/>
+            <a:pathLst>
+              <a:path w="10000" h="5291">
+                <a:moveTo>
+                  <a:pt x="85" y="2532"/>
+                </a:moveTo>
+                <a:cubicBezTo>
+                  <a:pt x="1736" y="3911"/>
+                  <a:pt x="7524" y="5298"/>
+                  <a:pt x="9958" y="5291"/>
+                </a:cubicBezTo>
+                <a:cubicBezTo>
+                  <a:pt x="9989" y="1958"/>
+                  <a:pt x="9969" y="3333"/>
+                  <a:pt x="10000" y="0"/>
+                </a:cubicBezTo>
+                <a:lnTo>
+                  <a:pt x="10000" y="0"/>
+                </a:lnTo>
+                <a:lnTo>
+                  <a:pt x="9667" y="204"/>
+                </a:lnTo>
+                <a:lnTo>
+                  <a:pt x="9334" y="400"/>
+                </a:lnTo>
+                <a:lnTo>
+                  <a:pt x="9001" y="590"/>
+                </a:lnTo>
+                <a:lnTo>
+                  <a:pt x="8667" y="753"/>
+                </a:lnTo>
+                <a:lnTo>
+                  <a:pt x="8333" y="917"/>
+                </a:lnTo>
+                <a:lnTo>
+                  <a:pt x="7999" y="1071"/>
+                </a:lnTo>
+                <a:lnTo>
+                  <a:pt x="7669" y="1202"/>
+                </a:lnTo>
+                <a:lnTo>
+                  <a:pt x="7333" y="1325"/>
+                </a:lnTo>
+                <a:lnTo>
+                  <a:pt x="7000" y="1440"/>
+                </a:lnTo>
+                <a:lnTo>
+                  <a:pt x="6673" y="1538"/>
+                </a:lnTo>
+                <a:lnTo>
+                  <a:pt x="6340" y="1636"/>
+                </a:lnTo>
+                <a:lnTo>
+                  <a:pt x="6013" y="1719"/>
+                </a:lnTo>
+                <a:lnTo>
+                  <a:pt x="5686" y="1784"/>
+                </a:lnTo>
+                <a:lnTo>
+                  <a:pt x="5359" y="1850"/>
+                </a:lnTo>
+                <a:lnTo>
+                  <a:pt x="5036" y="1906"/>
+                </a:lnTo>
+                <a:lnTo>
+                  <a:pt x="4717" y="1948"/>
+                </a:lnTo>
+                <a:lnTo>
+                  <a:pt x="4396" y="1980"/>
+                </a:lnTo>
+                <a:lnTo>
+                  <a:pt x="4079" y="2013"/>
+                </a:lnTo>
+                <a:lnTo>
+                  <a:pt x="3766" y="2029"/>
+                </a:lnTo>
+                <a:lnTo>
+                  <a:pt x="3454" y="2046"/>
+                </a:lnTo>
+                <a:lnTo>
+                  <a:pt x="3145" y="2053"/>
+                </a:lnTo>
+                <a:lnTo>
+                  <a:pt x="2839" y="2046"/>
+                </a:lnTo>
+                <a:lnTo>
+                  <a:pt x="2537" y="2046"/>
+                </a:lnTo>
+                <a:lnTo>
+                  <a:pt x="2238" y="2029"/>
+                </a:lnTo>
+                <a:lnTo>
+                  <a:pt x="1943" y="2004"/>
+                </a:lnTo>
+                <a:lnTo>
+                  <a:pt x="1653" y="1980"/>
+                </a:lnTo>
+                <a:lnTo>
+                  <a:pt x="1368" y="1955"/>
+                </a:lnTo>
+                <a:lnTo>
+                  <a:pt x="1085" y="1915"/>
+                </a:lnTo>
+                <a:lnTo>
+                  <a:pt x="806" y="1873"/>
+                </a:lnTo>
+                <a:lnTo>
+                  <a:pt x="533" y="1833"/>
+                </a:lnTo>
+                <a:lnTo>
+                  <a:pt x="0" y="1726"/>
+                </a:lnTo>
+                <a:cubicBezTo>
+                  <a:pt x="28" y="1995"/>
+                  <a:pt x="57" y="2263"/>
+                  <a:pt x="85" y="2532"/>
+                </a:cubicBezTo>
+                <a:close/>
+              </a:path>
+            </a:pathLst>
+          </a:custGeom>
+          <a:solidFill>
+            <a:schemeClr val="bg1">
+              <a:alpha val="20000"/>
+            </a:schemeClr>
+          </a:solidFill>
+          <a:ln>
+            <a:noFill/>
+          </a:ln>
+        </p:spPr>
+      </p:sp>
+      <p:sp>
+        <p:nvSpPr>
+          <p:cNvPr id="2" name="Title 1">
+            <a:extLst>
+              <a:ext uri="{FF2B5EF4-FFF2-40B4-BE49-F238E27FC236}">
+                <a16:creationId xmlns:a16="http://schemas.microsoft.com/office/drawing/2014/main" id="{E1E128F2-BF06-4B96-A7CC-81E9A0B6E210}"/>
               </a:ext>
             </a:extLst>
           </p:cNvPr>
@@ -17626,67 +19864,417 @@
         </p:nvSpPr>
         <p:spPr>
           <a:xfrm>
-            <a:off x="1066800" y="1047749"/>
-            <a:ext cx="10058400" cy="638175"/>
+            <a:off x="649975" y="4739455"/>
+            <a:ext cx="10893095" cy="952628"/>
           </a:xfrm>
         </p:spPr>
         <p:txBody>
-          <a:bodyPr/>
+          <a:bodyPr vert="horz" lIns="91440" tIns="45720" rIns="91440" bIns="45720" rtlCol="0" anchor="b">
+            <a:normAutofit fontScale="90000"/>
+          </a:bodyPr>
           <a:lstStyle/>
           <a:p>
+            <a:pPr>
+              <a:lnSpc>
+                <a:spcPct val="90000"/>
+              </a:lnSpc>
+            </a:pPr>
             <a:r>
-              <a:rPr lang="en-US" dirty="0"/>
+              <a:rPr lang="en-US" b="0" i="0" kern="1200" dirty="0">
+                <a:solidFill>
+                  <a:schemeClr val="bg2"/>
+                </a:solidFill>
+                <a:latin typeface="+mj-lt"/>
+                <a:ea typeface="+mj-ea"/>
+                <a:cs typeface="+mj-cs"/>
+              </a:rPr>
               <a:t>Popularity, Trends and Demographic</a:t>
             </a:r>
             <a:br>
-              <a:rPr lang="en-US" dirty="0"/>
+              <a:rPr lang="en-US" b="0" i="0" kern="1200" dirty="0">
+                <a:solidFill>
+                  <a:schemeClr val="bg2"/>
+                </a:solidFill>
+                <a:latin typeface="+mj-lt"/>
+                <a:ea typeface="+mj-ea"/>
+                <a:cs typeface="+mj-cs"/>
+              </a:rPr>
             </a:br>
             <a:r>
-              <a:rPr lang="en-US" dirty="0"/>
-              <a:t>2010 -2020</a:t>
+              <a:rPr lang="en-US" b="0" i="0" kern="1200" dirty="0">
+                <a:solidFill>
+                  <a:schemeClr val="bg2"/>
+                </a:solidFill>
+                <a:latin typeface="+mj-lt"/>
+                <a:ea typeface="+mj-ea"/>
+                <a:cs typeface="+mj-cs"/>
+              </a:rPr>
+              <a:t>2010 -2019</a:t>
             </a:r>
             <a:br>
-              <a:rPr lang="en-US" dirty="0"/>
+              <a:rPr lang="en-US" sz="1500" b="0" i="0" kern="1200" dirty="0">
+                <a:solidFill>
+                  <a:schemeClr val="bg2"/>
+                </a:solidFill>
+                <a:latin typeface="+mj-lt"/>
+                <a:ea typeface="+mj-ea"/>
+                <a:cs typeface="+mj-cs"/>
+              </a:rPr>
             </a:br>
-            <a:endParaRPr lang="en-US" dirty="0"/>
+            <a:br>
+              <a:rPr lang="en-US" sz="1500" b="0" i="0" kern="1200" dirty="0">
+                <a:solidFill>
+                  <a:schemeClr val="bg2"/>
+                </a:solidFill>
+                <a:latin typeface="+mj-lt"/>
+                <a:ea typeface="+mj-ea"/>
+                <a:cs typeface="+mj-cs"/>
+              </a:rPr>
+            </a:br>
+            <a:endParaRPr lang="en-US" sz="1500" b="0" i="0" kern="1200" dirty="0">
+              <a:solidFill>
+                <a:schemeClr val="bg2"/>
+              </a:solidFill>
+              <a:latin typeface="+mj-lt"/>
+              <a:ea typeface="+mj-ea"/>
+              <a:cs typeface="+mj-cs"/>
+            </a:endParaRPr>
           </a:p>
         </p:txBody>
       </p:sp>
       <p:sp>
         <p:nvSpPr>
-          <p:cNvPr id="3" name="Content Placeholder 2">
+          <p:cNvPr id="7" name="TextBox 6">
             <a:extLst>
               <a:ext uri="{FF2B5EF4-FFF2-40B4-BE49-F238E27FC236}">
-                <a16:creationId xmlns:a16="http://schemas.microsoft.com/office/drawing/2014/main" id="{BD2D1196-E4A6-42C5-99E3-289EF95014F6}"/>
+                <a16:creationId xmlns:a16="http://schemas.microsoft.com/office/drawing/2014/main" id="{E856D51F-A087-4D04-838F-7F074031340F}"/>
               </a:ext>
             </a:extLst>
           </p:cNvPr>
-          <p:cNvSpPr>
-            <a:spLocks noGrp="1"/>
-          </p:cNvSpPr>
-          <p:nvPr>
-            <p:ph idx="1"/>
-          </p:nvPr>
+          <p:cNvSpPr txBox="1"/>
+          <p:nvPr/>
         </p:nvSpPr>
         <p:spPr>
           <a:xfrm>
-            <a:off x="1066800" y="2286000"/>
-            <a:ext cx="10058400" cy="4428744"/>
+            <a:off x="1158240" y="237860"/>
+            <a:ext cx="4023360" cy="369332"/>
           </a:xfrm>
+          <a:prstGeom prst="rect">
+            <a:avLst/>
+          </a:prstGeom>
+          <a:noFill/>
         </p:spPr>
         <p:txBody>
-          <a:bodyPr>
-            <a:normAutofit/>
+          <a:bodyPr wrap="square" rtlCol="0">
+            <a:spAutoFit/>
+          </a:bodyPr>
+          <a:lstStyle/>
+          <a:p>
+            <a:pPr algn="ctr"/>
+            <a:r>
+              <a:rPr lang="en-US" dirty="0"/>
+              <a:t>U.S Demographic 2019 </a:t>
+            </a:r>
+          </a:p>
+        </p:txBody>
+      </p:sp>
+      <p:sp>
+        <p:nvSpPr>
+          <p:cNvPr id="9" name="TextBox 8">
+            <a:extLst>
+              <a:ext uri="{FF2B5EF4-FFF2-40B4-BE49-F238E27FC236}">
+                <a16:creationId xmlns:a16="http://schemas.microsoft.com/office/drawing/2014/main" id="{6820E91B-D648-441C-B990-DA618F282E46}"/>
+              </a:ext>
+            </a:extLst>
+          </p:cNvPr>
+          <p:cNvSpPr txBox="1"/>
+          <p:nvPr/>
+        </p:nvSpPr>
+        <p:spPr>
+          <a:xfrm>
+            <a:off x="6294065" y="208381"/>
+            <a:ext cx="4172355" cy="369332"/>
+          </a:xfrm>
+          <a:prstGeom prst="rect">
+            <a:avLst/>
+          </a:prstGeom>
+          <a:noFill/>
+        </p:spPr>
+        <p:txBody>
+          <a:bodyPr wrap="square" rtlCol="0">
+            <a:spAutoFit/>
           </a:bodyPr>
           <a:lstStyle/>
           <a:p>
             <a:r>
-              <a:rPr lang="en-US" sz="1050" dirty="0"/>
-              <a:t>The statistic provides data on Popularity, Trends and Demographics  among consumers in the United States from 2010 to 2020. According to Spotify, </a:t>
+              <a:rPr lang="en-US" dirty="0"/>
+              <a:t>Spotify Streaming Demographic</a:t>
             </a:r>
+          </a:p>
+        </p:txBody>
+      </p:sp>
+      <p:sp>
+        <p:nvSpPr>
+          <p:cNvPr id="86" name="Text Placeholder 3">
+            <a:extLst>
+              <a:ext uri="{FF2B5EF4-FFF2-40B4-BE49-F238E27FC236}">
+                <a16:creationId xmlns:a16="http://schemas.microsoft.com/office/drawing/2014/main" id="{B0E03971-3702-4EAF-B5C0-267E26C025C2}"/>
+              </a:ext>
+            </a:extLst>
+          </p:cNvPr>
+          <p:cNvSpPr txBox="1">
+            <a:spLocks/>
+          </p:cNvSpPr>
+          <p:nvPr/>
+        </p:nvSpPr>
+        <p:spPr>
+          <a:xfrm>
+            <a:off x="729020" y="5499107"/>
+            <a:ext cx="10051526" cy="576262"/>
+          </a:xfrm>
+          <a:prstGeom prst="rect">
+            <a:avLst/>
+          </a:prstGeom>
+        </p:spPr>
+        <p:txBody>
+          <a:bodyPr vert="horz" lIns="91440" tIns="45720" rIns="91440" bIns="45720" rtlCol="0" anchor="ctr">
+            <a:normAutofit/>
+          </a:bodyPr>
+          <a:lstStyle>
+            <a:lvl1pPr marL="342900" indent="-342900" algn="l" defTabSz="457200" rtl="0" eaLnBrk="1" latinLnBrk="0" hangingPunct="1">
+              <a:spcBef>
+                <a:spcPts val="1000"/>
+              </a:spcBef>
+              <a:spcAft>
+                <a:spcPts val="0"/>
+              </a:spcAft>
+              <a:buClr>
+                <a:schemeClr val="accent1"/>
+              </a:buClr>
+              <a:buSzPct val="80000"/>
+              <a:buFont typeface="Wingdings 3" charset="2"/>
+              <a:buChar char=""/>
+              <a:defRPr sz="1800" b="0" i="0" kern="1200">
+                <a:solidFill>
+                  <a:schemeClr val="tx1">
+                    <a:lumMod val="75000"/>
+                    <a:lumOff val="25000"/>
+                  </a:schemeClr>
+                </a:solidFill>
+                <a:latin typeface="+mn-lt"/>
+                <a:ea typeface="+mn-ea"/>
+                <a:cs typeface="+mn-cs"/>
+              </a:defRPr>
+            </a:lvl1pPr>
+            <a:lvl2pPr marL="742950" indent="-285750" algn="l" defTabSz="457200" rtl="0" eaLnBrk="1" latinLnBrk="0" hangingPunct="1">
+              <a:spcBef>
+                <a:spcPts val="1000"/>
+              </a:spcBef>
+              <a:spcAft>
+                <a:spcPts val="0"/>
+              </a:spcAft>
+              <a:buClr>
+                <a:schemeClr val="accent1"/>
+              </a:buClr>
+              <a:buSzPct val="80000"/>
+              <a:buFont typeface="Wingdings 3" charset="2"/>
+              <a:buChar char=""/>
+              <a:defRPr sz="1600" b="0" i="0" kern="1200">
+                <a:solidFill>
+                  <a:schemeClr val="tx1">
+                    <a:lumMod val="75000"/>
+                    <a:lumOff val="25000"/>
+                  </a:schemeClr>
+                </a:solidFill>
+                <a:latin typeface="+mn-lt"/>
+                <a:ea typeface="+mn-ea"/>
+                <a:cs typeface="+mn-cs"/>
+              </a:defRPr>
+            </a:lvl2pPr>
+            <a:lvl3pPr marL="1143000" indent="-228600" algn="l" defTabSz="457200" rtl="0" eaLnBrk="1" latinLnBrk="0" hangingPunct="1">
+              <a:spcBef>
+                <a:spcPts val="1000"/>
+              </a:spcBef>
+              <a:spcAft>
+                <a:spcPts val="0"/>
+              </a:spcAft>
+              <a:buClr>
+                <a:schemeClr val="accent1"/>
+              </a:buClr>
+              <a:buSzPct val="80000"/>
+              <a:buFont typeface="Wingdings 3" charset="2"/>
+              <a:buChar char=""/>
+              <a:defRPr sz="1400" b="0" i="0" kern="1200">
+                <a:solidFill>
+                  <a:schemeClr val="tx1">
+                    <a:lumMod val="75000"/>
+                    <a:lumOff val="25000"/>
+                  </a:schemeClr>
+                </a:solidFill>
+                <a:latin typeface="+mn-lt"/>
+                <a:ea typeface="+mn-ea"/>
+                <a:cs typeface="+mn-cs"/>
+              </a:defRPr>
+            </a:lvl3pPr>
+            <a:lvl4pPr marL="1600200" indent="-228600" algn="l" defTabSz="457200" rtl="0" eaLnBrk="1" latinLnBrk="0" hangingPunct="1">
+              <a:spcBef>
+                <a:spcPts val="1000"/>
+              </a:spcBef>
+              <a:spcAft>
+                <a:spcPts val="0"/>
+              </a:spcAft>
+              <a:buClr>
+                <a:schemeClr val="accent1"/>
+              </a:buClr>
+              <a:buSzPct val="80000"/>
+              <a:buFont typeface="Wingdings 3" charset="2"/>
+              <a:buChar char=""/>
+              <a:defRPr sz="1200" b="0" i="0" kern="1200">
+                <a:solidFill>
+                  <a:schemeClr val="tx1">
+                    <a:lumMod val="75000"/>
+                    <a:lumOff val="25000"/>
+                  </a:schemeClr>
+                </a:solidFill>
+                <a:latin typeface="+mn-lt"/>
+                <a:ea typeface="+mn-ea"/>
+                <a:cs typeface="+mn-cs"/>
+              </a:defRPr>
+            </a:lvl4pPr>
+            <a:lvl5pPr marL="2057400" indent="-228600" algn="l" defTabSz="457200" rtl="0" eaLnBrk="1" latinLnBrk="0" hangingPunct="1">
+              <a:spcBef>
+                <a:spcPts val="1000"/>
+              </a:spcBef>
+              <a:spcAft>
+                <a:spcPts val="0"/>
+              </a:spcAft>
+              <a:buClr>
+                <a:schemeClr val="accent1"/>
+              </a:buClr>
+              <a:buSzPct val="80000"/>
+              <a:buFont typeface="Wingdings 3" charset="2"/>
+              <a:buChar char=""/>
+              <a:defRPr sz="1200" b="0" i="0" kern="1200">
+                <a:solidFill>
+                  <a:schemeClr val="tx1">
+                    <a:lumMod val="75000"/>
+                    <a:lumOff val="25000"/>
+                  </a:schemeClr>
+                </a:solidFill>
+                <a:latin typeface="+mn-lt"/>
+                <a:ea typeface="+mn-ea"/>
+                <a:cs typeface="+mn-cs"/>
+              </a:defRPr>
+            </a:lvl5pPr>
+            <a:lvl6pPr marL="2514600" indent="-228600" algn="l" defTabSz="457200" rtl="0" eaLnBrk="1" latinLnBrk="0" hangingPunct="1">
+              <a:spcBef>
+                <a:spcPts val="1000"/>
+              </a:spcBef>
+              <a:spcAft>
+                <a:spcPts val="0"/>
+              </a:spcAft>
+              <a:buClr>
+                <a:schemeClr val="accent1"/>
+              </a:buClr>
+              <a:buSzPct val="80000"/>
+              <a:buFont typeface="Wingdings 3" charset="2"/>
+              <a:buChar char=""/>
+              <a:defRPr sz="1200" b="0" i="0" kern="1200">
+                <a:solidFill>
+                  <a:schemeClr val="tx1">
+                    <a:lumMod val="75000"/>
+                    <a:lumOff val="25000"/>
+                  </a:schemeClr>
+                </a:solidFill>
+                <a:latin typeface="+mn-lt"/>
+                <a:ea typeface="+mn-ea"/>
+                <a:cs typeface="+mn-cs"/>
+              </a:defRPr>
+            </a:lvl6pPr>
+            <a:lvl7pPr marL="2971800" indent="-228600" algn="l" defTabSz="457200" rtl="0" eaLnBrk="1" latinLnBrk="0" hangingPunct="1">
+              <a:spcBef>
+                <a:spcPts val="1000"/>
+              </a:spcBef>
+              <a:spcAft>
+                <a:spcPts val="0"/>
+              </a:spcAft>
+              <a:buClr>
+                <a:schemeClr val="accent1"/>
+              </a:buClr>
+              <a:buSzPct val="80000"/>
+              <a:buFont typeface="Wingdings 3" charset="2"/>
+              <a:buChar char=""/>
+              <a:defRPr sz="1200" b="0" i="0" kern="1200">
+                <a:solidFill>
+                  <a:schemeClr val="tx1">
+                    <a:lumMod val="75000"/>
+                    <a:lumOff val="25000"/>
+                  </a:schemeClr>
+                </a:solidFill>
+                <a:latin typeface="+mn-lt"/>
+                <a:ea typeface="+mn-ea"/>
+                <a:cs typeface="+mn-cs"/>
+              </a:defRPr>
+            </a:lvl7pPr>
+            <a:lvl8pPr marL="3429000" indent="-228600" algn="l" defTabSz="457200" rtl="0" eaLnBrk="1" latinLnBrk="0" hangingPunct="1">
+              <a:spcBef>
+                <a:spcPts val="1000"/>
+              </a:spcBef>
+              <a:spcAft>
+                <a:spcPts val="0"/>
+              </a:spcAft>
+              <a:buClr>
+                <a:schemeClr val="accent1"/>
+              </a:buClr>
+              <a:buSzPct val="80000"/>
+              <a:buFont typeface="Wingdings 3" charset="2"/>
+              <a:buChar char=""/>
+              <a:defRPr sz="1200" b="0" i="0" kern="1200">
+                <a:solidFill>
+                  <a:schemeClr val="tx1">
+                    <a:lumMod val="75000"/>
+                    <a:lumOff val="25000"/>
+                  </a:schemeClr>
+                </a:solidFill>
+                <a:latin typeface="+mn-lt"/>
+                <a:ea typeface="+mn-ea"/>
+                <a:cs typeface="+mn-cs"/>
+              </a:defRPr>
+            </a:lvl8pPr>
+            <a:lvl9pPr marL="3886200" indent="-228600" algn="l" defTabSz="457200" rtl="0" eaLnBrk="1" latinLnBrk="0" hangingPunct="1">
+              <a:spcBef>
+                <a:spcPts val="1000"/>
+              </a:spcBef>
+              <a:spcAft>
+                <a:spcPts val="0"/>
+              </a:spcAft>
+              <a:buClr>
+                <a:schemeClr val="accent1"/>
+              </a:buClr>
+              <a:buSzPct val="80000"/>
+              <a:buFont typeface="Wingdings 3" charset="2"/>
+              <a:buChar char=""/>
+              <a:defRPr sz="1200" b="0" i="0" kern="1200">
+                <a:solidFill>
+                  <a:schemeClr val="tx1">
+                    <a:lumMod val="75000"/>
+                    <a:lumOff val="25000"/>
+                  </a:schemeClr>
+                </a:solidFill>
+                <a:latin typeface="+mn-lt"/>
+                <a:ea typeface="+mn-ea"/>
+                <a:cs typeface="+mn-cs"/>
+              </a:defRPr>
+            </a:lvl9pPr>
+          </a:lstStyle>
+          <a:p>
             <a:r>
-              <a:rPr lang="en-US" sz="1050" i="1" dirty="0"/>
-              <a:t>52 percent of respondents aged 16 to 19 years old stated that pop music was their favorite music genre, compared to 19 percent of respondents aged 65 or above(I need data for this</a:t>
+              <a:rPr lang="en-US" sz="1000" dirty="0">
+                <a:solidFill>
+                  <a:schemeClr val="bg1"/>
+                </a:solidFill>
+              </a:rPr>
+              <a:t>The statistic provides data on Popularity, Trends and Demographics  among consumers in the United States from 2010 to 2019. </a:t>
             </a:r>
           </a:p>
         </p:txBody>
@@ -17694,7 +20282,7 @@
     </p:spTree>
     <p:extLst>
       <p:ext uri="{BB962C8B-B14F-4D97-AF65-F5344CB8AC3E}">
-        <p14:creationId xmlns:p14="http://schemas.microsoft.com/office/powerpoint/2010/main" val="2843926181"/>
+        <p14:creationId xmlns:p14="http://schemas.microsoft.com/office/powerpoint/2010/main" val="1967789513"/>
       </p:ext>
     </p:extLst>
   </p:cSld>
@@ -17704,7 +20292,7 @@
 </p:sld>
 </file>
 
-<file path=ppt/slides/slide6.xml><?xml version="1.0" encoding="utf-8"?>
+<file path=ppt/slides/slide7.xml><?xml version="1.0" encoding="utf-8"?>
 <p:sld xmlns:a="http://schemas.openxmlformats.org/drawingml/2006/main" xmlns:r="http://schemas.openxmlformats.org/officeDocument/2006/relationships" xmlns:p="http://schemas.openxmlformats.org/presentationml/2006/main">
   <p:cSld>
     <p:spTree>
@@ -17726,7 +20314,7 @@
           <p:cNvPr id="2" name="Title 1">
             <a:extLst>
               <a:ext uri="{FF2B5EF4-FFF2-40B4-BE49-F238E27FC236}">
-                <a16:creationId xmlns:a16="http://schemas.microsoft.com/office/drawing/2014/main" id="{37299108-AF03-45DB-B861-488E97D6949A}"/>
+                <a16:creationId xmlns:a16="http://schemas.microsoft.com/office/drawing/2014/main" id="{26E23451-5887-4DA4-9DF3-F6F2EF46FDFC}"/>
               </a:ext>
             </a:extLst>
           </p:cNvPr>
@@ -17744,17 +20332,363 @@
           <a:p>
             <a:r>
               <a:rPr lang="en-US" dirty="0"/>
-              <a:t>Summary</a:t>
+              <a:t>Popularity, Trends and Demographic</a:t>
             </a:r>
+            <a:br>
+              <a:rPr lang="en-US" dirty="0"/>
+            </a:br>
+            <a:r>
+              <a:rPr lang="en-US" dirty="0"/>
+              <a:t>2010 -2019</a:t>
+            </a:r>
+            <a:br>
+              <a:rPr lang="en-US" dirty="0"/>
+            </a:br>
+            <a:endParaRPr lang="en-US" dirty="0"/>
           </a:p>
         </p:txBody>
       </p:sp>
+      <p:pic>
+        <p:nvPicPr>
+          <p:cNvPr id="8" name="Picture 7">
+            <a:extLst>
+              <a:ext uri="{FF2B5EF4-FFF2-40B4-BE49-F238E27FC236}">
+                <a16:creationId xmlns:a16="http://schemas.microsoft.com/office/drawing/2014/main" id="{545FF779-0B1C-42F4-BF98-3B25CAF926A8}"/>
+              </a:ext>
+            </a:extLst>
+          </p:cNvPr>
+          <p:cNvPicPr>
+            <a:picLocks noChangeAspect="1"/>
+          </p:cNvPicPr>
+          <p:nvPr/>
+        </p:nvPicPr>
+        <p:blipFill>
+          <a:blip r:embed="rId2"/>
+          <a:stretch>
+            <a:fillRect/>
+          </a:stretch>
+        </p:blipFill>
+        <p:spPr>
+          <a:xfrm>
+            <a:off x="180219" y="2919002"/>
+            <a:ext cx="5806317" cy="3349718"/>
+          </a:xfrm>
+          <a:prstGeom prst="rect">
+            <a:avLst/>
+          </a:prstGeom>
+        </p:spPr>
+      </p:pic>
+      <p:pic>
+        <p:nvPicPr>
+          <p:cNvPr id="10" name="Picture 9">
+            <a:extLst>
+              <a:ext uri="{FF2B5EF4-FFF2-40B4-BE49-F238E27FC236}">
+                <a16:creationId xmlns:a16="http://schemas.microsoft.com/office/drawing/2014/main" id="{D52C4C1F-F3F7-499B-8BA6-0723FC562264}"/>
+              </a:ext>
+            </a:extLst>
+          </p:cNvPr>
+          <p:cNvPicPr>
+            <a:picLocks noChangeAspect="1"/>
+          </p:cNvPicPr>
+          <p:nvPr/>
+        </p:nvPicPr>
+        <p:blipFill>
+          <a:blip r:embed="rId3"/>
+          <a:stretch>
+            <a:fillRect/>
+          </a:stretch>
+        </p:blipFill>
+        <p:spPr>
+          <a:xfrm>
+            <a:off x="5976740" y="2675188"/>
+            <a:ext cx="6035040" cy="3593531"/>
+          </a:xfrm>
+          <a:prstGeom prst="rect">
+            <a:avLst/>
+          </a:prstGeom>
+        </p:spPr>
+      </p:pic>
+    </p:spTree>
+    <p:extLst>
+      <p:ext uri="{BB962C8B-B14F-4D97-AF65-F5344CB8AC3E}">
+        <p14:creationId xmlns:p14="http://schemas.microsoft.com/office/powerpoint/2010/main" val="2843926181"/>
+      </p:ext>
+    </p:extLst>
+  </p:cSld>
+  <p:clrMapOvr>
+    <a:masterClrMapping/>
+  </p:clrMapOvr>
+</p:sld>
+</file>
+
+<file path=ppt/slides/slide8.xml><?xml version="1.0" encoding="utf-8"?>
+<p:sld xmlns:a="http://schemas.openxmlformats.org/drawingml/2006/main" xmlns:r="http://schemas.openxmlformats.org/officeDocument/2006/relationships" xmlns:p="http://schemas.openxmlformats.org/presentationml/2006/main">
+  <p:cSld>
+    <p:bg>
+      <p:bgPr>
+        <a:blipFill rotWithShape="1">
+          <a:blip r:embed="rId2">
+            <a:duotone>
+              <a:schemeClr val="bg2">
+                <a:shade val="69000"/>
+                <a:hueMod val="91000"/>
+                <a:satMod val="164000"/>
+                <a:lumMod val="74000"/>
+              </a:schemeClr>
+              <a:schemeClr val="bg2">
+                <a:hueMod val="124000"/>
+                <a:satMod val="140000"/>
+                <a:lumMod val="142000"/>
+              </a:schemeClr>
+            </a:duotone>
+          </a:blip>
+          <a:stretch/>
+        </a:blipFill>
+        <a:effectLst/>
+      </p:bgPr>
+    </p:bg>
+    <p:spTree>
+      <p:nvGrpSpPr>
+        <p:cNvPr id="1" name=""/>
+        <p:cNvGrpSpPr/>
+        <p:nvPr/>
+      </p:nvGrpSpPr>
+      <p:grpSpPr>
+        <a:xfrm>
+          <a:off x="0" y="0"/>
+          <a:ext cx="0" cy="0"/>
+          <a:chOff x="0" y="0"/>
+          <a:chExt cx="0" cy="0"/>
+        </a:xfrm>
+      </p:grpSpPr>
+      <p:sp useBgFill="1">
+        <p:nvSpPr>
+          <p:cNvPr id="6" name="Rectangle 8">
+            <a:extLst>
+              <a:ext uri="{FF2B5EF4-FFF2-40B4-BE49-F238E27FC236}">
+                <a16:creationId xmlns:a16="http://schemas.microsoft.com/office/drawing/2014/main" id="{C314C310-850D-4491-AA52-C75BEA68B68C}"/>
+              </a:ext>
+              <a:ext uri="{C183D7F6-B498-43B3-948B-1728B52AA6E4}">
+                <adec:decorative xmlns:adec="http://schemas.microsoft.com/office/drawing/2017/decorative" val="1"/>
+              </a:ext>
+            </a:extLst>
+          </p:cNvPr>
+          <p:cNvSpPr>
+            <a:spLocks noGrp="1" noRot="1" noChangeAspect="1" noMove="1" noResize="1" noEditPoints="1" noAdjustHandles="1" noChangeArrowheads="1" noChangeShapeType="1" noTextEdit="1"/>
+          </p:cNvSpPr>
+          <p:nvPr>
+            <p:extLst>
+              <p:ext uri="{386F3935-93C4-4BCD-93E2-E3B085C9AB24}">
+                <p16:designElem xmlns:p16="http://schemas.microsoft.com/office/powerpoint/2015/main" val="1"/>
+              </p:ext>
+            </p:extLst>
+          </p:nvPr>
+        </p:nvSpPr>
+        <p:spPr>
+          <a:xfrm>
+            <a:off x="0" y="0"/>
+            <a:ext cx="12192000" cy="6858000"/>
+          </a:xfrm>
+          <a:prstGeom prst="rect">
+            <a:avLst/>
+          </a:prstGeom>
+          <a:ln>
+            <a:noFill/>
+          </a:ln>
+        </p:spPr>
+        <p:style>
+          <a:lnRef idx="2">
+            <a:schemeClr val="accent1">
+              <a:shade val="50000"/>
+            </a:schemeClr>
+          </a:lnRef>
+          <a:fillRef idx="1">
+            <a:schemeClr val="accent1"/>
+          </a:fillRef>
+          <a:effectRef idx="0">
+            <a:schemeClr val="accent1"/>
+          </a:effectRef>
+          <a:fontRef idx="minor">
+            <a:schemeClr val="lt1"/>
+          </a:fontRef>
+        </p:style>
+        <p:txBody>
+          <a:bodyPr rtlCol="0" anchor="ctr"/>
+          <a:lstStyle/>
+          <a:p>
+            <a:pPr algn="ctr"/>
+            <a:endParaRPr lang="en-US"/>
+          </a:p>
+        </p:txBody>
+      </p:sp>
+      <p:grpSp>
+        <p:nvGrpSpPr>
+          <p:cNvPr id="11" name="Group 10">
+            <a:extLst>
+              <a:ext uri="{FF2B5EF4-FFF2-40B4-BE49-F238E27FC236}">
+                <a16:creationId xmlns:a16="http://schemas.microsoft.com/office/drawing/2014/main" id="{D4EC3799-3F52-48CE-85CC-83AED368EB42}"/>
+              </a:ext>
+              <a:ext uri="{C183D7F6-B498-43B3-948B-1728B52AA6E4}">
+                <adec:decorative xmlns:adec="http://schemas.microsoft.com/office/drawing/2017/decorative" val="1"/>
+              </a:ext>
+            </a:extLst>
+          </p:cNvPr>
+          <p:cNvGrpSpPr>
+            <a:grpSpLocks noGrp="1" noUngrp="1" noRot="1" noChangeAspect="1" noMove="1" noResize="1"/>
+          </p:cNvGrpSpPr>
+          <p:nvPr>
+            <p:extLst>
+              <p:ext uri="{386F3935-93C4-4BCD-93E2-E3B085C9AB24}">
+                <p16:designElem xmlns:p16="http://schemas.microsoft.com/office/powerpoint/2015/main" val="1"/>
+              </p:ext>
+            </p:extLst>
+          </p:nvPr>
+        </p:nvGrpSpPr>
+        <p:grpSpPr>
+          <a:xfrm>
+            <a:off x="0" y="0"/>
+            <a:ext cx="12192000" cy="6858000"/>
+            <a:chOff x="0" y="0"/>
+            <a:chExt cx="12192000" cy="6858000"/>
+          </a:xfrm>
+        </p:grpSpPr>
+        <p:sp>
+          <p:nvSpPr>
+            <p:cNvPr id="7" name="Rectangle 11">
+              <a:extLst>
+                <a:ext uri="{FF2B5EF4-FFF2-40B4-BE49-F238E27FC236}">
+                  <a16:creationId xmlns:a16="http://schemas.microsoft.com/office/drawing/2014/main" id="{F3FC2939-BF10-4CBC-904B-74A17D4B9C35}"/>
+                </a:ext>
+                <a:ext uri="{C183D7F6-B498-43B3-948B-1728B52AA6E4}">
+                  <adec:decorative xmlns:adec="http://schemas.microsoft.com/office/drawing/2017/decorative" val="1"/>
+                </a:ext>
+              </a:extLst>
+            </p:cNvPr>
+            <p:cNvSpPr/>
+            <p:nvPr>
+              <p:extLst>
+                <p:ext uri="{386F3935-93C4-4BCD-93E2-E3B085C9AB24}">
+                  <p16:designElem xmlns:p16="http://schemas.microsoft.com/office/powerpoint/2015/main" val="1"/>
+                </p:ext>
+              </p:extLst>
+            </p:nvPr>
+          </p:nvSpPr>
+          <p:spPr>
+            <a:xfrm>
+              <a:off x="0" y="0"/>
+              <a:ext cx="12192000" cy="6858000"/>
+            </a:xfrm>
+            <a:prstGeom prst="rect">
+              <a:avLst/>
+            </a:prstGeom>
+            <a:noFill/>
+            <a:ln>
+              <a:noFill/>
+            </a:ln>
+          </p:spPr>
+          <p:style>
+            <a:lnRef idx="2">
+              <a:schemeClr val="accent1">
+                <a:shade val="50000"/>
+              </a:schemeClr>
+            </a:lnRef>
+            <a:fillRef idx="1">
+              <a:schemeClr val="accent1"/>
+            </a:fillRef>
+            <a:effectRef idx="0">
+              <a:schemeClr val="accent1"/>
+            </a:effectRef>
+            <a:fontRef idx="minor">
+              <a:schemeClr val="lt1"/>
+            </a:fontRef>
+          </p:style>
+        </p:sp>
+        <p:sp>
+          <p:nvSpPr>
+            <p:cNvPr id="13" name="Freeform 5">
+              <a:extLst>
+                <a:ext uri="{FF2B5EF4-FFF2-40B4-BE49-F238E27FC236}">
+                  <a16:creationId xmlns:a16="http://schemas.microsoft.com/office/drawing/2014/main" id="{266B6D5D-11B6-40A6-9CEF-F0B0D104C5C6}"/>
+                </a:ext>
+                <a:ext uri="{C183D7F6-B498-43B3-948B-1728B52AA6E4}">
+                  <adec:decorative xmlns:adec="http://schemas.microsoft.com/office/drawing/2017/decorative" val="1"/>
+                </a:ext>
+              </a:extLst>
+            </p:cNvPr>
+            <p:cNvSpPr>
+              <a:spLocks noEditPoints="1"/>
+            </p:cNvSpPr>
+            <p:nvPr>
+              <p:extLst>
+                <p:ext uri="{386F3935-93C4-4BCD-93E2-E3B085C9AB24}">
+                  <p16:designElem xmlns:p16="http://schemas.microsoft.com/office/powerpoint/2015/main" val="1"/>
+                </p:ext>
+              </p:extLst>
+            </p:nvPr>
+          </p:nvSpPr>
+          <p:spPr bwMode="gray">
+            <a:xfrm>
+              <a:off x="0" y="1587"/>
+              <a:ext cx="12192000" cy="6856413"/>
+            </a:xfrm>
+            <a:custGeom>
+              <a:avLst/>
+              <a:gdLst/>
+              <a:ahLst/>
+              <a:cxnLst/>
+              <a:rect l="0" t="0" r="r" b="b"/>
+              <a:pathLst>
+                <a:path w="15356" h="8638">
+                  <a:moveTo>
+                    <a:pt x="0" y="0"/>
+                  </a:moveTo>
+                  <a:lnTo>
+                    <a:pt x="0" y="8638"/>
+                  </a:lnTo>
+                  <a:lnTo>
+                    <a:pt x="15356" y="8638"/>
+                  </a:lnTo>
+                  <a:lnTo>
+                    <a:pt x="15356" y="0"/>
+                  </a:lnTo>
+                  <a:lnTo>
+                    <a:pt x="0" y="0"/>
+                  </a:lnTo>
+                  <a:close/>
+                  <a:moveTo>
+                    <a:pt x="14748" y="8038"/>
+                  </a:moveTo>
+                  <a:lnTo>
+                    <a:pt x="600" y="8038"/>
+                  </a:lnTo>
+                  <a:lnTo>
+                    <a:pt x="600" y="592"/>
+                  </a:lnTo>
+                  <a:lnTo>
+                    <a:pt x="14748" y="592"/>
+                  </a:lnTo>
+                  <a:lnTo>
+                    <a:pt x="14748" y="8038"/>
+                  </a:lnTo>
+                  <a:close/>
+                </a:path>
+              </a:pathLst>
+            </a:custGeom>
+            <a:solidFill>
+              <a:schemeClr val="tx1"/>
+            </a:solidFill>
+            <a:ln>
+              <a:noFill/>
+            </a:ln>
+          </p:spPr>
+        </p:sp>
+      </p:grpSp>
       <p:sp>
         <p:nvSpPr>
-          <p:cNvPr id="3" name="Content Placeholder 2">
+          <p:cNvPr id="2" name="Title 1">
             <a:extLst>
               <a:ext uri="{FF2B5EF4-FFF2-40B4-BE49-F238E27FC236}">
-                <a16:creationId xmlns:a16="http://schemas.microsoft.com/office/drawing/2014/main" id="{1D347413-0054-4828-9548-83CA2936A77F}"/>
+                <a16:creationId xmlns:a16="http://schemas.microsoft.com/office/drawing/2014/main" id="{37299108-AF03-45DB-B861-488E97D6949A}"/>
               </a:ext>
             </a:extLst>
           </p:cNvPr>
@@ -17762,18 +20696,114 @@
             <a:spLocks noGrp="1"/>
           </p:cNvSpPr>
           <p:nvPr>
-            <p:ph idx="1"/>
+            <p:ph type="title"/>
           </p:nvPr>
         </p:nvSpPr>
-        <p:spPr/>
+        <p:spPr>
+          <a:xfrm>
+            <a:off x="836247" y="1085549"/>
+            <a:ext cx="3430947" cy="4686903"/>
+          </a:xfrm>
+        </p:spPr>
         <p:txBody>
-          <a:bodyPr/>
+          <a:bodyPr vert="horz" lIns="91440" tIns="45720" rIns="91440" bIns="45720" rtlCol="0" anchor="ctr">
+            <a:normAutofit/>
+          </a:bodyPr>
           <a:lstStyle/>
           <a:p>
-            <a:endParaRPr lang="en-US"/>
+            <a:pPr algn="r"/>
+            <a:r>
+              <a:rPr lang="en-US">
+                <a:solidFill>
+                  <a:schemeClr val="tx1"/>
+                </a:solidFill>
+              </a:rPr>
+              <a:t>Summary</a:t>
+            </a:r>
           </a:p>
         </p:txBody>
       </p:sp>
+      <p:cxnSp>
+        <p:nvCxnSpPr>
+          <p:cNvPr id="17" name="Straight Connector 14">
+            <a:extLst>
+              <a:ext uri="{FF2B5EF4-FFF2-40B4-BE49-F238E27FC236}">
+                <a16:creationId xmlns:a16="http://schemas.microsoft.com/office/drawing/2014/main" id="{789E20C7-BB50-4317-93C7-90C8ED80B275}"/>
+              </a:ext>
+              <a:ext uri="{C183D7F6-B498-43B3-948B-1728B52AA6E4}">
+                <adec:decorative xmlns:adec="http://schemas.microsoft.com/office/drawing/2017/decorative" val="1"/>
+              </a:ext>
+            </a:extLst>
+          </p:cNvPr>
+          <p:cNvCxnSpPr>
+            <a:cxnSpLocks noGrp="1" noRot="1" noChangeAspect="1" noMove="1" noResize="1" noEditPoints="1" noAdjustHandles="1" noChangeArrowheads="1" noChangeShapeType="1"/>
+          </p:cNvCxnSpPr>
+          <p:nvPr>
+            <p:extLst>
+              <p:ext uri="{386F3935-93C4-4BCD-93E2-E3B085C9AB24}">
+                <p16:designElem xmlns:p16="http://schemas.microsoft.com/office/powerpoint/2015/main" val="1"/>
+              </p:ext>
+            </p:extLst>
+          </p:nvPr>
+        </p:nvCxnSpPr>
+        <p:spPr>
+          <a:xfrm>
+            <a:off x="4654296" y="1930986"/>
+            <a:ext cx="0" cy="3200400"/>
+          </a:xfrm>
+          <a:prstGeom prst="line">
+            <a:avLst/>
+          </a:prstGeom>
+          <a:ln w="15875" cap="sq">
+            <a:solidFill>
+              <a:schemeClr val="tx1"/>
+            </a:solidFill>
+            <a:miter lim="800000"/>
+          </a:ln>
+        </p:spPr>
+        <p:style>
+          <a:lnRef idx="1">
+            <a:schemeClr val="accent1"/>
+          </a:lnRef>
+          <a:fillRef idx="0">
+            <a:schemeClr val="accent1"/>
+          </a:fillRef>
+          <a:effectRef idx="0">
+            <a:schemeClr val="accent1"/>
+          </a:effectRef>
+          <a:fontRef idx="minor">
+            <a:schemeClr val="tx1"/>
+          </a:fontRef>
+        </p:style>
+      </p:cxnSp>
+      <p:pic>
+        <p:nvPicPr>
+          <p:cNvPr id="19" name="Content Placeholder 18">
+            <a:extLst>
+              <a:ext uri="{FF2B5EF4-FFF2-40B4-BE49-F238E27FC236}">
+                <a16:creationId xmlns:a16="http://schemas.microsoft.com/office/drawing/2014/main" id="{1CECE00A-6D30-49C8-92B2-800291B2FC91}"/>
+              </a:ext>
+            </a:extLst>
+          </p:cNvPr>
+          <p:cNvPicPr>
+            <a:picLocks noGrp="1" noChangeAspect="1"/>
+          </p:cNvPicPr>
+          <p:nvPr>
+            <p:ph idx="1"/>
+          </p:nvPr>
+        </p:nvPicPr>
+        <p:blipFill rotWithShape="1">
+          <a:blip r:embed="rId3"/>
+          <a:srcRect l="1196"/>
+          <a:stretch/>
+        </p:blipFill>
+        <p:spPr>
+          <a:xfrm>
+            <a:off x="4917439" y="1560146"/>
+            <a:ext cx="6438313" cy="3942080"/>
+          </a:xfrm>
+        </p:spPr>
+      </p:pic>
     </p:spTree>
     <p:extLst>
       <p:ext uri="{BB962C8B-B14F-4D97-AF65-F5344CB8AC3E}">
@@ -17782,7 +20812,7 @@
     </p:extLst>
   </p:cSld>
   <p:clrMapOvr>
-    <a:masterClrMapping/>
+    <a:overrideClrMapping bg1="dk1" tx1="lt1" bg2="dk2" tx2="lt2" accent1="accent1" accent2="accent2" accent3="accent3" accent4="accent4" accent5="accent5" accent6="accent6" hlink="hlink" folHlink="folHlink"/>
   </p:clrMapOvr>
 </p:sld>
 </file>
@@ -18052,24 +21082,6 @@
 </file>
 
 <file path=customXml/item1.xml><?xml version="1.0" encoding="utf-8"?>
-<p:properties xmlns:p="http://schemas.microsoft.com/office/2006/metadata/properties" xmlns:xsi="http://www.w3.org/2001/XMLSchema-instance" xmlns:pc="http://schemas.microsoft.com/office/infopath/2007/PartnerControls">
-  <documentManagement>
-    <Status xmlns="71af3243-3dd4-4a8d-8c0d-dd76da1f02a5">Not started</Status>
-    <MediaServiceKeyPoints xmlns="71af3243-3dd4-4a8d-8c0d-dd76da1f02a5" xsi:nil="true"/>
-  </documentManagement>
-</p:properties>
-</file>
-
-<file path=customXml/item2.xml><?xml version="1.0" encoding="utf-8"?>
-<?mso-contentType ?>
-<FormTemplates xmlns="http://schemas.microsoft.com/sharepoint/v3/contenttype/forms">
-  <Display>DocumentLibraryForm</Display>
-  <Edit>DocumentLibraryForm</Edit>
-  <New>DocumentLibraryForm</New>
-</FormTemplates>
-</file>
-
-<file path=customXml/item3.xml><?xml version="1.0" encoding="utf-8"?>
 <ct:contentTypeSchema xmlns:ct="http://schemas.microsoft.com/office/2006/metadata/contentType" xmlns:ma="http://schemas.microsoft.com/office/2006/metadata/properties/metaAttributes" ct:_="" ma:_="" ma:contentTypeName="Document" ma:contentTypeID="0x01010079F111ED35F8CC479449609E8A0923A6" ma:contentTypeVersion="12" ma:contentTypeDescription="Create a new document." ma:contentTypeScope="" ma:versionID="a410dd7f93c95333ffa1b60ed6adedd1">
   <xsd:schema xmlns:xsd="http://www.w3.org/2001/XMLSchema" xmlns:xs="http://www.w3.org/2001/XMLSchema" xmlns:p="http://schemas.microsoft.com/office/2006/metadata/properties" xmlns:ns2="71af3243-3dd4-4a8d-8c0d-dd76da1f02a5" xmlns:ns3="16c05727-aa75-4e4a-9b5f-8a80a1165891" targetNamespace="http://schemas.microsoft.com/office/2006/metadata/properties" ma:root="true" ma:fieldsID="a936d9baba76aa3866493feff160faab" ns2:_="" ns3:_="">
     <xsd:import namespace="71af3243-3dd4-4a8d-8c0d-dd76da1f02a5"/>
@@ -18290,25 +21302,25 @@
 </ct:contentTypeSchema>
 </file>
 
-<file path=customXml/itemProps1.xml><?xml version="1.0" encoding="utf-8"?>
-<ds:datastoreItem xmlns:ds="http://schemas.openxmlformats.org/officeDocument/2006/customXml" ds:itemID="{137651BA-F45C-4845-9AB3-E0A65B39F5E1}">
-  <ds:schemaRefs>
-    <ds:schemaRef ds:uri="http://schemas.microsoft.com/office/2006/metadata/properties"/>
-    <ds:schemaRef ds:uri="http://schemas.microsoft.com/office/infopath/2007/PartnerControls"/>
-    <ds:schemaRef ds:uri="71af3243-3dd4-4a8d-8c0d-dd76da1f02a5"/>
-  </ds:schemaRefs>
-</ds:datastoreItem>
+<file path=customXml/item2.xml><?xml version="1.0" encoding="utf-8"?>
+<?mso-contentType ?>
+<FormTemplates xmlns="http://schemas.microsoft.com/sharepoint/v3/contenttype/forms">
+  <Display>DocumentLibraryForm</Display>
+  <Edit>DocumentLibraryForm</Edit>
+  <New>DocumentLibraryForm</New>
+</FormTemplates>
 </file>
 
-<file path=customXml/itemProps2.xml><?xml version="1.0" encoding="utf-8"?>
-<ds:datastoreItem xmlns:ds="http://schemas.openxmlformats.org/officeDocument/2006/customXml" ds:itemID="{CDB58277-F8DF-46FF-84EC-EF41B835E69F}">
-  <ds:schemaRefs>
-    <ds:schemaRef ds:uri="http://schemas.microsoft.com/sharepoint/v3/contenttype/forms"/>
-  </ds:schemaRefs>
-</ds:datastoreItem>
+<file path=customXml/item3.xml><?xml version="1.0" encoding="utf-8"?>
+<p:properties xmlns:p="http://schemas.microsoft.com/office/2006/metadata/properties" xmlns:xsi="http://www.w3.org/2001/XMLSchema-instance" xmlns:pc="http://schemas.microsoft.com/office/infopath/2007/PartnerControls">
+  <documentManagement>
+    <Status xmlns="71af3243-3dd4-4a8d-8c0d-dd76da1f02a5">Not started</Status>
+    <MediaServiceKeyPoints xmlns="71af3243-3dd4-4a8d-8c0d-dd76da1f02a5" xsi:nil="true"/>
+  </documentManagement>
+</p:properties>
 </file>
 
-<file path=customXml/itemProps3.xml><?xml version="1.0" encoding="utf-8"?>
+<file path=customXml/itemProps1.xml><?xml version="1.0" encoding="utf-8"?>
 <ds:datastoreItem xmlns:ds="http://schemas.openxmlformats.org/officeDocument/2006/customXml" ds:itemID="{2D276E62-80A3-44DD-9BCC-97ED2B99B57F}">
   <ds:schemaRefs>
     <ds:schemaRef ds:uri="http://schemas.microsoft.com/office/2006/metadata/contentType"/>
@@ -18325,4 +21337,22 @@
     <ds:schemaRef ds:uri="http://schemas.microsoft.com/internal/obd"/>
   </ds:schemaRefs>
 </ds:datastoreItem>
+</file>
+
+<file path=customXml/itemProps2.xml><?xml version="1.0" encoding="utf-8"?>
+<ds:datastoreItem xmlns:ds="http://schemas.openxmlformats.org/officeDocument/2006/customXml" ds:itemID="{CDB58277-F8DF-46FF-84EC-EF41B835E69F}">
+  <ds:schemaRefs>
+    <ds:schemaRef ds:uri="http://schemas.microsoft.com/sharepoint/v3/contenttype/forms"/>
+  </ds:schemaRefs>
+</ds:datastoreItem>
+</file>
+
+<file path=customXml/itemProps3.xml><?xml version="1.0" encoding="utf-8"?>
+<ds:datastoreItem xmlns:ds="http://schemas.openxmlformats.org/officeDocument/2006/customXml" ds:itemID="{137651BA-F45C-4845-9AB3-E0A65B39F5E1}">
+  <ds:schemaRefs>
+    <ds:schemaRef ds:uri="http://schemas.microsoft.com/office/2006/metadata/properties"/>
+    <ds:schemaRef ds:uri="http://schemas.microsoft.com/office/infopath/2007/PartnerControls"/>
+    <ds:schemaRef ds:uri="71af3243-3dd4-4a8d-8c0d-dd76da1f02a5"/>
+  </ds:schemaRefs>
+</ds:datastoreItem>
 </file>